--- a/04-Buyuk-Veri-Sorgulama/05_presto.pptx
+++ b/04-Buyuk-Veri-Sorgulama/05_presto.pptx
@@ -129,6 +129,397 @@
 </p:presentation>
 </file>
 
+<file path=ppt/changesInfos/changesInfo1.xml><?xml version="1.0" encoding="utf-8"?>
+<pc:chgInfo xmlns:a="http://schemas.openxmlformats.org/drawingml/2006/main" xmlns:r="http://schemas.openxmlformats.org/officeDocument/2006/relationships" xmlns:ac="http://schemas.microsoft.com/office/drawing/2013/main/command" xmlns:pc="http://schemas.microsoft.com/office/powerpoint/2013/main/command">
+  <pc:docChgLst>
+    <pc:chgData name="Erkan ŞİRİN" userId="7f10ce1d6aaf8c5d" providerId="LiveId" clId="{74EFF639-6C63-4A8A-A464-18321EFF8DD2}"/>
+    <pc:docChg chg="custSel modSld">
+      <pc:chgData name="Erkan ŞİRİN" userId="7f10ce1d6aaf8c5d" providerId="LiveId" clId="{74EFF639-6C63-4A8A-A464-18321EFF8DD2}" dt="2019-07-23T04:55:05.830" v="16" actId="478"/>
+      <pc:docMkLst>
+        <pc:docMk/>
+      </pc:docMkLst>
+      <pc:sldChg chg="delSp">
+        <pc:chgData name="Erkan ŞİRİN" userId="7f10ce1d6aaf8c5d" providerId="LiveId" clId="{74EFF639-6C63-4A8A-A464-18321EFF8DD2}" dt="2019-07-23T04:53:42.017" v="0" actId="478"/>
+        <pc:sldMkLst>
+          <pc:docMk/>
+          <pc:sldMk cId="1416118015" sldId="257"/>
+        </pc:sldMkLst>
+        <pc:grpChg chg="del">
+          <ac:chgData name="Erkan ŞİRİN" userId="7f10ce1d6aaf8c5d" providerId="LiveId" clId="{74EFF639-6C63-4A8A-A464-18321EFF8DD2}" dt="2019-07-23T04:53:42.017" v="0" actId="478"/>
+          <ac:grpSpMkLst>
+            <pc:docMk/>
+            <pc:sldMk cId="1416118015" sldId="257"/>
+            <ac:grpSpMk id="11" creationId="{00000000-0000-0000-0000-000000000000}"/>
+          </ac:grpSpMkLst>
+        </pc:grpChg>
+        <pc:grpChg chg="del">
+          <ac:chgData name="Erkan ŞİRİN" userId="7f10ce1d6aaf8c5d" providerId="LiveId" clId="{74EFF639-6C63-4A8A-A464-18321EFF8DD2}" dt="2019-07-23T04:53:42.017" v="0" actId="478"/>
+          <ac:grpSpMkLst>
+            <pc:docMk/>
+            <pc:sldMk cId="1416118015" sldId="257"/>
+            <ac:grpSpMk id="15" creationId="{00000000-0000-0000-0000-000000000000}"/>
+          </ac:grpSpMkLst>
+        </pc:grpChg>
+      </pc:sldChg>
+      <pc:sldChg chg="delSp">
+        <pc:chgData name="Erkan ŞİRİN" userId="7f10ce1d6aaf8c5d" providerId="LiveId" clId="{74EFF639-6C63-4A8A-A464-18321EFF8DD2}" dt="2019-07-23T04:53:47.063" v="1" actId="478"/>
+        <pc:sldMkLst>
+          <pc:docMk/>
+          <pc:sldMk cId="1658966560" sldId="280"/>
+        </pc:sldMkLst>
+        <pc:grpChg chg="del">
+          <ac:chgData name="Erkan ŞİRİN" userId="7f10ce1d6aaf8c5d" providerId="LiveId" clId="{74EFF639-6C63-4A8A-A464-18321EFF8DD2}" dt="2019-07-23T04:53:47.063" v="1" actId="478"/>
+          <ac:grpSpMkLst>
+            <pc:docMk/>
+            <pc:sldMk cId="1658966560" sldId="280"/>
+            <ac:grpSpMk id="11" creationId="{00000000-0000-0000-0000-000000000000}"/>
+          </ac:grpSpMkLst>
+        </pc:grpChg>
+        <pc:grpChg chg="del">
+          <ac:chgData name="Erkan ŞİRİN" userId="7f10ce1d6aaf8c5d" providerId="LiveId" clId="{74EFF639-6C63-4A8A-A464-18321EFF8DD2}" dt="2019-07-23T04:53:47.063" v="1" actId="478"/>
+          <ac:grpSpMkLst>
+            <pc:docMk/>
+            <pc:sldMk cId="1658966560" sldId="280"/>
+            <ac:grpSpMk id="15" creationId="{00000000-0000-0000-0000-000000000000}"/>
+          </ac:grpSpMkLst>
+        </pc:grpChg>
+      </pc:sldChg>
+      <pc:sldChg chg="delSp">
+        <pc:chgData name="Erkan ŞİRİN" userId="7f10ce1d6aaf8c5d" providerId="LiveId" clId="{74EFF639-6C63-4A8A-A464-18321EFF8DD2}" dt="2019-07-23T04:54:08.230" v="5" actId="478"/>
+        <pc:sldMkLst>
+          <pc:docMk/>
+          <pc:sldMk cId="430368396" sldId="282"/>
+        </pc:sldMkLst>
+        <pc:grpChg chg="del">
+          <ac:chgData name="Erkan ŞİRİN" userId="7f10ce1d6aaf8c5d" providerId="LiveId" clId="{74EFF639-6C63-4A8A-A464-18321EFF8DD2}" dt="2019-07-23T04:54:08.230" v="5" actId="478"/>
+          <ac:grpSpMkLst>
+            <pc:docMk/>
+            <pc:sldMk cId="430368396" sldId="282"/>
+            <ac:grpSpMk id="11" creationId="{00000000-0000-0000-0000-000000000000}"/>
+          </ac:grpSpMkLst>
+        </pc:grpChg>
+        <pc:grpChg chg="del">
+          <ac:chgData name="Erkan ŞİRİN" userId="7f10ce1d6aaf8c5d" providerId="LiveId" clId="{74EFF639-6C63-4A8A-A464-18321EFF8DD2}" dt="2019-07-23T04:54:08.230" v="5" actId="478"/>
+          <ac:grpSpMkLst>
+            <pc:docMk/>
+            <pc:sldMk cId="430368396" sldId="282"/>
+            <ac:grpSpMk id="15" creationId="{00000000-0000-0000-0000-000000000000}"/>
+          </ac:grpSpMkLst>
+        </pc:grpChg>
+      </pc:sldChg>
+      <pc:sldChg chg="delSp">
+        <pc:chgData name="Erkan ŞİRİN" userId="7f10ce1d6aaf8c5d" providerId="LiveId" clId="{74EFF639-6C63-4A8A-A464-18321EFF8DD2}" dt="2019-07-23T04:53:52.015" v="2" actId="478"/>
+        <pc:sldMkLst>
+          <pc:docMk/>
+          <pc:sldMk cId="92395789" sldId="283"/>
+        </pc:sldMkLst>
+        <pc:grpChg chg="del">
+          <ac:chgData name="Erkan ŞİRİN" userId="7f10ce1d6aaf8c5d" providerId="LiveId" clId="{74EFF639-6C63-4A8A-A464-18321EFF8DD2}" dt="2019-07-23T04:53:52.015" v="2" actId="478"/>
+          <ac:grpSpMkLst>
+            <pc:docMk/>
+            <pc:sldMk cId="92395789" sldId="283"/>
+            <ac:grpSpMk id="11" creationId="{00000000-0000-0000-0000-000000000000}"/>
+          </ac:grpSpMkLst>
+        </pc:grpChg>
+        <pc:grpChg chg="del">
+          <ac:chgData name="Erkan ŞİRİN" userId="7f10ce1d6aaf8c5d" providerId="LiveId" clId="{74EFF639-6C63-4A8A-A464-18321EFF8DD2}" dt="2019-07-23T04:53:52.015" v="2" actId="478"/>
+          <ac:grpSpMkLst>
+            <pc:docMk/>
+            <pc:sldMk cId="92395789" sldId="283"/>
+            <ac:grpSpMk id="15" creationId="{00000000-0000-0000-0000-000000000000}"/>
+          </ac:grpSpMkLst>
+        </pc:grpChg>
+      </pc:sldChg>
+      <pc:sldChg chg="delSp">
+        <pc:chgData name="Erkan ŞİRİN" userId="7f10ce1d6aaf8c5d" providerId="LiveId" clId="{74EFF639-6C63-4A8A-A464-18321EFF8DD2}" dt="2019-07-23T04:54:14.869" v="6" actId="478"/>
+        <pc:sldMkLst>
+          <pc:docMk/>
+          <pc:sldMk cId="1144426767" sldId="284"/>
+        </pc:sldMkLst>
+        <pc:grpChg chg="del">
+          <ac:chgData name="Erkan ŞİRİN" userId="7f10ce1d6aaf8c5d" providerId="LiveId" clId="{74EFF639-6C63-4A8A-A464-18321EFF8DD2}" dt="2019-07-23T04:54:14.869" v="6" actId="478"/>
+          <ac:grpSpMkLst>
+            <pc:docMk/>
+            <pc:sldMk cId="1144426767" sldId="284"/>
+            <ac:grpSpMk id="11" creationId="{00000000-0000-0000-0000-000000000000}"/>
+          </ac:grpSpMkLst>
+        </pc:grpChg>
+        <pc:grpChg chg="del">
+          <ac:chgData name="Erkan ŞİRİN" userId="7f10ce1d6aaf8c5d" providerId="LiveId" clId="{74EFF639-6C63-4A8A-A464-18321EFF8DD2}" dt="2019-07-23T04:54:14.869" v="6" actId="478"/>
+          <ac:grpSpMkLst>
+            <pc:docMk/>
+            <pc:sldMk cId="1144426767" sldId="284"/>
+            <ac:grpSpMk id="15" creationId="{00000000-0000-0000-0000-000000000000}"/>
+          </ac:grpSpMkLst>
+        </pc:grpChg>
+      </pc:sldChg>
+      <pc:sldChg chg="delSp">
+        <pc:chgData name="Erkan ŞİRİN" userId="7f10ce1d6aaf8c5d" providerId="LiveId" clId="{74EFF639-6C63-4A8A-A464-18321EFF8DD2}" dt="2019-07-23T04:55:00.051" v="15" actId="478"/>
+        <pc:sldMkLst>
+          <pc:docMk/>
+          <pc:sldMk cId="806747080" sldId="285"/>
+        </pc:sldMkLst>
+        <pc:grpChg chg="del">
+          <ac:chgData name="Erkan ŞİRİN" userId="7f10ce1d6aaf8c5d" providerId="LiveId" clId="{74EFF639-6C63-4A8A-A464-18321EFF8DD2}" dt="2019-07-23T04:55:00.051" v="15" actId="478"/>
+          <ac:grpSpMkLst>
+            <pc:docMk/>
+            <pc:sldMk cId="806747080" sldId="285"/>
+            <ac:grpSpMk id="51" creationId="{00000000-0000-0000-0000-000000000000}"/>
+          </ac:grpSpMkLst>
+        </pc:grpChg>
+        <pc:grpChg chg="del">
+          <ac:chgData name="Erkan ŞİRİN" userId="7f10ce1d6aaf8c5d" providerId="LiveId" clId="{74EFF639-6C63-4A8A-A464-18321EFF8DD2}" dt="2019-07-23T04:55:00.051" v="15" actId="478"/>
+          <ac:grpSpMkLst>
+            <pc:docMk/>
+            <pc:sldMk cId="806747080" sldId="285"/>
+            <ac:grpSpMk id="114" creationId="{00000000-0000-0000-0000-000000000000}"/>
+          </ac:grpSpMkLst>
+        </pc:grpChg>
+      </pc:sldChg>
+      <pc:sldChg chg="delSp">
+        <pc:chgData name="Erkan ŞİRİN" userId="7f10ce1d6aaf8c5d" providerId="LiveId" clId="{74EFF639-6C63-4A8A-A464-18321EFF8DD2}" dt="2019-07-23T04:53:58.044" v="3" actId="478"/>
+        <pc:sldMkLst>
+          <pc:docMk/>
+          <pc:sldMk cId="4187908283" sldId="286"/>
+        </pc:sldMkLst>
+        <pc:grpChg chg="del">
+          <ac:chgData name="Erkan ŞİRİN" userId="7f10ce1d6aaf8c5d" providerId="LiveId" clId="{74EFF639-6C63-4A8A-A464-18321EFF8DD2}" dt="2019-07-23T04:53:58.044" v="3" actId="478"/>
+          <ac:grpSpMkLst>
+            <pc:docMk/>
+            <pc:sldMk cId="4187908283" sldId="286"/>
+            <ac:grpSpMk id="11" creationId="{00000000-0000-0000-0000-000000000000}"/>
+          </ac:grpSpMkLst>
+        </pc:grpChg>
+        <pc:grpChg chg="del">
+          <ac:chgData name="Erkan ŞİRİN" userId="7f10ce1d6aaf8c5d" providerId="LiveId" clId="{74EFF639-6C63-4A8A-A464-18321EFF8DD2}" dt="2019-07-23T04:53:58.044" v="3" actId="478"/>
+          <ac:grpSpMkLst>
+            <pc:docMk/>
+            <pc:sldMk cId="4187908283" sldId="286"/>
+            <ac:grpSpMk id="15" creationId="{00000000-0000-0000-0000-000000000000}"/>
+          </ac:grpSpMkLst>
+        </pc:grpChg>
+      </pc:sldChg>
+      <pc:sldChg chg="addSp delSp modSp">
+        <pc:chgData name="Erkan ŞİRİN" userId="7f10ce1d6aaf8c5d" providerId="LiveId" clId="{74EFF639-6C63-4A8A-A464-18321EFF8DD2}" dt="2019-07-23T04:54:26.340" v="9" actId="478"/>
+        <pc:sldMkLst>
+          <pc:docMk/>
+          <pc:sldMk cId="3897043770" sldId="287"/>
+        </pc:sldMkLst>
+        <pc:grpChg chg="del">
+          <ac:chgData name="Erkan ŞİRİN" userId="7f10ce1d6aaf8c5d" providerId="LiveId" clId="{74EFF639-6C63-4A8A-A464-18321EFF8DD2}" dt="2019-07-23T04:54:26.340" v="9" actId="478"/>
+          <ac:grpSpMkLst>
+            <pc:docMk/>
+            <pc:sldMk cId="3897043770" sldId="287"/>
+            <ac:grpSpMk id="11" creationId="{00000000-0000-0000-0000-000000000000}"/>
+          </ac:grpSpMkLst>
+        </pc:grpChg>
+        <pc:grpChg chg="del">
+          <ac:chgData name="Erkan ŞİRİN" userId="7f10ce1d6aaf8c5d" providerId="LiveId" clId="{74EFF639-6C63-4A8A-A464-18321EFF8DD2}" dt="2019-07-23T04:54:26.340" v="9" actId="478"/>
+          <ac:grpSpMkLst>
+            <pc:docMk/>
+            <pc:sldMk cId="3897043770" sldId="287"/>
+            <ac:grpSpMk id="15" creationId="{00000000-0000-0000-0000-000000000000}"/>
+          </ac:grpSpMkLst>
+        </pc:grpChg>
+        <pc:grpChg chg="add del mod">
+          <ac:chgData name="Erkan ŞİRİN" userId="7f10ce1d6aaf8c5d" providerId="LiveId" clId="{74EFF639-6C63-4A8A-A464-18321EFF8DD2}" dt="2019-07-23T04:54:22.716" v="8" actId="478"/>
+          <ac:grpSpMkLst>
+            <pc:docMk/>
+            <pc:sldMk cId="3897043770" sldId="287"/>
+            <ac:grpSpMk id="17" creationId="{136E6FF5-AF81-4441-8E9F-C4660FD8C51F}"/>
+          </ac:grpSpMkLst>
+        </pc:grpChg>
+        <pc:grpChg chg="mod">
+          <ac:chgData name="Erkan ŞİRİN" userId="7f10ce1d6aaf8c5d" providerId="LiveId" clId="{74EFF639-6C63-4A8A-A464-18321EFF8DD2}" dt="2019-07-23T04:54:21.654" v="7" actId="571"/>
+          <ac:grpSpMkLst>
+            <pc:docMk/>
+            <pc:sldMk cId="3897043770" sldId="287"/>
+            <ac:grpSpMk id="18" creationId="{34BAAF3F-3946-437C-88DE-DD00088642AE}"/>
+          </ac:grpSpMkLst>
+        </pc:grpChg>
+        <pc:grpChg chg="mod">
+          <ac:chgData name="Erkan ŞİRİN" userId="7f10ce1d6aaf8c5d" providerId="LiveId" clId="{74EFF639-6C63-4A8A-A464-18321EFF8DD2}" dt="2019-07-23T04:54:21.654" v="7" actId="571"/>
+          <ac:grpSpMkLst>
+            <pc:docMk/>
+            <pc:sldMk cId="3897043770" sldId="287"/>
+            <ac:grpSpMk id="21" creationId="{1C956BFB-8D78-451E-AC95-9DB5BECFC2E8}"/>
+          </ac:grpSpMkLst>
+        </pc:grpChg>
+        <pc:grpChg chg="add del mod">
+          <ac:chgData name="Erkan ŞİRİN" userId="7f10ce1d6aaf8c5d" providerId="LiveId" clId="{74EFF639-6C63-4A8A-A464-18321EFF8DD2}" dt="2019-07-23T04:54:22.716" v="8" actId="478"/>
+          <ac:grpSpMkLst>
+            <pc:docMk/>
+            <pc:sldMk cId="3897043770" sldId="287"/>
+            <ac:grpSpMk id="24" creationId="{51CAA5B9-EC48-425C-BF96-5A01A8DF12CC}"/>
+          </ac:grpSpMkLst>
+        </pc:grpChg>
+      </pc:sldChg>
+      <pc:sldChg chg="delSp">
+        <pc:chgData name="Erkan ŞİRİN" userId="7f10ce1d6aaf8c5d" providerId="LiveId" clId="{74EFF639-6C63-4A8A-A464-18321EFF8DD2}" dt="2019-07-23T04:54:33.417" v="10" actId="478"/>
+        <pc:sldMkLst>
+          <pc:docMk/>
+          <pc:sldMk cId="180617899" sldId="288"/>
+        </pc:sldMkLst>
+        <pc:grpChg chg="del">
+          <ac:chgData name="Erkan ŞİRİN" userId="7f10ce1d6aaf8c5d" providerId="LiveId" clId="{74EFF639-6C63-4A8A-A464-18321EFF8DD2}" dt="2019-07-23T04:54:33.417" v="10" actId="478"/>
+          <ac:grpSpMkLst>
+            <pc:docMk/>
+            <pc:sldMk cId="180617899" sldId="288"/>
+            <ac:grpSpMk id="11" creationId="{00000000-0000-0000-0000-000000000000}"/>
+          </ac:grpSpMkLst>
+        </pc:grpChg>
+        <pc:grpChg chg="del">
+          <ac:chgData name="Erkan ŞİRİN" userId="7f10ce1d6aaf8c5d" providerId="LiveId" clId="{74EFF639-6C63-4A8A-A464-18321EFF8DD2}" dt="2019-07-23T04:54:33.417" v="10" actId="478"/>
+          <ac:grpSpMkLst>
+            <pc:docMk/>
+            <pc:sldMk cId="180617899" sldId="288"/>
+            <ac:grpSpMk id="15" creationId="{00000000-0000-0000-0000-000000000000}"/>
+          </ac:grpSpMkLst>
+        </pc:grpChg>
+      </pc:sldChg>
+      <pc:sldChg chg="delSp">
+        <pc:chgData name="Erkan ŞİRİN" userId="7f10ce1d6aaf8c5d" providerId="LiveId" clId="{74EFF639-6C63-4A8A-A464-18321EFF8DD2}" dt="2019-07-23T04:54:38.916" v="11" actId="478"/>
+        <pc:sldMkLst>
+          <pc:docMk/>
+          <pc:sldMk cId="1819272940" sldId="289"/>
+        </pc:sldMkLst>
+        <pc:grpChg chg="del">
+          <ac:chgData name="Erkan ŞİRİN" userId="7f10ce1d6aaf8c5d" providerId="LiveId" clId="{74EFF639-6C63-4A8A-A464-18321EFF8DD2}" dt="2019-07-23T04:54:38.916" v="11" actId="478"/>
+          <ac:grpSpMkLst>
+            <pc:docMk/>
+            <pc:sldMk cId="1819272940" sldId="289"/>
+            <ac:grpSpMk id="11" creationId="{00000000-0000-0000-0000-000000000000}"/>
+          </ac:grpSpMkLst>
+        </pc:grpChg>
+        <pc:grpChg chg="del">
+          <ac:chgData name="Erkan ŞİRİN" userId="7f10ce1d6aaf8c5d" providerId="LiveId" clId="{74EFF639-6C63-4A8A-A464-18321EFF8DD2}" dt="2019-07-23T04:54:38.916" v="11" actId="478"/>
+          <ac:grpSpMkLst>
+            <pc:docMk/>
+            <pc:sldMk cId="1819272940" sldId="289"/>
+            <ac:grpSpMk id="15" creationId="{00000000-0000-0000-0000-000000000000}"/>
+          </ac:grpSpMkLst>
+        </pc:grpChg>
+      </pc:sldChg>
+      <pc:sldChg chg="delSp">
+        <pc:chgData name="Erkan ŞİRİN" userId="7f10ce1d6aaf8c5d" providerId="LiveId" clId="{74EFF639-6C63-4A8A-A464-18321EFF8DD2}" dt="2019-07-23T04:54:02.731" v="4" actId="478"/>
+        <pc:sldMkLst>
+          <pc:docMk/>
+          <pc:sldMk cId="2646892145" sldId="290"/>
+        </pc:sldMkLst>
+        <pc:grpChg chg="del">
+          <ac:chgData name="Erkan ŞİRİN" userId="7f10ce1d6aaf8c5d" providerId="LiveId" clId="{74EFF639-6C63-4A8A-A464-18321EFF8DD2}" dt="2019-07-23T04:54:02.731" v="4" actId="478"/>
+          <ac:grpSpMkLst>
+            <pc:docMk/>
+            <pc:sldMk cId="2646892145" sldId="290"/>
+            <ac:grpSpMk id="11" creationId="{00000000-0000-0000-0000-000000000000}"/>
+          </ac:grpSpMkLst>
+        </pc:grpChg>
+        <pc:grpChg chg="del">
+          <ac:chgData name="Erkan ŞİRİN" userId="7f10ce1d6aaf8c5d" providerId="LiveId" clId="{74EFF639-6C63-4A8A-A464-18321EFF8DD2}" dt="2019-07-23T04:54:02.731" v="4" actId="478"/>
+          <ac:grpSpMkLst>
+            <pc:docMk/>
+            <pc:sldMk cId="2646892145" sldId="290"/>
+            <ac:grpSpMk id="15" creationId="{00000000-0000-0000-0000-000000000000}"/>
+          </ac:grpSpMkLst>
+        </pc:grpChg>
+      </pc:sldChg>
+      <pc:sldChg chg="delSp">
+        <pc:chgData name="Erkan ŞİRİN" userId="7f10ce1d6aaf8c5d" providerId="LiveId" clId="{74EFF639-6C63-4A8A-A464-18321EFF8DD2}" dt="2019-07-23T04:54:54.271" v="14" actId="478"/>
+        <pc:sldMkLst>
+          <pc:docMk/>
+          <pc:sldMk cId="4043244432" sldId="292"/>
+        </pc:sldMkLst>
+        <pc:grpChg chg="del">
+          <ac:chgData name="Erkan ŞİRİN" userId="7f10ce1d6aaf8c5d" providerId="LiveId" clId="{74EFF639-6C63-4A8A-A464-18321EFF8DD2}" dt="2019-07-23T04:54:54.271" v="14" actId="478"/>
+          <ac:grpSpMkLst>
+            <pc:docMk/>
+            <pc:sldMk cId="4043244432" sldId="292"/>
+            <ac:grpSpMk id="11" creationId="{00000000-0000-0000-0000-000000000000}"/>
+          </ac:grpSpMkLst>
+        </pc:grpChg>
+        <pc:grpChg chg="del">
+          <ac:chgData name="Erkan ŞİRİN" userId="7f10ce1d6aaf8c5d" providerId="LiveId" clId="{74EFF639-6C63-4A8A-A464-18321EFF8DD2}" dt="2019-07-23T04:54:54.271" v="14" actId="478"/>
+          <ac:grpSpMkLst>
+            <pc:docMk/>
+            <pc:sldMk cId="4043244432" sldId="292"/>
+            <ac:grpSpMk id="15" creationId="{00000000-0000-0000-0000-000000000000}"/>
+          </ac:grpSpMkLst>
+        </pc:grpChg>
+      </pc:sldChg>
+      <pc:sldChg chg="delSp">
+        <pc:chgData name="Erkan ŞİRİN" userId="7f10ce1d6aaf8c5d" providerId="LiveId" clId="{74EFF639-6C63-4A8A-A464-18321EFF8DD2}" dt="2019-07-23T04:55:05.830" v="16" actId="478"/>
+        <pc:sldMkLst>
+          <pc:docMk/>
+          <pc:sldMk cId="1996738549" sldId="293"/>
+        </pc:sldMkLst>
+        <pc:grpChg chg="del">
+          <ac:chgData name="Erkan ŞİRİN" userId="7f10ce1d6aaf8c5d" providerId="LiveId" clId="{74EFF639-6C63-4A8A-A464-18321EFF8DD2}" dt="2019-07-23T04:55:05.830" v="16" actId="478"/>
+          <ac:grpSpMkLst>
+            <pc:docMk/>
+            <pc:sldMk cId="1996738549" sldId="293"/>
+            <ac:grpSpMk id="11" creationId="{00000000-0000-0000-0000-000000000000}"/>
+          </ac:grpSpMkLst>
+        </pc:grpChg>
+        <pc:grpChg chg="del">
+          <ac:chgData name="Erkan ŞİRİN" userId="7f10ce1d6aaf8c5d" providerId="LiveId" clId="{74EFF639-6C63-4A8A-A464-18321EFF8DD2}" dt="2019-07-23T04:55:05.830" v="16" actId="478"/>
+          <ac:grpSpMkLst>
+            <pc:docMk/>
+            <pc:sldMk cId="1996738549" sldId="293"/>
+            <ac:grpSpMk id="15" creationId="{00000000-0000-0000-0000-000000000000}"/>
+          </ac:grpSpMkLst>
+        </pc:grpChg>
+      </pc:sldChg>
+      <pc:sldChg chg="delSp">
+        <pc:chgData name="Erkan ŞİRİN" userId="7f10ce1d6aaf8c5d" providerId="LiveId" clId="{74EFF639-6C63-4A8A-A464-18321EFF8DD2}" dt="2019-07-23T04:54:43.812" v="12" actId="478"/>
+        <pc:sldMkLst>
+          <pc:docMk/>
+          <pc:sldMk cId="166651979" sldId="294"/>
+        </pc:sldMkLst>
+        <pc:grpChg chg="del">
+          <ac:chgData name="Erkan ŞİRİN" userId="7f10ce1d6aaf8c5d" providerId="LiveId" clId="{74EFF639-6C63-4A8A-A464-18321EFF8DD2}" dt="2019-07-23T04:54:43.812" v="12" actId="478"/>
+          <ac:grpSpMkLst>
+            <pc:docMk/>
+            <pc:sldMk cId="166651979" sldId="294"/>
+            <ac:grpSpMk id="11" creationId="{00000000-0000-0000-0000-000000000000}"/>
+          </ac:grpSpMkLst>
+        </pc:grpChg>
+        <pc:grpChg chg="del">
+          <ac:chgData name="Erkan ŞİRİN" userId="7f10ce1d6aaf8c5d" providerId="LiveId" clId="{74EFF639-6C63-4A8A-A464-18321EFF8DD2}" dt="2019-07-23T04:54:43.812" v="12" actId="478"/>
+          <ac:grpSpMkLst>
+            <pc:docMk/>
+            <pc:sldMk cId="166651979" sldId="294"/>
+            <ac:grpSpMk id="15" creationId="{00000000-0000-0000-0000-000000000000}"/>
+          </ac:grpSpMkLst>
+        </pc:grpChg>
+      </pc:sldChg>
+      <pc:sldChg chg="delSp">
+        <pc:chgData name="Erkan ŞİRİN" userId="7f10ce1d6aaf8c5d" providerId="LiveId" clId="{74EFF639-6C63-4A8A-A464-18321EFF8DD2}" dt="2019-07-23T04:54:48.723" v="13" actId="478"/>
+        <pc:sldMkLst>
+          <pc:docMk/>
+          <pc:sldMk cId="270146919" sldId="295"/>
+        </pc:sldMkLst>
+        <pc:grpChg chg="del">
+          <ac:chgData name="Erkan ŞİRİN" userId="7f10ce1d6aaf8c5d" providerId="LiveId" clId="{74EFF639-6C63-4A8A-A464-18321EFF8DD2}" dt="2019-07-23T04:54:48.723" v="13" actId="478"/>
+          <ac:grpSpMkLst>
+            <pc:docMk/>
+            <pc:sldMk cId="270146919" sldId="295"/>
+            <ac:grpSpMk id="11" creationId="{00000000-0000-0000-0000-000000000000}"/>
+          </ac:grpSpMkLst>
+        </pc:grpChg>
+        <pc:grpChg chg="del">
+          <ac:chgData name="Erkan ŞİRİN" userId="7f10ce1d6aaf8c5d" providerId="LiveId" clId="{74EFF639-6C63-4A8A-A464-18321EFF8DD2}" dt="2019-07-23T04:54:48.723" v="13" actId="478"/>
+          <ac:grpSpMkLst>
+            <pc:docMk/>
+            <pc:sldMk cId="270146919" sldId="295"/>
+            <ac:grpSpMk id="15" creationId="{00000000-0000-0000-0000-000000000000}"/>
+          </ac:grpSpMkLst>
+        </pc:grpChg>
+      </pc:sldChg>
+    </pc:docChg>
+  </pc:docChgLst>
+</pc:chgInfo>
+</file>
+
 <file path=ppt/notesMasters/notesMaster1.xml><?xml version="1.0" encoding="utf-8"?>
 <p:notesMaster xmlns:a="http://schemas.openxmlformats.org/drawingml/2006/main" xmlns:r="http://schemas.openxmlformats.org/officeDocument/2006/relationships" xmlns:p="http://schemas.openxmlformats.org/presentationml/2006/main">
   <p:cSld>
@@ -211,7 +602,7 @@
           <a:p>
             <a:fld id="{6F77F576-AE14-466D-AA6B-335273622B21}" type="datetimeFigureOut">
               <a:rPr lang="en-US" smtClean="0"/>
-              <a:t>5/19/2018</a:t>
+              <a:t>7/23/2019</a:t>
             </a:fld>
             <a:endParaRPr lang="en-US"/>
           </a:p>
@@ -275,35 +666,35 @@
           <a:p>
             <a:pPr lvl="0"/>
             <a:r>
-              <a:rPr lang="tr-TR" smtClean="0"/>
+              <a:rPr lang="tr-TR"/>
               <a:t>Asıl metin stillerini düzenlemek için tıklatın</a:t>
             </a:r>
           </a:p>
           <a:p>
             <a:pPr lvl="1"/>
             <a:r>
-              <a:rPr lang="tr-TR" smtClean="0"/>
+              <a:rPr lang="tr-TR"/>
               <a:t>İkinci düzey</a:t>
             </a:r>
           </a:p>
           <a:p>
             <a:pPr lvl="2"/>
             <a:r>
-              <a:rPr lang="tr-TR" smtClean="0"/>
+              <a:rPr lang="tr-TR"/>
               <a:t>Üçüncü düzey</a:t>
             </a:r>
           </a:p>
           <a:p>
             <a:pPr lvl="3"/>
             <a:r>
-              <a:rPr lang="tr-TR" smtClean="0"/>
+              <a:rPr lang="tr-TR"/>
               <a:t>Dördüncü düzey</a:t>
             </a:r>
           </a:p>
           <a:p>
             <a:pPr lvl="4"/>
             <a:r>
-              <a:rPr lang="tr-TR" smtClean="0"/>
+              <a:rPr lang="tr-TR"/>
               <a:t>Beşinci düzey</a:t>
             </a:r>
             <a:endParaRPr lang="en-US"/>
@@ -521,7 +912,7 @@
           </a:lstStyle>
           <a:p>
             <a:r>
-              <a:rPr lang="tr-TR" smtClean="0"/>
+              <a:rPr lang="tr-TR"/>
               <a:t>Asıl başlık stili için tıklatın</a:t>
             </a:r>
             <a:endParaRPr lang="en-US"/>
@@ -586,7 +977,7 @@
           </a:lstStyle>
           <a:p>
             <a:r>
-              <a:rPr lang="tr-TR" smtClean="0"/>
+              <a:rPr lang="tr-TR"/>
               <a:t>Asıl alt başlık stilini düzenlemek için tıklatın</a:t>
             </a:r>
             <a:endParaRPr lang="en-US"/>
@@ -610,7 +1001,7 @@
           <a:p>
             <a:fld id="{54AA066D-271F-4C1A-B89A-0705A7689EE9}" type="datetimeFigureOut">
               <a:rPr lang="en-US" smtClean="0"/>
-              <a:t>5/19/2018</a:t>
+              <a:t>7/23/2019</a:t>
             </a:fld>
             <a:endParaRPr lang="en-US"/>
           </a:p>
@@ -704,7 +1095,7 @@
           <a:lstStyle/>
           <a:p>
             <a:r>
-              <a:rPr lang="tr-TR" smtClean="0"/>
+              <a:rPr lang="tr-TR"/>
               <a:t>Asıl başlık stili için tıklatın</a:t>
             </a:r>
             <a:endParaRPr lang="en-US"/>
@@ -728,35 +1119,35 @@
           <a:p>
             <a:pPr lvl="0"/>
             <a:r>
-              <a:rPr lang="tr-TR" smtClean="0"/>
+              <a:rPr lang="tr-TR"/>
               <a:t>Asıl metin stillerini düzenlemek için tıklatın</a:t>
             </a:r>
           </a:p>
           <a:p>
             <a:pPr lvl="1"/>
             <a:r>
-              <a:rPr lang="tr-TR" smtClean="0"/>
+              <a:rPr lang="tr-TR"/>
               <a:t>İkinci düzey</a:t>
             </a:r>
           </a:p>
           <a:p>
             <a:pPr lvl="2"/>
             <a:r>
-              <a:rPr lang="tr-TR" smtClean="0"/>
+              <a:rPr lang="tr-TR"/>
               <a:t>Üçüncü düzey</a:t>
             </a:r>
           </a:p>
           <a:p>
             <a:pPr lvl="3"/>
             <a:r>
-              <a:rPr lang="tr-TR" smtClean="0"/>
+              <a:rPr lang="tr-TR"/>
               <a:t>Dördüncü düzey</a:t>
             </a:r>
           </a:p>
           <a:p>
             <a:pPr lvl="4"/>
             <a:r>
-              <a:rPr lang="tr-TR" smtClean="0"/>
+              <a:rPr lang="tr-TR"/>
               <a:t>Beşinci düzey</a:t>
             </a:r>
             <a:endParaRPr lang="en-US"/>
@@ -780,7 +1171,7 @@
           <a:p>
             <a:fld id="{54AA066D-271F-4C1A-B89A-0705A7689EE9}" type="datetimeFigureOut">
               <a:rPr lang="en-US" smtClean="0"/>
-              <a:t>5/19/2018</a:t>
+              <a:t>7/23/2019</a:t>
             </a:fld>
             <a:endParaRPr lang="en-US"/>
           </a:p>
@@ -879,7 +1270,7 @@
           <a:lstStyle/>
           <a:p>
             <a:r>
-              <a:rPr lang="tr-TR" smtClean="0"/>
+              <a:rPr lang="tr-TR"/>
               <a:t>Asıl başlık stili için tıklatın</a:t>
             </a:r>
             <a:endParaRPr lang="en-US"/>
@@ -908,35 +1299,35 @@
           <a:p>
             <a:pPr lvl="0"/>
             <a:r>
-              <a:rPr lang="tr-TR" smtClean="0"/>
+              <a:rPr lang="tr-TR"/>
               <a:t>Asıl metin stillerini düzenlemek için tıklatın</a:t>
             </a:r>
           </a:p>
           <a:p>
             <a:pPr lvl="1"/>
             <a:r>
-              <a:rPr lang="tr-TR" smtClean="0"/>
+              <a:rPr lang="tr-TR"/>
               <a:t>İkinci düzey</a:t>
             </a:r>
           </a:p>
           <a:p>
             <a:pPr lvl="2"/>
             <a:r>
-              <a:rPr lang="tr-TR" smtClean="0"/>
+              <a:rPr lang="tr-TR"/>
               <a:t>Üçüncü düzey</a:t>
             </a:r>
           </a:p>
           <a:p>
             <a:pPr lvl="3"/>
             <a:r>
-              <a:rPr lang="tr-TR" smtClean="0"/>
+              <a:rPr lang="tr-TR"/>
               <a:t>Dördüncü düzey</a:t>
             </a:r>
           </a:p>
           <a:p>
             <a:pPr lvl="4"/>
             <a:r>
-              <a:rPr lang="tr-TR" smtClean="0"/>
+              <a:rPr lang="tr-TR"/>
               <a:t>Beşinci düzey</a:t>
             </a:r>
             <a:endParaRPr lang="en-US"/>
@@ -960,7 +1351,7 @@
           <a:p>
             <a:fld id="{54AA066D-271F-4C1A-B89A-0705A7689EE9}" type="datetimeFigureOut">
               <a:rPr lang="en-US" smtClean="0"/>
-              <a:t>5/19/2018</a:t>
+              <a:t>7/23/2019</a:t>
             </a:fld>
             <a:endParaRPr lang="en-US"/>
           </a:p>
@@ -1054,7 +1445,7 @@
           <a:lstStyle/>
           <a:p>
             <a:r>
-              <a:rPr lang="tr-TR" smtClean="0"/>
+              <a:rPr lang="tr-TR"/>
               <a:t>Asıl başlık stili için tıklatın</a:t>
             </a:r>
             <a:endParaRPr lang="en-US"/>
@@ -1078,35 +1469,35 @@
           <a:p>
             <a:pPr lvl="0"/>
             <a:r>
-              <a:rPr lang="tr-TR" smtClean="0"/>
+              <a:rPr lang="tr-TR"/>
               <a:t>Asıl metin stillerini düzenlemek için tıklatın</a:t>
             </a:r>
           </a:p>
           <a:p>
             <a:pPr lvl="1"/>
             <a:r>
-              <a:rPr lang="tr-TR" smtClean="0"/>
+              <a:rPr lang="tr-TR"/>
               <a:t>İkinci düzey</a:t>
             </a:r>
           </a:p>
           <a:p>
             <a:pPr lvl="2"/>
             <a:r>
-              <a:rPr lang="tr-TR" smtClean="0"/>
+              <a:rPr lang="tr-TR"/>
               <a:t>Üçüncü düzey</a:t>
             </a:r>
           </a:p>
           <a:p>
             <a:pPr lvl="3"/>
             <a:r>
-              <a:rPr lang="tr-TR" smtClean="0"/>
+              <a:rPr lang="tr-TR"/>
               <a:t>Dördüncü düzey</a:t>
             </a:r>
           </a:p>
           <a:p>
             <a:pPr lvl="4"/>
             <a:r>
-              <a:rPr lang="tr-TR" smtClean="0"/>
+              <a:rPr lang="tr-TR"/>
               <a:t>Beşinci düzey</a:t>
             </a:r>
             <a:endParaRPr lang="en-US"/>
@@ -1130,7 +1521,7 @@
           <a:p>
             <a:fld id="{54AA066D-271F-4C1A-B89A-0705A7689EE9}" type="datetimeFigureOut">
               <a:rPr lang="en-US" smtClean="0"/>
-              <a:t>5/19/2018</a:t>
+              <a:t>7/23/2019</a:t>
             </a:fld>
             <a:endParaRPr lang="en-US"/>
           </a:p>
@@ -1233,7 +1624,7 @@
           </a:lstStyle>
           <a:p>
             <a:r>
-              <a:rPr lang="tr-TR" smtClean="0"/>
+              <a:rPr lang="tr-TR"/>
               <a:t>Asıl başlık stili için tıklatın</a:t>
             </a:r>
             <a:endParaRPr lang="en-US"/>
@@ -1353,7 +1744,7 @@
           <a:p>
             <a:pPr lvl="0"/>
             <a:r>
-              <a:rPr lang="tr-TR" smtClean="0"/>
+              <a:rPr lang="tr-TR"/>
               <a:t>Asıl metin stillerini düzenlemek için tıklatın</a:t>
             </a:r>
           </a:p>
@@ -1376,7 +1767,7 @@
           <a:p>
             <a:fld id="{54AA066D-271F-4C1A-B89A-0705A7689EE9}" type="datetimeFigureOut">
               <a:rPr lang="en-US" smtClean="0"/>
-              <a:t>5/19/2018</a:t>
+              <a:t>7/23/2019</a:t>
             </a:fld>
             <a:endParaRPr lang="en-US"/>
           </a:p>
@@ -1470,7 +1861,7 @@
           <a:lstStyle/>
           <a:p>
             <a:r>
-              <a:rPr lang="tr-TR" smtClean="0"/>
+              <a:rPr lang="tr-TR"/>
               <a:t>Asıl başlık stili için tıklatın</a:t>
             </a:r>
             <a:endParaRPr lang="en-US"/>
@@ -1499,35 +1890,35 @@
           <a:p>
             <a:pPr lvl="0"/>
             <a:r>
-              <a:rPr lang="tr-TR" smtClean="0"/>
+              <a:rPr lang="tr-TR"/>
               <a:t>Asıl metin stillerini düzenlemek için tıklatın</a:t>
             </a:r>
           </a:p>
           <a:p>
             <a:pPr lvl="1"/>
             <a:r>
-              <a:rPr lang="tr-TR" smtClean="0"/>
+              <a:rPr lang="tr-TR"/>
               <a:t>İkinci düzey</a:t>
             </a:r>
           </a:p>
           <a:p>
             <a:pPr lvl="2"/>
             <a:r>
-              <a:rPr lang="tr-TR" smtClean="0"/>
+              <a:rPr lang="tr-TR"/>
               <a:t>Üçüncü düzey</a:t>
             </a:r>
           </a:p>
           <a:p>
             <a:pPr lvl="3"/>
             <a:r>
-              <a:rPr lang="tr-TR" smtClean="0"/>
+              <a:rPr lang="tr-TR"/>
               <a:t>Dördüncü düzey</a:t>
             </a:r>
           </a:p>
           <a:p>
             <a:pPr lvl="4"/>
             <a:r>
-              <a:rPr lang="tr-TR" smtClean="0"/>
+              <a:rPr lang="tr-TR"/>
               <a:t>Beşinci düzey</a:t>
             </a:r>
             <a:endParaRPr lang="en-US"/>
@@ -1556,35 +1947,35 @@
           <a:p>
             <a:pPr lvl="0"/>
             <a:r>
-              <a:rPr lang="tr-TR" smtClean="0"/>
+              <a:rPr lang="tr-TR"/>
               <a:t>Asıl metin stillerini düzenlemek için tıklatın</a:t>
             </a:r>
           </a:p>
           <a:p>
             <a:pPr lvl="1"/>
             <a:r>
-              <a:rPr lang="tr-TR" smtClean="0"/>
+              <a:rPr lang="tr-TR"/>
               <a:t>İkinci düzey</a:t>
             </a:r>
           </a:p>
           <a:p>
             <a:pPr lvl="2"/>
             <a:r>
-              <a:rPr lang="tr-TR" smtClean="0"/>
+              <a:rPr lang="tr-TR"/>
               <a:t>Üçüncü düzey</a:t>
             </a:r>
           </a:p>
           <a:p>
             <a:pPr lvl="3"/>
             <a:r>
-              <a:rPr lang="tr-TR" smtClean="0"/>
+              <a:rPr lang="tr-TR"/>
               <a:t>Dördüncü düzey</a:t>
             </a:r>
           </a:p>
           <a:p>
             <a:pPr lvl="4"/>
             <a:r>
-              <a:rPr lang="tr-TR" smtClean="0"/>
+              <a:rPr lang="tr-TR"/>
               <a:t>Beşinci düzey</a:t>
             </a:r>
             <a:endParaRPr lang="en-US"/>
@@ -1608,7 +1999,7 @@
           <a:p>
             <a:fld id="{54AA066D-271F-4C1A-B89A-0705A7689EE9}" type="datetimeFigureOut">
               <a:rPr lang="en-US" smtClean="0"/>
-              <a:t>5/19/2018</a:t>
+              <a:t>7/23/2019</a:t>
             </a:fld>
             <a:endParaRPr lang="en-US"/>
           </a:p>
@@ -1707,7 +2098,7 @@
           <a:lstStyle/>
           <a:p>
             <a:r>
-              <a:rPr lang="tr-TR" smtClean="0"/>
+              <a:rPr lang="tr-TR"/>
               <a:t>Asıl başlık stili için tıklatın</a:t>
             </a:r>
             <a:endParaRPr lang="en-US"/>
@@ -1773,7 +2164,7 @@
           <a:p>
             <a:pPr lvl="0"/>
             <a:r>
-              <a:rPr lang="tr-TR" smtClean="0"/>
+              <a:rPr lang="tr-TR"/>
               <a:t>Asıl metin stillerini düzenlemek için tıklatın</a:t>
             </a:r>
           </a:p>
@@ -1801,35 +2192,35 @@
           <a:p>
             <a:pPr lvl="0"/>
             <a:r>
-              <a:rPr lang="tr-TR" smtClean="0"/>
+              <a:rPr lang="tr-TR"/>
               <a:t>Asıl metin stillerini düzenlemek için tıklatın</a:t>
             </a:r>
           </a:p>
           <a:p>
             <a:pPr lvl="1"/>
             <a:r>
-              <a:rPr lang="tr-TR" smtClean="0"/>
+              <a:rPr lang="tr-TR"/>
               <a:t>İkinci düzey</a:t>
             </a:r>
           </a:p>
           <a:p>
             <a:pPr lvl="2"/>
             <a:r>
-              <a:rPr lang="tr-TR" smtClean="0"/>
+              <a:rPr lang="tr-TR"/>
               <a:t>Üçüncü düzey</a:t>
             </a:r>
           </a:p>
           <a:p>
             <a:pPr lvl="3"/>
             <a:r>
-              <a:rPr lang="tr-TR" smtClean="0"/>
+              <a:rPr lang="tr-TR"/>
               <a:t>Dördüncü düzey</a:t>
             </a:r>
           </a:p>
           <a:p>
             <a:pPr lvl="4"/>
             <a:r>
-              <a:rPr lang="tr-TR" smtClean="0"/>
+              <a:rPr lang="tr-TR"/>
               <a:t>Beşinci düzey</a:t>
             </a:r>
             <a:endParaRPr lang="en-US"/>
@@ -1895,7 +2286,7 @@
           <a:p>
             <a:pPr lvl="0"/>
             <a:r>
-              <a:rPr lang="tr-TR" smtClean="0"/>
+              <a:rPr lang="tr-TR"/>
               <a:t>Asıl metin stillerini düzenlemek için tıklatın</a:t>
             </a:r>
           </a:p>
@@ -1923,35 +2314,35 @@
           <a:p>
             <a:pPr lvl="0"/>
             <a:r>
-              <a:rPr lang="tr-TR" smtClean="0"/>
+              <a:rPr lang="tr-TR"/>
               <a:t>Asıl metin stillerini düzenlemek için tıklatın</a:t>
             </a:r>
           </a:p>
           <a:p>
             <a:pPr lvl="1"/>
             <a:r>
-              <a:rPr lang="tr-TR" smtClean="0"/>
+              <a:rPr lang="tr-TR"/>
               <a:t>İkinci düzey</a:t>
             </a:r>
           </a:p>
           <a:p>
             <a:pPr lvl="2"/>
             <a:r>
-              <a:rPr lang="tr-TR" smtClean="0"/>
+              <a:rPr lang="tr-TR"/>
               <a:t>Üçüncü düzey</a:t>
             </a:r>
           </a:p>
           <a:p>
             <a:pPr lvl="3"/>
             <a:r>
-              <a:rPr lang="tr-TR" smtClean="0"/>
+              <a:rPr lang="tr-TR"/>
               <a:t>Dördüncü düzey</a:t>
             </a:r>
           </a:p>
           <a:p>
             <a:pPr lvl="4"/>
             <a:r>
-              <a:rPr lang="tr-TR" smtClean="0"/>
+              <a:rPr lang="tr-TR"/>
               <a:t>Beşinci düzey</a:t>
             </a:r>
             <a:endParaRPr lang="en-US"/>
@@ -1975,7 +2366,7 @@
           <a:p>
             <a:fld id="{54AA066D-271F-4C1A-B89A-0705A7689EE9}" type="datetimeFigureOut">
               <a:rPr lang="en-US" smtClean="0"/>
-              <a:t>5/19/2018</a:t>
+              <a:t>7/23/2019</a:t>
             </a:fld>
             <a:endParaRPr lang="en-US"/>
           </a:p>
@@ -2069,7 +2460,7 @@
           <a:lstStyle/>
           <a:p>
             <a:r>
-              <a:rPr lang="tr-TR" smtClean="0"/>
+              <a:rPr lang="tr-TR"/>
               <a:t>Asıl başlık stili için tıklatın</a:t>
             </a:r>
             <a:endParaRPr lang="en-US"/>
@@ -2093,7 +2484,7 @@
           <a:p>
             <a:fld id="{54AA066D-271F-4C1A-B89A-0705A7689EE9}" type="datetimeFigureOut">
               <a:rPr lang="en-US" smtClean="0"/>
-              <a:t>5/19/2018</a:t>
+              <a:t>7/23/2019</a:t>
             </a:fld>
             <a:endParaRPr lang="en-US"/>
           </a:p>
@@ -2188,7 +2579,7 @@
           <a:p>
             <a:fld id="{54AA066D-271F-4C1A-B89A-0705A7689EE9}" type="datetimeFigureOut">
               <a:rPr lang="en-US" smtClean="0"/>
-              <a:t>5/19/2018</a:t>
+              <a:t>7/23/2019</a:t>
             </a:fld>
             <a:endParaRPr lang="en-US"/>
           </a:p>
@@ -2291,7 +2682,7 @@
           </a:lstStyle>
           <a:p>
             <a:r>
-              <a:rPr lang="tr-TR" smtClean="0"/>
+              <a:rPr lang="tr-TR"/>
               <a:t>Asıl başlık stili için tıklatın</a:t>
             </a:r>
             <a:endParaRPr lang="en-US"/>
@@ -2348,35 +2739,35 @@
           <a:p>
             <a:pPr lvl="0"/>
             <a:r>
-              <a:rPr lang="tr-TR" smtClean="0"/>
+              <a:rPr lang="tr-TR"/>
               <a:t>Asıl metin stillerini düzenlemek için tıklatın</a:t>
             </a:r>
           </a:p>
           <a:p>
             <a:pPr lvl="1"/>
             <a:r>
-              <a:rPr lang="tr-TR" smtClean="0"/>
+              <a:rPr lang="tr-TR"/>
               <a:t>İkinci düzey</a:t>
             </a:r>
           </a:p>
           <a:p>
             <a:pPr lvl="2"/>
             <a:r>
-              <a:rPr lang="tr-TR" smtClean="0"/>
+              <a:rPr lang="tr-TR"/>
               <a:t>Üçüncü düzey</a:t>
             </a:r>
           </a:p>
           <a:p>
             <a:pPr lvl="3"/>
             <a:r>
-              <a:rPr lang="tr-TR" smtClean="0"/>
+              <a:rPr lang="tr-TR"/>
               <a:t>Dördüncü düzey</a:t>
             </a:r>
           </a:p>
           <a:p>
             <a:pPr lvl="4"/>
             <a:r>
-              <a:rPr lang="tr-TR" smtClean="0"/>
+              <a:rPr lang="tr-TR"/>
               <a:t>Beşinci düzey</a:t>
             </a:r>
             <a:endParaRPr lang="en-US"/>
@@ -2442,7 +2833,7 @@
           <a:p>
             <a:pPr lvl="0"/>
             <a:r>
-              <a:rPr lang="tr-TR" smtClean="0"/>
+              <a:rPr lang="tr-TR"/>
               <a:t>Asıl metin stillerini düzenlemek için tıklatın</a:t>
             </a:r>
           </a:p>
@@ -2465,7 +2856,7 @@
           <a:p>
             <a:fld id="{54AA066D-271F-4C1A-B89A-0705A7689EE9}" type="datetimeFigureOut">
               <a:rPr lang="en-US" smtClean="0"/>
-              <a:t>5/19/2018</a:t>
+              <a:t>7/23/2019</a:t>
             </a:fld>
             <a:endParaRPr lang="en-US"/>
           </a:p>
@@ -2568,7 +2959,7 @@
           </a:lstStyle>
           <a:p>
             <a:r>
-              <a:rPr lang="tr-TR" smtClean="0"/>
+              <a:rPr lang="tr-TR"/>
               <a:t>Asıl başlık stili için tıklatın</a:t>
             </a:r>
             <a:endParaRPr lang="en-US"/>
@@ -2695,7 +3086,7 @@
           <a:p>
             <a:pPr lvl="0"/>
             <a:r>
-              <a:rPr lang="tr-TR" smtClean="0"/>
+              <a:rPr lang="tr-TR"/>
               <a:t>Asıl metin stillerini düzenlemek için tıklatın</a:t>
             </a:r>
           </a:p>
@@ -2718,7 +3109,7 @@
           <a:p>
             <a:fld id="{54AA066D-271F-4C1A-B89A-0705A7689EE9}" type="datetimeFigureOut">
               <a:rPr lang="en-US" smtClean="0"/>
-              <a:t>5/19/2018</a:t>
+              <a:t>7/23/2019</a:t>
             </a:fld>
             <a:endParaRPr lang="en-US"/>
           </a:p>
@@ -2827,7 +3218,7 @@
           <a:lstStyle/>
           <a:p>
             <a:r>
-              <a:rPr lang="tr-TR" smtClean="0"/>
+              <a:rPr lang="tr-TR"/>
               <a:t>Asıl başlık stili için tıklatın</a:t>
             </a:r>
             <a:endParaRPr lang="en-US"/>
@@ -2861,35 +3252,35 @@
           <a:p>
             <a:pPr lvl="0"/>
             <a:r>
-              <a:rPr lang="tr-TR" smtClean="0"/>
+              <a:rPr lang="tr-TR"/>
               <a:t>Asıl metin stillerini düzenlemek için tıklatın</a:t>
             </a:r>
           </a:p>
           <a:p>
             <a:pPr lvl="1"/>
             <a:r>
-              <a:rPr lang="tr-TR" smtClean="0"/>
+              <a:rPr lang="tr-TR"/>
               <a:t>İkinci düzey</a:t>
             </a:r>
           </a:p>
           <a:p>
             <a:pPr lvl="2"/>
             <a:r>
-              <a:rPr lang="tr-TR" smtClean="0"/>
+              <a:rPr lang="tr-TR"/>
               <a:t>Üçüncü düzey</a:t>
             </a:r>
           </a:p>
           <a:p>
             <a:pPr lvl="3"/>
             <a:r>
-              <a:rPr lang="tr-TR" smtClean="0"/>
+              <a:rPr lang="tr-TR"/>
               <a:t>Dördüncü düzey</a:t>
             </a:r>
           </a:p>
           <a:p>
             <a:pPr lvl="4"/>
             <a:r>
-              <a:rPr lang="tr-TR" smtClean="0"/>
+              <a:rPr lang="tr-TR"/>
               <a:t>Beşinci düzey</a:t>
             </a:r>
             <a:endParaRPr lang="en-US"/>
@@ -2931,7 +3322,7 @@
           <a:p>
             <a:fld id="{54AA066D-271F-4C1A-B89A-0705A7689EE9}" type="datetimeFigureOut">
               <a:rPr lang="en-US" smtClean="0"/>
-              <a:t>5/19/2018</a:t>
+              <a:t>7/23/2019</a:t>
             </a:fld>
             <a:endParaRPr lang="en-US"/>
           </a:p>
@@ -3373,369 +3764,6 @@
           </a:fontRef>
         </p:style>
       </p:cxnSp>
-      <p:grpSp>
-        <p:nvGrpSpPr>
-          <p:cNvPr id="15" name="Grup 14"/>
-          <p:cNvGrpSpPr/>
-          <p:nvPr/>
-        </p:nvGrpSpPr>
-        <p:grpSpPr>
-          <a:xfrm>
-            <a:off x="228596" y="6231467"/>
-            <a:ext cx="3041654" cy="492576"/>
-            <a:chOff x="228596" y="6231467"/>
-            <a:chExt cx="3041654" cy="492576"/>
-          </a:xfrm>
-        </p:grpSpPr>
-        <p:grpSp>
-          <p:nvGrpSpPr>
-            <p:cNvPr id="8" name="Grup 7"/>
-            <p:cNvGrpSpPr/>
-            <p:nvPr/>
-          </p:nvGrpSpPr>
-          <p:grpSpPr>
-            <a:xfrm>
-              <a:off x="228596" y="6231467"/>
-              <a:ext cx="2802471" cy="457084"/>
-              <a:chOff x="127000" y="5901146"/>
-              <a:chExt cx="5156200" cy="838200"/>
-            </a:xfrm>
-          </p:grpSpPr>
-          <p:sp>
-            <p:nvSpPr>
-              <p:cNvPr id="7" name="Dikdörtgen 6"/>
-              <p:cNvSpPr/>
-              <p:nvPr/>
-            </p:nvSpPr>
-            <p:spPr>
-              <a:xfrm>
-                <a:off x="127000" y="5901146"/>
-                <a:ext cx="5156200" cy="838200"/>
-              </a:xfrm>
-              <a:prstGeom prst="rect">
-                <a:avLst/>
-              </a:prstGeom>
-              <a:solidFill>
-                <a:schemeClr val="bg1">
-                  <a:lumMod val="95000"/>
-                </a:schemeClr>
-              </a:solidFill>
-              <a:ln>
-                <a:noFill/>
-              </a:ln>
-            </p:spPr>
-            <p:style>
-              <a:lnRef idx="2">
-                <a:schemeClr val="accent1">
-                  <a:shade val="50000"/>
-                </a:schemeClr>
-              </a:lnRef>
-              <a:fillRef idx="1">
-                <a:schemeClr val="accent1"/>
-              </a:fillRef>
-              <a:effectRef idx="0">
-                <a:schemeClr val="accent1"/>
-              </a:effectRef>
-              <a:fontRef idx="minor">
-                <a:schemeClr val="lt1"/>
-              </a:fontRef>
-            </p:style>
-            <p:txBody>
-              <a:bodyPr rtlCol="0" anchor="ctr"/>
-              <a:lstStyle/>
-              <a:p>
-                <a:pPr algn="ctr"/>
-                <a:endParaRPr lang="en-US" sz="2000"/>
-              </a:p>
-            </p:txBody>
-          </p:sp>
-          <p:grpSp>
-            <p:nvGrpSpPr>
-              <p:cNvPr id="6" name="Grup 5"/>
-              <p:cNvGrpSpPr/>
-              <p:nvPr/>
-            </p:nvGrpSpPr>
-            <p:grpSpPr>
-              <a:xfrm>
-                <a:off x="211667" y="6019800"/>
-                <a:ext cx="5012266" cy="605115"/>
-                <a:chOff x="211667" y="6019800"/>
-                <a:chExt cx="5012266" cy="605115"/>
-              </a:xfrm>
-            </p:grpSpPr>
-            <p:pic>
-              <p:nvPicPr>
-                <p:cNvPr id="4" name="Resim 3"/>
-                <p:cNvPicPr>
-                  <a:picLocks noChangeAspect="1"/>
-                </p:cNvPicPr>
-                <p:nvPr/>
-              </p:nvPicPr>
-              <p:blipFill rotWithShape="1">
-                <a:blip r:embed="rId2" cstate="print">
-                  <a:extLst>
-                    <a:ext uri="{28A0092B-C50C-407E-A947-70E740481C1C}">
-                      <a14:useLocalDpi xmlns:a14="http://schemas.microsoft.com/office/drawing/2010/main" val="0"/>
-                    </a:ext>
-                  </a:extLst>
-                </a:blip>
-                <a:srcRect l="24387" t="8319" r="18355" b="50150"/>
-                <a:stretch/>
-              </p:blipFill>
-              <p:spPr>
-                <a:xfrm>
-                  <a:off x="211667" y="6019800"/>
-                  <a:ext cx="1072095" cy="600892"/>
-                </a:xfrm>
-                <a:prstGeom prst="rect">
-                  <a:avLst/>
-                </a:prstGeom>
-              </p:spPr>
-            </p:pic>
-            <p:sp>
-              <p:nvSpPr>
-                <p:cNvPr id="5" name="Unvan 1"/>
-                <p:cNvSpPr txBox="1">
-                  <a:spLocks/>
-                </p:cNvSpPr>
-                <p:nvPr/>
-              </p:nvSpPr>
-              <p:spPr>
-                <a:xfrm>
-                  <a:off x="1283763" y="6024023"/>
-                  <a:ext cx="3940170" cy="600892"/>
-                </a:xfrm>
-                <a:prstGeom prst="rect">
-                  <a:avLst/>
-                </a:prstGeom>
-              </p:spPr>
-              <p:txBody>
-                <a:bodyPr vert="horz" lIns="91440" tIns="45720" rIns="91440" bIns="45720" rtlCol="0" anchor="b">
-                  <a:noAutofit/>
-                </a:bodyPr>
-                <a:lstStyle>
-                  <a:lvl1pPr algn="ctr" defTabSz="914400" rtl="0" eaLnBrk="1" latinLnBrk="0" hangingPunct="1">
-                    <a:lnSpc>
-                      <a:spcPct val="90000"/>
-                    </a:lnSpc>
-                    <a:spcBef>
-                      <a:spcPct val="0"/>
-                    </a:spcBef>
-                    <a:buNone/>
-                    <a:defRPr sz="6000" kern="1200">
-                      <a:solidFill>
-                        <a:schemeClr val="tx1"/>
-                      </a:solidFill>
-                      <a:latin typeface="+mj-lt"/>
-                      <a:ea typeface="+mj-ea"/>
-                      <a:cs typeface="+mj-cs"/>
-                    </a:defRPr>
-                  </a:lvl1pPr>
-                </a:lstStyle>
-                <a:p>
-                  <a:pPr algn="l"/>
-                  <a:r>
-                    <a:rPr lang="tr-TR" sz="2000" dirty="0" smtClean="0">
-                      <a:solidFill>
-                        <a:srgbClr val="CB171F"/>
-                      </a:solidFill>
-                      <a:latin typeface="Constantia" panose="02030602050306030303" pitchFamily="18" charset="0"/>
-                      <a:ea typeface="Verdana" panose="020B0604030504040204" pitchFamily="34" charset="0"/>
-                      <a:cs typeface="Arial" panose="020B0604020202020204" pitchFamily="34" charset="0"/>
-                    </a:rPr>
-                    <a:t>Veri Bilimi Okulu</a:t>
-                  </a:r>
-                  <a:endParaRPr lang="en-US" sz="2000" dirty="0">
-                    <a:solidFill>
-                      <a:srgbClr val="CB171F"/>
-                    </a:solidFill>
-                    <a:latin typeface="Constantia" panose="02030602050306030303" pitchFamily="18" charset="0"/>
-                    <a:ea typeface="Verdana" panose="020B0604030504040204" pitchFamily="34" charset="0"/>
-                    <a:cs typeface="Arial" panose="020B0604020202020204" pitchFamily="34" charset="0"/>
-                  </a:endParaRPr>
-                </a:p>
-              </p:txBody>
-            </p:sp>
-          </p:grpSp>
-        </p:grpSp>
-        <p:sp>
-          <p:nvSpPr>
-            <p:cNvPr id="12" name="Metin kutusu 11"/>
-            <p:cNvSpPr txBox="1"/>
-            <p:nvPr/>
-          </p:nvSpPr>
-          <p:spPr>
-            <a:xfrm>
-              <a:off x="1582782" y="6493211"/>
-              <a:ext cx="1687468" cy="230832"/>
-            </a:xfrm>
-            <a:prstGeom prst="rect">
-              <a:avLst/>
-            </a:prstGeom>
-            <a:noFill/>
-          </p:spPr>
-          <p:txBody>
-            <a:bodyPr wrap="square" rtlCol="0">
-              <a:spAutoFit/>
-            </a:bodyPr>
-            <a:lstStyle/>
-            <a:p>
-              <a:r>
-                <a:rPr lang="en-US" sz="900" dirty="0" smtClean="0">
-                  <a:solidFill>
-                    <a:srgbClr val="0B8043"/>
-                  </a:solidFill>
-                </a:rPr>
-                <a:t>https:</a:t>
-              </a:r>
-              <a:r>
-                <a:rPr lang="en-US" sz="900" dirty="0" smtClean="0">
-                  <a:solidFill>
-                    <a:schemeClr val="bg1">
-                      <a:lumMod val="50000"/>
-                    </a:schemeClr>
-                  </a:solidFill>
-                </a:rPr>
-                <a:t>//www.veribilimi.co</a:t>
-              </a:r>
-              <a:endParaRPr lang="en-US" sz="900" dirty="0">
-                <a:solidFill>
-                  <a:schemeClr val="bg1">
-                    <a:lumMod val="50000"/>
-                  </a:schemeClr>
-                </a:solidFill>
-              </a:endParaRPr>
-            </a:p>
-          </p:txBody>
-        </p:sp>
-      </p:grpSp>
-      <p:grpSp>
-        <p:nvGrpSpPr>
-          <p:cNvPr id="11" name="Grup 10"/>
-          <p:cNvGrpSpPr/>
-          <p:nvPr/>
-        </p:nvGrpSpPr>
-        <p:grpSpPr>
-          <a:xfrm>
-            <a:off x="9194796" y="6231467"/>
-            <a:ext cx="2802471" cy="457084"/>
-            <a:chOff x="184993" y="5905369"/>
-            <a:chExt cx="5156200" cy="838200"/>
-          </a:xfrm>
-        </p:grpSpPr>
-        <p:sp>
-          <p:nvSpPr>
-            <p:cNvPr id="13" name="Dikdörtgen 12"/>
-            <p:cNvSpPr/>
-            <p:nvPr/>
-          </p:nvSpPr>
-          <p:spPr>
-            <a:xfrm>
-              <a:off x="184993" y="5905369"/>
-              <a:ext cx="5156200" cy="838200"/>
-            </a:xfrm>
-            <a:prstGeom prst="rect">
-              <a:avLst/>
-            </a:prstGeom>
-            <a:solidFill>
-              <a:schemeClr val="bg1">
-                <a:lumMod val="95000"/>
-              </a:schemeClr>
-            </a:solidFill>
-            <a:ln>
-              <a:noFill/>
-            </a:ln>
-          </p:spPr>
-          <p:style>
-            <a:lnRef idx="2">
-              <a:schemeClr val="accent1">
-                <a:shade val="50000"/>
-              </a:schemeClr>
-            </a:lnRef>
-            <a:fillRef idx="1">
-              <a:schemeClr val="accent1"/>
-            </a:fillRef>
-            <a:effectRef idx="0">
-              <a:schemeClr val="accent1"/>
-            </a:effectRef>
-            <a:fontRef idx="minor">
-              <a:schemeClr val="lt1"/>
-            </a:fontRef>
-          </p:style>
-          <p:txBody>
-            <a:bodyPr rtlCol="0" anchor="ctr"/>
-            <a:lstStyle/>
-            <a:p>
-              <a:pPr algn="ctr"/>
-              <a:endParaRPr lang="en-US" sz="2000"/>
-            </a:p>
-          </p:txBody>
-        </p:sp>
-        <p:sp>
-          <p:nvSpPr>
-            <p:cNvPr id="14" name="Unvan 1"/>
-            <p:cNvSpPr txBox="1">
-              <a:spLocks/>
-            </p:cNvSpPr>
-            <p:nvPr/>
-          </p:nvSpPr>
-          <p:spPr>
-            <a:xfrm>
-              <a:off x="302252" y="6024023"/>
-              <a:ext cx="4921678" cy="600892"/>
-            </a:xfrm>
-            <a:prstGeom prst="rect">
-              <a:avLst/>
-            </a:prstGeom>
-          </p:spPr>
-          <p:txBody>
-            <a:bodyPr vert="horz" lIns="91440" tIns="45720" rIns="91440" bIns="45720" rtlCol="0" anchor="b">
-              <a:noAutofit/>
-            </a:bodyPr>
-            <a:lstStyle>
-              <a:lvl1pPr algn="ctr" defTabSz="914400" rtl="0" eaLnBrk="1" latinLnBrk="0" hangingPunct="1">
-                <a:lnSpc>
-                  <a:spcPct val="90000"/>
-                </a:lnSpc>
-                <a:spcBef>
-                  <a:spcPct val="0"/>
-                </a:spcBef>
-                <a:buNone/>
-                <a:defRPr sz="6000" kern="1200">
-                  <a:solidFill>
-                    <a:schemeClr val="tx1"/>
-                  </a:solidFill>
-                  <a:latin typeface="+mj-lt"/>
-                  <a:ea typeface="+mj-ea"/>
-                  <a:cs typeface="+mj-cs"/>
-                </a:defRPr>
-              </a:lvl1pPr>
-            </a:lstStyle>
-            <a:p>
-              <a:pPr algn="l"/>
-              <a:r>
-                <a:rPr lang="tr-TR" sz="2000" dirty="0">
-                  <a:solidFill>
-                    <a:srgbClr val="CB171F"/>
-                  </a:solidFill>
-                  <a:latin typeface="Constantia" panose="02030602050306030303" pitchFamily="18" charset="0"/>
-                  <a:ea typeface="Verdana" panose="020B0604030504040204" pitchFamily="34" charset="0"/>
-                  <a:cs typeface="Arial" panose="020B0604020202020204" pitchFamily="34" charset="0"/>
-                </a:rPr>
-                <a:t>A’dan Z’ye Büyük Veri</a:t>
-              </a:r>
-              <a:endParaRPr lang="en-US" sz="2000" dirty="0">
-                <a:solidFill>
-                  <a:srgbClr val="CB171F"/>
-                </a:solidFill>
-                <a:latin typeface="Constantia" panose="02030602050306030303" pitchFamily="18" charset="0"/>
-                <a:ea typeface="Verdana" panose="020B0604030504040204" pitchFamily="34" charset="0"/>
-                <a:cs typeface="Arial" panose="020B0604020202020204" pitchFamily="34" charset="0"/>
-              </a:endParaRPr>
-            </a:p>
-          </p:txBody>
-        </p:sp>
-      </p:grpSp>
       <p:pic>
         <p:nvPicPr>
           <p:cNvPr id="2" name="Resim 1"/>
@@ -3745,7 +3773,7 @@
           <p:nvPr/>
         </p:nvPicPr>
         <p:blipFill>
-          <a:blip r:embed="rId3">
+          <a:blip r:embed="rId2">
             <a:extLst>
               <a:ext uri="{28A0092B-C50C-407E-A947-70E740481C1C}">
                 <a14:useLocalDpi xmlns:a14="http://schemas.microsoft.com/office/drawing/2010/main" val="0"/>
@@ -3797,10 +3825,10 @@
                 <a:ea typeface="Verdana" panose="020B0604030504040204" pitchFamily="34" charset="0"/>
                 <a:cs typeface="Arial" panose="020B0604020202020204" pitchFamily="34" charset="0"/>
               </a:rPr>
-              <a:t>Büyük Veri </a:t>
-            </a:r>
-            <a:r>
-              <a:rPr lang="tr-TR" sz="3600" b="1" dirty="0" smtClean="0">
+              <a:t>Büyük Veri için </a:t>
+            </a:r>
+            <a:r>
+              <a:rPr lang="tr-TR" sz="3600" b="1" dirty="0" err="1">
                 <a:solidFill>
                   <a:srgbClr val="CD1F26"/>
                 </a:solidFill>
@@ -3808,21 +3836,10 @@
                 <a:ea typeface="Verdana" panose="020B0604030504040204" pitchFamily="34" charset="0"/>
                 <a:cs typeface="Arial" panose="020B0604020202020204" pitchFamily="34" charset="0"/>
               </a:rPr>
-              <a:t>için </a:t>
-            </a:r>
-            <a:r>
-              <a:rPr lang="tr-TR" sz="3600" b="1" dirty="0" err="1" smtClean="0">
-                <a:solidFill>
-                  <a:srgbClr val="CD1F26"/>
-                </a:solidFill>
-                <a:latin typeface="Arial" panose="020B0604020202020204" pitchFamily="34" charset="0"/>
-                <a:ea typeface="Verdana" panose="020B0604030504040204" pitchFamily="34" charset="0"/>
-                <a:cs typeface="Arial" panose="020B0604020202020204" pitchFamily="34" charset="0"/>
-              </a:rPr>
               <a:t>Interaktif</a:t>
             </a:r>
             <a:r>
-              <a:rPr lang="tr-TR" sz="3600" b="1" dirty="0" smtClean="0">
+              <a:rPr lang="tr-TR" sz="3600" b="1" dirty="0">
                 <a:solidFill>
                   <a:srgbClr val="CD1F26"/>
                 </a:solidFill>
@@ -3853,13 +3870,6 @@
   <p:clrMapOvr>
     <a:masterClrMapping/>
   </p:clrMapOvr>
-  <p:timing>
-    <p:tnLst>
-      <p:par>
-        <p:cTn id="1" dur="indefinite" restart="never" nodeType="tmRoot"/>
-      </p:par>
-    </p:tnLst>
-  </p:timing>
 </p:sld>
 </file>
 
@@ -3917,369 +3927,6 @@
           </a:fontRef>
         </p:style>
       </p:cxnSp>
-      <p:grpSp>
-        <p:nvGrpSpPr>
-          <p:cNvPr id="15" name="Grup 14"/>
-          <p:cNvGrpSpPr/>
-          <p:nvPr/>
-        </p:nvGrpSpPr>
-        <p:grpSpPr>
-          <a:xfrm>
-            <a:off x="228596" y="6231467"/>
-            <a:ext cx="3041654" cy="492576"/>
-            <a:chOff x="228596" y="6231467"/>
-            <a:chExt cx="3041654" cy="492576"/>
-          </a:xfrm>
-        </p:grpSpPr>
-        <p:grpSp>
-          <p:nvGrpSpPr>
-            <p:cNvPr id="8" name="Grup 7"/>
-            <p:cNvGrpSpPr/>
-            <p:nvPr/>
-          </p:nvGrpSpPr>
-          <p:grpSpPr>
-            <a:xfrm>
-              <a:off x="228596" y="6231467"/>
-              <a:ext cx="2802471" cy="457084"/>
-              <a:chOff x="127000" y="5901146"/>
-              <a:chExt cx="5156200" cy="838200"/>
-            </a:xfrm>
-          </p:grpSpPr>
-          <p:sp>
-            <p:nvSpPr>
-              <p:cNvPr id="7" name="Dikdörtgen 6"/>
-              <p:cNvSpPr/>
-              <p:nvPr/>
-            </p:nvSpPr>
-            <p:spPr>
-              <a:xfrm>
-                <a:off x="127000" y="5901146"/>
-                <a:ext cx="5156200" cy="838200"/>
-              </a:xfrm>
-              <a:prstGeom prst="rect">
-                <a:avLst/>
-              </a:prstGeom>
-              <a:solidFill>
-                <a:schemeClr val="bg1">
-                  <a:lumMod val="95000"/>
-                </a:schemeClr>
-              </a:solidFill>
-              <a:ln>
-                <a:noFill/>
-              </a:ln>
-            </p:spPr>
-            <p:style>
-              <a:lnRef idx="2">
-                <a:schemeClr val="accent1">
-                  <a:shade val="50000"/>
-                </a:schemeClr>
-              </a:lnRef>
-              <a:fillRef idx="1">
-                <a:schemeClr val="accent1"/>
-              </a:fillRef>
-              <a:effectRef idx="0">
-                <a:schemeClr val="accent1"/>
-              </a:effectRef>
-              <a:fontRef idx="minor">
-                <a:schemeClr val="lt1"/>
-              </a:fontRef>
-            </p:style>
-            <p:txBody>
-              <a:bodyPr rtlCol="0" anchor="ctr"/>
-              <a:lstStyle/>
-              <a:p>
-                <a:pPr algn="ctr"/>
-                <a:endParaRPr lang="en-US" sz="2000"/>
-              </a:p>
-            </p:txBody>
-          </p:sp>
-          <p:grpSp>
-            <p:nvGrpSpPr>
-              <p:cNvPr id="6" name="Grup 5"/>
-              <p:cNvGrpSpPr/>
-              <p:nvPr/>
-            </p:nvGrpSpPr>
-            <p:grpSpPr>
-              <a:xfrm>
-                <a:off x="211667" y="6019800"/>
-                <a:ext cx="5012266" cy="605115"/>
-                <a:chOff x="211667" y="6019800"/>
-                <a:chExt cx="5012266" cy="605115"/>
-              </a:xfrm>
-            </p:grpSpPr>
-            <p:pic>
-              <p:nvPicPr>
-                <p:cNvPr id="4" name="Resim 3"/>
-                <p:cNvPicPr>
-                  <a:picLocks noChangeAspect="1"/>
-                </p:cNvPicPr>
-                <p:nvPr/>
-              </p:nvPicPr>
-              <p:blipFill rotWithShape="1">
-                <a:blip r:embed="rId2" cstate="print">
-                  <a:extLst>
-                    <a:ext uri="{28A0092B-C50C-407E-A947-70E740481C1C}">
-                      <a14:useLocalDpi xmlns:a14="http://schemas.microsoft.com/office/drawing/2010/main" val="0"/>
-                    </a:ext>
-                  </a:extLst>
-                </a:blip>
-                <a:srcRect l="24387" t="8319" r="18355" b="50150"/>
-                <a:stretch/>
-              </p:blipFill>
-              <p:spPr>
-                <a:xfrm>
-                  <a:off x="211667" y="6019800"/>
-                  <a:ext cx="1072095" cy="600892"/>
-                </a:xfrm>
-                <a:prstGeom prst="rect">
-                  <a:avLst/>
-                </a:prstGeom>
-              </p:spPr>
-            </p:pic>
-            <p:sp>
-              <p:nvSpPr>
-                <p:cNvPr id="5" name="Unvan 1"/>
-                <p:cNvSpPr txBox="1">
-                  <a:spLocks/>
-                </p:cNvSpPr>
-                <p:nvPr/>
-              </p:nvSpPr>
-              <p:spPr>
-                <a:xfrm>
-                  <a:off x="1283763" y="6024023"/>
-                  <a:ext cx="3940170" cy="600892"/>
-                </a:xfrm>
-                <a:prstGeom prst="rect">
-                  <a:avLst/>
-                </a:prstGeom>
-              </p:spPr>
-              <p:txBody>
-                <a:bodyPr vert="horz" lIns="91440" tIns="45720" rIns="91440" bIns="45720" rtlCol="0" anchor="b">
-                  <a:noAutofit/>
-                </a:bodyPr>
-                <a:lstStyle>
-                  <a:lvl1pPr algn="ctr" defTabSz="914400" rtl="0" eaLnBrk="1" latinLnBrk="0" hangingPunct="1">
-                    <a:lnSpc>
-                      <a:spcPct val="90000"/>
-                    </a:lnSpc>
-                    <a:spcBef>
-                      <a:spcPct val="0"/>
-                    </a:spcBef>
-                    <a:buNone/>
-                    <a:defRPr sz="6000" kern="1200">
-                      <a:solidFill>
-                        <a:schemeClr val="tx1"/>
-                      </a:solidFill>
-                      <a:latin typeface="+mj-lt"/>
-                      <a:ea typeface="+mj-ea"/>
-                      <a:cs typeface="+mj-cs"/>
-                    </a:defRPr>
-                  </a:lvl1pPr>
-                </a:lstStyle>
-                <a:p>
-                  <a:pPr algn="l"/>
-                  <a:r>
-                    <a:rPr lang="tr-TR" sz="2000" dirty="0" smtClean="0">
-                      <a:solidFill>
-                        <a:srgbClr val="CB171F"/>
-                      </a:solidFill>
-                      <a:latin typeface="Constantia" panose="02030602050306030303" pitchFamily="18" charset="0"/>
-                      <a:ea typeface="Verdana" panose="020B0604030504040204" pitchFamily="34" charset="0"/>
-                      <a:cs typeface="Arial" panose="020B0604020202020204" pitchFamily="34" charset="0"/>
-                    </a:rPr>
-                    <a:t>Veri Bilimi Okulu</a:t>
-                  </a:r>
-                  <a:endParaRPr lang="en-US" sz="2000" dirty="0">
-                    <a:solidFill>
-                      <a:srgbClr val="CB171F"/>
-                    </a:solidFill>
-                    <a:latin typeface="Constantia" panose="02030602050306030303" pitchFamily="18" charset="0"/>
-                    <a:ea typeface="Verdana" panose="020B0604030504040204" pitchFamily="34" charset="0"/>
-                    <a:cs typeface="Arial" panose="020B0604020202020204" pitchFamily="34" charset="0"/>
-                  </a:endParaRPr>
-                </a:p>
-              </p:txBody>
-            </p:sp>
-          </p:grpSp>
-        </p:grpSp>
-        <p:sp>
-          <p:nvSpPr>
-            <p:cNvPr id="12" name="Metin kutusu 11"/>
-            <p:cNvSpPr txBox="1"/>
-            <p:nvPr/>
-          </p:nvSpPr>
-          <p:spPr>
-            <a:xfrm>
-              <a:off x="1582782" y="6493211"/>
-              <a:ext cx="1687468" cy="230832"/>
-            </a:xfrm>
-            <a:prstGeom prst="rect">
-              <a:avLst/>
-            </a:prstGeom>
-            <a:noFill/>
-          </p:spPr>
-          <p:txBody>
-            <a:bodyPr wrap="square" rtlCol="0">
-              <a:spAutoFit/>
-            </a:bodyPr>
-            <a:lstStyle/>
-            <a:p>
-              <a:r>
-                <a:rPr lang="en-US" sz="900" dirty="0" smtClean="0">
-                  <a:solidFill>
-                    <a:srgbClr val="0B8043"/>
-                  </a:solidFill>
-                </a:rPr>
-                <a:t>https:</a:t>
-              </a:r>
-              <a:r>
-                <a:rPr lang="en-US" sz="900" dirty="0" smtClean="0">
-                  <a:solidFill>
-                    <a:schemeClr val="bg1">
-                      <a:lumMod val="50000"/>
-                    </a:schemeClr>
-                  </a:solidFill>
-                </a:rPr>
-                <a:t>//www.veribilimi.co</a:t>
-              </a:r>
-              <a:endParaRPr lang="en-US" sz="900" dirty="0">
-                <a:solidFill>
-                  <a:schemeClr val="bg1">
-                    <a:lumMod val="50000"/>
-                  </a:schemeClr>
-                </a:solidFill>
-              </a:endParaRPr>
-            </a:p>
-          </p:txBody>
-        </p:sp>
-      </p:grpSp>
-      <p:grpSp>
-        <p:nvGrpSpPr>
-          <p:cNvPr id="11" name="Grup 10"/>
-          <p:cNvGrpSpPr/>
-          <p:nvPr/>
-        </p:nvGrpSpPr>
-        <p:grpSpPr>
-          <a:xfrm>
-            <a:off x="9194796" y="6231467"/>
-            <a:ext cx="2802471" cy="457084"/>
-            <a:chOff x="184993" y="5905369"/>
-            <a:chExt cx="5156200" cy="838200"/>
-          </a:xfrm>
-        </p:grpSpPr>
-        <p:sp>
-          <p:nvSpPr>
-            <p:cNvPr id="13" name="Dikdörtgen 12"/>
-            <p:cNvSpPr/>
-            <p:nvPr/>
-          </p:nvSpPr>
-          <p:spPr>
-            <a:xfrm>
-              <a:off x="184993" y="5905369"/>
-              <a:ext cx="5156200" cy="838200"/>
-            </a:xfrm>
-            <a:prstGeom prst="rect">
-              <a:avLst/>
-            </a:prstGeom>
-            <a:solidFill>
-              <a:schemeClr val="bg1">
-                <a:lumMod val="95000"/>
-              </a:schemeClr>
-            </a:solidFill>
-            <a:ln>
-              <a:noFill/>
-            </a:ln>
-          </p:spPr>
-          <p:style>
-            <a:lnRef idx="2">
-              <a:schemeClr val="accent1">
-                <a:shade val="50000"/>
-              </a:schemeClr>
-            </a:lnRef>
-            <a:fillRef idx="1">
-              <a:schemeClr val="accent1"/>
-            </a:fillRef>
-            <a:effectRef idx="0">
-              <a:schemeClr val="accent1"/>
-            </a:effectRef>
-            <a:fontRef idx="minor">
-              <a:schemeClr val="lt1"/>
-            </a:fontRef>
-          </p:style>
-          <p:txBody>
-            <a:bodyPr rtlCol="0" anchor="ctr"/>
-            <a:lstStyle/>
-            <a:p>
-              <a:pPr algn="ctr"/>
-              <a:endParaRPr lang="en-US" sz="2000"/>
-            </a:p>
-          </p:txBody>
-        </p:sp>
-        <p:sp>
-          <p:nvSpPr>
-            <p:cNvPr id="14" name="Unvan 1"/>
-            <p:cNvSpPr txBox="1">
-              <a:spLocks/>
-            </p:cNvSpPr>
-            <p:nvPr/>
-          </p:nvSpPr>
-          <p:spPr>
-            <a:xfrm>
-              <a:off x="302252" y="6024023"/>
-              <a:ext cx="4921678" cy="600892"/>
-            </a:xfrm>
-            <a:prstGeom prst="rect">
-              <a:avLst/>
-            </a:prstGeom>
-          </p:spPr>
-          <p:txBody>
-            <a:bodyPr vert="horz" lIns="91440" tIns="45720" rIns="91440" bIns="45720" rtlCol="0" anchor="b">
-              <a:noAutofit/>
-            </a:bodyPr>
-            <a:lstStyle>
-              <a:lvl1pPr algn="ctr" defTabSz="914400" rtl="0" eaLnBrk="1" latinLnBrk="0" hangingPunct="1">
-                <a:lnSpc>
-                  <a:spcPct val="90000"/>
-                </a:lnSpc>
-                <a:spcBef>
-                  <a:spcPct val="0"/>
-                </a:spcBef>
-                <a:buNone/>
-                <a:defRPr sz="6000" kern="1200">
-                  <a:solidFill>
-                    <a:schemeClr val="tx1"/>
-                  </a:solidFill>
-                  <a:latin typeface="+mj-lt"/>
-                  <a:ea typeface="+mj-ea"/>
-                  <a:cs typeface="+mj-cs"/>
-                </a:defRPr>
-              </a:lvl1pPr>
-            </a:lstStyle>
-            <a:p>
-              <a:pPr algn="l"/>
-              <a:r>
-                <a:rPr lang="tr-TR" sz="2000" dirty="0">
-                  <a:solidFill>
-                    <a:srgbClr val="CB171F"/>
-                  </a:solidFill>
-                  <a:latin typeface="Constantia" panose="02030602050306030303" pitchFamily="18" charset="0"/>
-                  <a:ea typeface="Verdana" panose="020B0604030504040204" pitchFamily="34" charset="0"/>
-                  <a:cs typeface="Arial" panose="020B0604020202020204" pitchFamily="34" charset="0"/>
-                </a:rPr>
-                <a:t>A’dan Z’ye Büyük Veri</a:t>
-              </a:r>
-              <a:endParaRPr lang="en-US" sz="2000" dirty="0">
-                <a:solidFill>
-                  <a:srgbClr val="CB171F"/>
-                </a:solidFill>
-                <a:latin typeface="Constantia" panose="02030602050306030303" pitchFamily="18" charset="0"/>
-                <a:ea typeface="Verdana" panose="020B0604030504040204" pitchFamily="34" charset="0"/>
-                <a:cs typeface="Arial" panose="020B0604020202020204" pitchFamily="34" charset="0"/>
-              </a:endParaRPr>
-            </a:p>
-          </p:txBody>
-        </p:sp>
-      </p:grpSp>
       <p:sp>
         <p:nvSpPr>
           <p:cNvPr id="16" name="Unvan 1"/>
@@ -4303,7 +3950,7 @@
           <a:lstStyle/>
           <a:p>
             <a:r>
-              <a:rPr lang="tr-TR" sz="3600" b="1" dirty="0" smtClean="0">
+              <a:rPr lang="tr-TR" sz="3600" b="1" dirty="0">
                 <a:solidFill>
                   <a:srgbClr val="CD1F26"/>
                 </a:solidFill>
@@ -4353,7 +4000,7 @@
               <a:buChar char="ü"/>
             </a:pPr>
             <a:r>
-              <a:rPr lang="tr-TR" sz="2400" dirty="0" smtClean="0">
+              <a:rPr lang="tr-TR" sz="2400" dirty="0">
                 <a:solidFill>
                   <a:srgbClr val="000000"/>
                 </a:solidFill>
@@ -4362,7 +4009,7 @@
               <a:t>Veri tabanı </a:t>
             </a:r>
             <a:r>
-              <a:rPr lang="tr-TR" sz="2400" dirty="0" err="1" smtClean="0">
+              <a:rPr lang="tr-TR" sz="2400" dirty="0" err="1">
                 <a:solidFill>
                   <a:srgbClr val="000000"/>
                 </a:solidFill>
@@ -4371,7 +4018,7 @@
               <a:t>driver’larına</a:t>
             </a:r>
             <a:r>
-              <a:rPr lang="tr-TR" sz="2400" dirty="0" smtClean="0">
+              <a:rPr lang="tr-TR" sz="2400" dirty="0">
                 <a:solidFill>
                   <a:srgbClr val="000000"/>
                 </a:solidFill>
@@ -4440,6 +4087,36 @@
       <p:pic>
         <p:nvPicPr>
           <p:cNvPr id="17" name="Resim 16"/>
+          <p:cNvPicPr>
+            <a:picLocks noChangeAspect="1"/>
+          </p:cNvPicPr>
+          <p:nvPr/>
+        </p:nvPicPr>
+        <p:blipFill>
+          <a:blip r:embed="rId2" cstate="print">
+            <a:extLst>
+              <a:ext uri="{28A0092B-C50C-407E-A947-70E740481C1C}">
+                <a14:useLocalDpi xmlns:a14="http://schemas.microsoft.com/office/drawing/2010/main" val="0"/>
+              </a:ext>
+            </a:extLst>
+          </a:blip>
+          <a:stretch>
+            <a:fillRect/>
+          </a:stretch>
+        </p:blipFill>
+        <p:spPr>
+          <a:xfrm>
+            <a:off x="5037999" y="2192420"/>
+            <a:ext cx="1574145" cy="726735"/>
+          </a:xfrm>
+          <a:prstGeom prst="rect">
+            <a:avLst/>
+          </a:prstGeom>
+        </p:spPr>
+      </p:pic>
+      <p:pic>
+        <p:nvPicPr>
+          <p:cNvPr id="2" name="Resim 1"/>
           <p:cNvPicPr>
             <a:picLocks noChangeAspect="1"/>
           </p:cNvPicPr>
@@ -4459,8 +4136,8 @@
         </p:blipFill>
         <p:spPr>
           <a:xfrm>
-            <a:off x="5037999" y="2192420"/>
-            <a:ext cx="1574145" cy="726735"/>
+            <a:off x="1082871" y="1894273"/>
+            <a:ext cx="1791129" cy="926909"/>
           </a:xfrm>
           <a:prstGeom prst="rect">
             <a:avLst/>
@@ -4469,7 +4146,7 @@
       </p:pic>
       <p:pic>
         <p:nvPicPr>
-          <p:cNvPr id="2" name="Resim 1"/>
+          <p:cNvPr id="3" name="Resim 2"/>
           <p:cNvPicPr>
             <a:picLocks noChangeAspect="1"/>
           </p:cNvPicPr>
@@ -4489,8 +4166,8 @@
         </p:blipFill>
         <p:spPr>
           <a:xfrm>
-            <a:off x="1082871" y="1894273"/>
-            <a:ext cx="1791129" cy="926909"/>
+            <a:off x="975824" y="3363295"/>
+            <a:ext cx="2319356" cy="630030"/>
           </a:xfrm>
           <a:prstGeom prst="rect">
             <a:avLst/>
@@ -4499,14 +4176,14 @@
       </p:pic>
       <p:pic>
         <p:nvPicPr>
-          <p:cNvPr id="3" name="Resim 2"/>
+          <p:cNvPr id="9" name="Resim 8"/>
           <p:cNvPicPr>
             <a:picLocks noChangeAspect="1"/>
           </p:cNvPicPr>
           <p:nvPr/>
         </p:nvPicPr>
         <p:blipFill>
-          <a:blip r:embed="rId5" cstate="print">
+          <a:blip r:embed="rId5">
             <a:extLst>
               <a:ext uri="{28A0092B-C50C-407E-A947-70E740481C1C}">
                 <a14:useLocalDpi xmlns:a14="http://schemas.microsoft.com/office/drawing/2010/main" val="0"/>
@@ -4519,8 +4196,8 @@
         </p:blipFill>
         <p:spPr>
           <a:xfrm>
-            <a:off x="975824" y="3363295"/>
-            <a:ext cx="2319356" cy="630030"/>
+            <a:off x="7965672" y="4339692"/>
+            <a:ext cx="2430915" cy="1366568"/>
           </a:xfrm>
           <a:prstGeom prst="rect">
             <a:avLst/>
@@ -4529,7 +4206,7 @@
       </p:pic>
       <p:pic>
         <p:nvPicPr>
-          <p:cNvPr id="9" name="Resim 8"/>
+          <p:cNvPr id="18" name="Resim 17"/>
           <p:cNvPicPr>
             <a:picLocks noChangeAspect="1"/>
           </p:cNvPicPr>
@@ -4549,36 +4226,6 @@
         </p:blipFill>
         <p:spPr>
           <a:xfrm>
-            <a:off x="7965672" y="4339692"/>
-            <a:ext cx="2430915" cy="1366568"/>
-          </a:xfrm>
-          <a:prstGeom prst="rect">
-            <a:avLst/>
-          </a:prstGeom>
-        </p:spPr>
-      </p:pic>
-      <p:pic>
-        <p:nvPicPr>
-          <p:cNvPr id="18" name="Resim 17"/>
-          <p:cNvPicPr>
-            <a:picLocks noChangeAspect="1"/>
-          </p:cNvPicPr>
-          <p:nvPr/>
-        </p:nvPicPr>
-        <p:blipFill>
-          <a:blip r:embed="rId7">
-            <a:extLst>
-              <a:ext uri="{28A0092B-C50C-407E-A947-70E740481C1C}">
-                <a14:useLocalDpi xmlns:a14="http://schemas.microsoft.com/office/drawing/2010/main" val="0"/>
-              </a:ext>
-            </a:extLst>
-          </a:blip>
-          <a:stretch>
-            <a:fillRect/>
-          </a:stretch>
-        </p:blipFill>
-        <p:spPr>
-          <a:xfrm>
             <a:off x="7869287" y="2599214"/>
             <a:ext cx="3200400" cy="1790700"/>
           </a:xfrm>
@@ -4596,7 +4243,7 @@
           <p:nvPr/>
         </p:nvPicPr>
         <p:blipFill rotWithShape="1">
-          <a:blip r:embed="rId8" cstate="print">
+          <a:blip r:embed="rId7" cstate="print">
             <a:extLst>
               <a:ext uri="{28A0092B-C50C-407E-A947-70E740481C1C}">
                 <a14:useLocalDpi xmlns:a14="http://schemas.microsoft.com/office/drawing/2010/main" val="0"/>
@@ -4625,7 +4272,7 @@
           <p:nvPr/>
         </p:nvPicPr>
         <p:blipFill>
-          <a:blip r:embed="rId9" cstate="print">
+          <a:blip r:embed="rId8" cstate="print">
             <a:extLst>
               <a:ext uri="{28A0092B-C50C-407E-A947-70E740481C1C}">
                 <a14:useLocalDpi xmlns:a14="http://schemas.microsoft.com/office/drawing/2010/main" val="0"/>
@@ -4655,7 +4302,7 @@
           <p:nvPr/>
         </p:nvPicPr>
         <p:blipFill>
-          <a:blip r:embed="rId10" cstate="print">
+          <a:blip r:embed="rId9" cstate="print">
             <a:extLst>
               <a:ext uri="{28A0092B-C50C-407E-A947-70E740481C1C}">
                 <a14:useLocalDpi xmlns:a14="http://schemas.microsoft.com/office/drawing/2010/main" val="0"/>
@@ -4944,13 +4591,6 @@
   <p:clrMapOvr>
     <a:masterClrMapping/>
   </p:clrMapOvr>
-  <p:timing>
-    <p:tnLst>
-      <p:par>
-        <p:cTn id="1" dur="indefinite" restart="never" nodeType="tmRoot"/>
-      </p:par>
-    </p:tnLst>
-  </p:timing>
 </p:sld>
 </file>
 
@@ -5008,369 +4648,6 @@
           </a:fontRef>
         </p:style>
       </p:cxnSp>
-      <p:grpSp>
-        <p:nvGrpSpPr>
-          <p:cNvPr id="15" name="Grup 14"/>
-          <p:cNvGrpSpPr/>
-          <p:nvPr/>
-        </p:nvGrpSpPr>
-        <p:grpSpPr>
-          <a:xfrm>
-            <a:off x="228596" y="6231467"/>
-            <a:ext cx="3041654" cy="492576"/>
-            <a:chOff x="228596" y="6231467"/>
-            <a:chExt cx="3041654" cy="492576"/>
-          </a:xfrm>
-        </p:grpSpPr>
-        <p:grpSp>
-          <p:nvGrpSpPr>
-            <p:cNvPr id="8" name="Grup 7"/>
-            <p:cNvGrpSpPr/>
-            <p:nvPr/>
-          </p:nvGrpSpPr>
-          <p:grpSpPr>
-            <a:xfrm>
-              <a:off x="228596" y="6231467"/>
-              <a:ext cx="2802471" cy="457084"/>
-              <a:chOff x="127000" y="5901146"/>
-              <a:chExt cx="5156200" cy="838200"/>
-            </a:xfrm>
-          </p:grpSpPr>
-          <p:sp>
-            <p:nvSpPr>
-              <p:cNvPr id="7" name="Dikdörtgen 6"/>
-              <p:cNvSpPr/>
-              <p:nvPr/>
-            </p:nvSpPr>
-            <p:spPr>
-              <a:xfrm>
-                <a:off x="127000" y="5901146"/>
-                <a:ext cx="5156200" cy="838200"/>
-              </a:xfrm>
-              <a:prstGeom prst="rect">
-                <a:avLst/>
-              </a:prstGeom>
-              <a:solidFill>
-                <a:schemeClr val="bg1">
-                  <a:lumMod val="95000"/>
-                </a:schemeClr>
-              </a:solidFill>
-              <a:ln>
-                <a:noFill/>
-              </a:ln>
-            </p:spPr>
-            <p:style>
-              <a:lnRef idx="2">
-                <a:schemeClr val="accent1">
-                  <a:shade val="50000"/>
-                </a:schemeClr>
-              </a:lnRef>
-              <a:fillRef idx="1">
-                <a:schemeClr val="accent1"/>
-              </a:fillRef>
-              <a:effectRef idx="0">
-                <a:schemeClr val="accent1"/>
-              </a:effectRef>
-              <a:fontRef idx="minor">
-                <a:schemeClr val="lt1"/>
-              </a:fontRef>
-            </p:style>
-            <p:txBody>
-              <a:bodyPr rtlCol="0" anchor="ctr"/>
-              <a:lstStyle/>
-              <a:p>
-                <a:pPr algn="ctr"/>
-                <a:endParaRPr lang="en-US" sz="2000"/>
-              </a:p>
-            </p:txBody>
-          </p:sp>
-          <p:grpSp>
-            <p:nvGrpSpPr>
-              <p:cNvPr id="6" name="Grup 5"/>
-              <p:cNvGrpSpPr/>
-              <p:nvPr/>
-            </p:nvGrpSpPr>
-            <p:grpSpPr>
-              <a:xfrm>
-                <a:off x="211667" y="6019800"/>
-                <a:ext cx="5012266" cy="605115"/>
-                <a:chOff x="211667" y="6019800"/>
-                <a:chExt cx="5012266" cy="605115"/>
-              </a:xfrm>
-            </p:grpSpPr>
-            <p:pic>
-              <p:nvPicPr>
-                <p:cNvPr id="4" name="Resim 3"/>
-                <p:cNvPicPr>
-                  <a:picLocks noChangeAspect="1"/>
-                </p:cNvPicPr>
-                <p:nvPr/>
-              </p:nvPicPr>
-              <p:blipFill rotWithShape="1">
-                <a:blip r:embed="rId2" cstate="print">
-                  <a:extLst>
-                    <a:ext uri="{28A0092B-C50C-407E-A947-70E740481C1C}">
-                      <a14:useLocalDpi xmlns:a14="http://schemas.microsoft.com/office/drawing/2010/main" val="0"/>
-                    </a:ext>
-                  </a:extLst>
-                </a:blip>
-                <a:srcRect l="24387" t="8319" r="18355" b="50150"/>
-                <a:stretch/>
-              </p:blipFill>
-              <p:spPr>
-                <a:xfrm>
-                  <a:off x="211667" y="6019800"/>
-                  <a:ext cx="1072095" cy="600892"/>
-                </a:xfrm>
-                <a:prstGeom prst="rect">
-                  <a:avLst/>
-                </a:prstGeom>
-              </p:spPr>
-            </p:pic>
-            <p:sp>
-              <p:nvSpPr>
-                <p:cNvPr id="5" name="Unvan 1"/>
-                <p:cNvSpPr txBox="1">
-                  <a:spLocks/>
-                </p:cNvSpPr>
-                <p:nvPr/>
-              </p:nvSpPr>
-              <p:spPr>
-                <a:xfrm>
-                  <a:off x="1283763" y="6024023"/>
-                  <a:ext cx="3940170" cy="600892"/>
-                </a:xfrm>
-                <a:prstGeom prst="rect">
-                  <a:avLst/>
-                </a:prstGeom>
-              </p:spPr>
-              <p:txBody>
-                <a:bodyPr vert="horz" lIns="91440" tIns="45720" rIns="91440" bIns="45720" rtlCol="0" anchor="b">
-                  <a:noAutofit/>
-                </a:bodyPr>
-                <a:lstStyle>
-                  <a:lvl1pPr algn="ctr" defTabSz="914400" rtl="0" eaLnBrk="1" latinLnBrk="0" hangingPunct="1">
-                    <a:lnSpc>
-                      <a:spcPct val="90000"/>
-                    </a:lnSpc>
-                    <a:spcBef>
-                      <a:spcPct val="0"/>
-                    </a:spcBef>
-                    <a:buNone/>
-                    <a:defRPr sz="6000" kern="1200">
-                      <a:solidFill>
-                        <a:schemeClr val="tx1"/>
-                      </a:solidFill>
-                      <a:latin typeface="+mj-lt"/>
-                      <a:ea typeface="+mj-ea"/>
-                      <a:cs typeface="+mj-cs"/>
-                    </a:defRPr>
-                  </a:lvl1pPr>
-                </a:lstStyle>
-                <a:p>
-                  <a:pPr algn="l"/>
-                  <a:r>
-                    <a:rPr lang="tr-TR" sz="2000" dirty="0" smtClean="0">
-                      <a:solidFill>
-                        <a:srgbClr val="CB171F"/>
-                      </a:solidFill>
-                      <a:latin typeface="Constantia" panose="02030602050306030303" pitchFamily="18" charset="0"/>
-                      <a:ea typeface="Verdana" panose="020B0604030504040204" pitchFamily="34" charset="0"/>
-                      <a:cs typeface="Arial" panose="020B0604020202020204" pitchFamily="34" charset="0"/>
-                    </a:rPr>
-                    <a:t>Veri Bilimi Okulu</a:t>
-                  </a:r>
-                  <a:endParaRPr lang="en-US" sz="2000" dirty="0">
-                    <a:solidFill>
-                      <a:srgbClr val="CB171F"/>
-                    </a:solidFill>
-                    <a:latin typeface="Constantia" panose="02030602050306030303" pitchFamily="18" charset="0"/>
-                    <a:ea typeface="Verdana" panose="020B0604030504040204" pitchFamily="34" charset="0"/>
-                    <a:cs typeface="Arial" panose="020B0604020202020204" pitchFamily="34" charset="0"/>
-                  </a:endParaRPr>
-                </a:p>
-              </p:txBody>
-            </p:sp>
-          </p:grpSp>
-        </p:grpSp>
-        <p:sp>
-          <p:nvSpPr>
-            <p:cNvPr id="12" name="Metin kutusu 11"/>
-            <p:cNvSpPr txBox="1"/>
-            <p:nvPr/>
-          </p:nvSpPr>
-          <p:spPr>
-            <a:xfrm>
-              <a:off x="1582782" y="6493211"/>
-              <a:ext cx="1687468" cy="230832"/>
-            </a:xfrm>
-            <a:prstGeom prst="rect">
-              <a:avLst/>
-            </a:prstGeom>
-            <a:noFill/>
-          </p:spPr>
-          <p:txBody>
-            <a:bodyPr wrap="square" rtlCol="0">
-              <a:spAutoFit/>
-            </a:bodyPr>
-            <a:lstStyle/>
-            <a:p>
-              <a:r>
-                <a:rPr lang="en-US" sz="900" dirty="0" smtClean="0">
-                  <a:solidFill>
-                    <a:srgbClr val="0B8043"/>
-                  </a:solidFill>
-                </a:rPr>
-                <a:t>https:</a:t>
-              </a:r>
-              <a:r>
-                <a:rPr lang="en-US" sz="900" dirty="0" smtClean="0">
-                  <a:solidFill>
-                    <a:schemeClr val="bg1">
-                      <a:lumMod val="50000"/>
-                    </a:schemeClr>
-                  </a:solidFill>
-                </a:rPr>
-                <a:t>//www.veribilimi.co</a:t>
-              </a:r>
-              <a:endParaRPr lang="en-US" sz="900" dirty="0">
-                <a:solidFill>
-                  <a:schemeClr val="bg1">
-                    <a:lumMod val="50000"/>
-                  </a:schemeClr>
-                </a:solidFill>
-              </a:endParaRPr>
-            </a:p>
-          </p:txBody>
-        </p:sp>
-      </p:grpSp>
-      <p:grpSp>
-        <p:nvGrpSpPr>
-          <p:cNvPr id="11" name="Grup 10"/>
-          <p:cNvGrpSpPr/>
-          <p:nvPr/>
-        </p:nvGrpSpPr>
-        <p:grpSpPr>
-          <a:xfrm>
-            <a:off x="9194796" y="6231467"/>
-            <a:ext cx="2802471" cy="457084"/>
-            <a:chOff x="184993" y="5905369"/>
-            <a:chExt cx="5156200" cy="838200"/>
-          </a:xfrm>
-        </p:grpSpPr>
-        <p:sp>
-          <p:nvSpPr>
-            <p:cNvPr id="13" name="Dikdörtgen 12"/>
-            <p:cNvSpPr/>
-            <p:nvPr/>
-          </p:nvSpPr>
-          <p:spPr>
-            <a:xfrm>
-              <a:off x="184993" y="5905369"/>
-              <a:ext cx="5156200" cy="838200"/>
-            </a:xfrm>
-            <a:prstGeom prst="rect">
-              <a:avLst/>
-            </a:prstGeom>
-            <a:solidFill>
-              <a:schemeClr val="bg1">
-                <a:lumMod val="95000"/>
-              </a:schemeClr>
-            </a:solidFill>
-            <a:ln>
-              <a:noFill/>
-            </a:ln>
-          </p:spPr>
-          <p:style>
-            <a:lnRef idx="2">
-              <a:schemeClr val="accent1">
-                <a:shade val="50000"/>
-              </a:schemeClr>
-            </a:lnRef>
-            <a:fillRef idx="1">
-              <a:schemeClr val="accent1"/>
-            </a:fillRef>
-            <a:effectRef idx="0">
-              <a:schemeClr val="accent1"/>
-            </a:effectRef>
-            <a:fontRef idx="minor">
-              <a:schemeClr val="lt1"/>
-            </a:fontRef>
-          </p:style>
-          <p:txBody>
-            <a:bodyPr rtlCol="0" anchor="ctr"/>
-            <a:lstStyle/>
-            <a:p>
-              <a:pPr algn="ctr"/>
-              <a:endParaRPr lang="en-US" sz="2000"/>
-            </a:p>
-          </p:txBody>
-        </p:sp>
-        <p:sp>
-          <p:nvSpPr>
-            <p:cNvPr id="14" name="Unvan 1"/>
-            <p:cNvSpPr txBox="1">
-              <a:spLocks/>
-            </p:cNvSpPr>
-            <p:nvPr/>
-          </p:nvSpPr>
-          <p:spPr>
-            <a:xfrm>
-              <a:off x="302252" y="6024023"/>
-              <a:ext cx="4921678" cy="600892"/>
-            </a:xfrm>
-            <a:prstGeom prst="rect">
-              <a:avLst/>
-            </a:prstGeom>
-          </p:spPr>
-          <p:txBody>
-            <a:bodyPr vert="horz" lIns="91440" tIns="45720" rIns="91440" bIns="45720" rtlCol="0" anchor="b">
-              <a:noAutofit/>
-            </a:bodyPr>
-            <a:lstStyle>
-              <a:lvl1pPr algn="ctr" defTabSz="914400" rtl="0" eaLnBrk="1" latinLnBrk="0" hangingPunct="1">
-                <a:lnSpc>
-                  <a:spcPct val="90000"/>
-                </a:lnSpc>
-                <a:spcBef>
-                  <a:spcPct val="0"/>
-                </a:spcBef>
-                <a:buNone/>
-                <a:defRPr sz="6000" kern="1200">
-                  <a:solidFill>
-                    <a:schemeClr val="tx1"/>
-                  </a:solidFill>
-                  <a:latin typeface="+mj-lt"/>
-                  <a:ea typeface="+mj-ea"/>
-                  <a:cs typeface="+mj-cs"/>
-                </a:defRPr>
-              </a:lvl1pPr>
-            </a:lstStyle>
-            <a:p>
-              <a:pPr algn="l"/>
-              <a:r>
-                <a:rPr lang="tr-TR" sz="2000" dirty="0">
-                  <a:solidFill>
-                    <a:srgbClr val="CB171F"/>
-                  </a:solidFill>
-                  <a:latin typeface="Constantia" panose="02030602050306030303" pitchFamily="18" charset="0"/>
-                  <a:ea typeface="Verdana" panose="020B0604030504040204" pitchFamily="34" charset="0"/>
-                  <a:cs typeface="Arial" panose="020B0604020202020204" pitchFamily="34" charset="0"/>
-                </a:rPr>
-                <a:t>A’dan Z’ye Büyük Veri</a:t>
-              </a:r>
-              <a:endParaRPr lang="en-US" sz="2000" dirty="0">
-                <a:solidFill>
-                  <a:srgbClr val="CB171F"/>
-                </a:solidFill>
-                <a:latin typeface="Constantia" panose="02030602050306030303" pitchFamily="18" charset="0"/>
-                <a:ea typeface="Verdana" panose="020B0604030504040204" pitchFamily="34" charset="0"/>
-                <a:cs typeface="Arial" panose="020B0604020202020204" pitchFamily="34" charset="0"/>
-              </a:endParaRPr>
-            </a:p>
-          </p:txBody>
-        </p:sp>
-      </p:grpSp>
       <p:sp>
         <p:nvSpPr>
           <p:cNvPr id="16" name="Unvan 1"/>
@@ -5394,7 +4671,7 @@
           <a:lstStyle/>
           <a:p>
             <a:r>
-              <a:rPr lang="tr-TR" sz="3600" b="1" dirty="0" err="1" smtClean="0">
+              <a:rPr lang="tr-TR" sz="3600" b="1" dirty="0" err="1">
                 <a:solidFill>
                   <a:srgbClr val="CD1F26"/>
                 </a:solidFill>
@@ -5444,7 +4721,7 @@
               <a:buChar char="ü"/>
             </a:pPr>
             <a:r>
-              <a:rPr lang="tr-TR" sz="2000" dirty="0" smtClean="0">
+              <a:rPr lang="tr-TR" sz="2000" dirty="0">
                 <a:solidFill>
                   <a:srgbClr val="000000"/>
                 </a:solidFill>
@@ -5462,7 +4739,7 @@
               <a:buChar char="ü"/>
             </a:pPr>
             <a:r>
-              <a:rPr lang="tr-TR" sz="2000" dirty="0" smtClean="0">
+              <a:rPr lang="tr-TR" sz="2000" dirty="0">
                 <a:solidFill>
                   <a:srgbClr val="000000"/>
                 </a:solidFill>
@@ -5480,7 +4757,7 @@
               <a:buChar char="ü"/>
             </a:pPr>
             <a:r>
-              <a:rPr lang="tr-TR" sz="2000" dirty="0" err="1" smtClean="0">
+              <a:rPr lang="tr-TR" sz="2000" dirty="0" err="1">
                 <a:solidFill>
                   <a:srgbClr val="000000"/>
                 </a:solidFill>
@@ -5489,7 +4766,7 @@
               <a:t>Coordinator</a:t>
             </a:r>
             <a:r>
-              <a:rPr lang="tr-TR" sz="2000" dirty="0" smtClean="0">
+              <a:rPr lang="tr-TR" sz="2000" dirty="0">
                 <a:solidFill>
                   <a:srgbClr val="000000"/>
                 </a:solidFill>
@@ -5507,7 +4784,7 @@
               <a:buChar char="ü"/>
             </a:pPr>
             <a:r>
-              <a:rPr lang="tr-TR" sz="2000" dirty="0" err="1" smtClean="0">
+              <a:rPr lang="tr-TR" sz="2000" dirty="0" err="1">
                 <a:solidFill>
                   <a:srgbClr val="000000"/>
                 </a:solidFill>
@@ -5516,7 +4793,7 @@
               <a:t>Worker’lar</a:t>
             </a:r>
             <a:r>
-              <a:rPr lang="tr-TR" sz="2000" dirty="0" smtClean="0">
+              <a:rPr lang="tr-TR" sz="2000" dirty="0">
                 <a:solidFill>
                   <a:srgbClr val="000000"/>
                 </a:solidFill>
@@ -5624,7 +4901,7 @@
           </a:lstStyle>
           <a:p>
             <a:r>
-              <a:rPr lang="tr-TR" sz="3600" b="1" dirty="0" err="1" smtClean="0">
+              <a:rPr lang="tr-TR" sz="3600" b="1" dirty="0" err="1">
                 <a:solidFill>
                   <a:srgbClr val="CD1F26"/>
                 </a:solidFill>
@@ -5674,7 +4951,7 @@
               <a:buChar char="ü"/>
             </a:pPr>
             <a:r>
-              <a:rPr lang="tr-TR" sz="2000" dirty="0" smtClean="0">
+              <a:rPr lang="tr-TR" sz="2000" dirty="0">
                 <a:solidFill>
                   <a:srgbClr val="000000"/>
                 </a:solidFill>
@@ -5683,7 +4960,7 @@
               <a:t>Her </a:t>
             </a:r>
             <a:r>
-              <a:rPr lang="tr-TR" sz="2000" dirty="0" err="1" smtClean="0">
+              <a:rPr lang="tr-TR" sz="2000" dirty="0" err="1">
                 <a:solidFill>
                   <a:srgbClr val="000000"/>
                 </a:solidFill>
@@ -5692,7 +4969,7 @@
               <a:t>stage</a:t>
             </a:r>
             <a:r>
-              <a:rPr lang="tr-TR" sz="2000" dirty="0" smtClean="0">
+              <a:rPr lang="tr-TR" sz="2000" dirty="0">
                 <a:solidFill>
                   <a:srgbClr val="000000"/>
                 </a:solidFill>
@@ -5701,7 +4978,7 @@
               <a:t> bir dizi </a:t>
             </a:r>
             <a:r>
-              <a:rPr lang="tr-TR" sz="2000" dirty="0" err="1" smtClean="0">
+              <a:rPr lang="tr-TR" sz="2000" dirty="0" err="1">
                 <a:solidFill>
                   <a:srgbClr val="000000"/>
                 </a:solidFill>
@@ -5710,7 +4987,7 @@
               <a:t>task’dan</a:t>
             </a:r>
             <a:r>
-              <a:rPr lang="tr-TR" sz="2000" dirty="0" smtClean="0">
+              <a:rPr lang="tr-TR" sz="2000" dirty="0">
                 <a:solidFill>
                   <a:srgbClr val="000000"/>
                 </a:solidFill>
@@ -5728,7 +5005,7 @@
               <a:buChar char="ü"/>
             </a:pPr>
             <a:r>
-              <a:rPr lang="tr-TR" sz="2000" dirty="0" err="1" smtClean="0">
+              <a:rPr lang="tr-TR" sz="2000" dirty="0" err="1">
                 <a:solidFill>
                   <a:srgbClr val="000000"/>
                 </a:solidFill>
@@ -5737,7 +5014,7 @@
               <a:t>Worker</a:t>
             </a:r>
             <a:r>
-              <a:rPr lang="tr-TR" sz="2000" dirty="0" smtClean="0">
+              <a:rPr lang="tr-TR" sz="2000" dirty="0">
                 <a:solidFill>
                   <a:srgbClr val="000000"/>
                 </a:solidFill>
@@ -5763,12 +5040,6 @@
               </a:rPr>
               <a:t>Girdisi ve çıktısı var</a:t>
             </a:r>
-            <a:endParaRPr lang="tr-TR" sz="2000" dirty="0" smtClean="0">
-              <a:solidFill>
-                <a:srgbClr val="000000"/>
-              </a:solidFill>
-              <a:latin typeface="Roboto"/>
-            </a:endParaRPr>
           </a:p>
           <a:p>
             <a:pPr marL="800100" lvl="1" indent="-342900">
@@ -5779,7 +5050,7 @@
               <a:buChar char="ü"/>
             </a:pPr>
             <a:r>
-              <a:rPr lang="tr-TR" sz="2000" dirty="0" err="1" smtClean="0">
+              <a:rPr lang="tr-TR" sz="2000" dirty="0" err="1">
                 <a:solidFill>
                   <a:srgbClr val="000000"/>
                 </a:solidFill>
@@ -5788,7 +5059,7 @@
               <a:t>Stage</a:t>
             </a:r>
             <a:r>
-              <a:rPr lang="tr-TR" sz="2000" dirty="0" smtClean="0">
+              <a:rPr lang="tr-TR" sz="2000" dirty="0">
                 <a:solidFill>
                   <a:srgbClr val="000000"/>
                 </a:solidFill>
@@ -5805,7 +5076,7 @@
               <a:buFont typeface="Wingdings" panose="05000000000000000000" pitchFamily="2" charset="2"/>
               <a:buChar char="ü"/>
             </a:pPr>
-            <a:endParaRPr lang="tr-TR" sz="2400" dirty="0" smtClean="0">
+            <a:endParaRPr lang="tr-TR" sz="2400" dirty="0">
               <a:solidFill>
                 <a:srgbClr val="000000"/>
               </a:solidFill>
@@ -5824,13 +5095,6 @@
   <p:clrMapOvr>
     <a:masterClrMapping/>
   </p:clrMapOvr>
-  <p:timing>
-    <p:tnLst>
-      <p:par>
-        <p:cTn id="1" dur="indefinite" restart="never" nodeType="tmRoot"/>
-      </p:par>
-    </p:tnLst>
-  </p:timing>
 </p:sld>
 </file>
 
@@ -5888,369 +5152,6 @@
           </a:fontRef>
         </p:style>
       </p:cxnSp>
-      <p:grpSp>
-        <p:nvGrpSpPr>
-          <p:cNvPr id="15" name="Grup 14"/>
-          <p:cNvGrpSpPr/>
-          <p:nvPr/>
-        </p:nvGrpSpPr>
-        <p:grpSpPr>
-          <a:xfrm>
-            <a:off x="228596" y="6231467"/>
-            <a:ext cx="3041654" cy="492576"/>
-            <a:chOff x="228596" y="6231467"/>
-            <a:chExt cx="3041654" cy="492576"/>
-          </a:xfrm>
-        </p:grpSpPr>
-        <p:grpSp>
-          <p:nvGrpSpPr>
-            <p:cNvPr id="8" name="Grup 7"/>
-            <p:cNvGrpSpPr/>
-            <p:nvPr/>
-          </p:nvGrpSpPr>
-          <p:grpSpPr>
-            <a:xfrm>
-              <a:off x="228596" y="6231467"/>
-              <a:ext cx="2802471" cy="457084"/>
-              <a:chOff x="127000" y="5901146"/>
-              <a:chExt cx="5156200" cy="838200"/>
-            </a:xfrm>
-          </p:grpSpPr>
-          <p:sp>
-            <p:nvSpPr>
-              <p:cNvPr id="7" name="Dikdörtgen 6"/>
-              <p:cNvSpPr/>
-              <p:nvPr/>
-            </p:nvSpPr>
-            <p:spPr>
-              <a:xfrm>
-                <a:off x="127000" y="5901146"/>
-                <a:ext cx="5156200" cy="838200"/>
-              </a:xfrm>
-              <a:prstGeom prst="rect">
-                <a:avLst/>
-              </a:prstGeom>
-              <a:solidFill>
-                <a:schemeClr val="bg1">
-                  <a:lumMod val="95000"/>
-                </a:schemeClr>
-              </a:solidFill>
-              <a:ln>
-                <a:noFill/>
-              </a:ln>
-            </p:spPr>
-            <p:style>
-              <a:lnRef idx="2">
-                <a:schemeClr val="accent1">
-                  <a:shade val="50000"/>
-                </a:schemeClr>
-              </a:lnRef>
-              <a:fillRef idx="1">
-                <a:schemeClr val="accent1"/>
-              </a:fillRef>
-              <a:effectRef idx="0">
-                <a:schemeClr val="accent1"/>
-              </a:effectRef>
-              <a:fontRef idx="minor">
-                <a:schemeClr val="lt1"/>
-              </a:fontRef>
-            </p:style>
-            <p:txBody>
-              <a:bodyPr rtlCol="0" anchor="ctr"/>
-              <a:lstStyle/>
-              <a:p>
-                <a:pPr algn="ctr"/>
-                <a:endParaRPr lang="en-US" sz="2000"/>
-              </a:p>
-            </p:txBody>
-          </p:sp>
-          <p:grpSp>
-            <p:nvGrpSpPr>
-              <p:cNvPr id="6" name="Grup 5"/>
-              <p:cNvGrpSpPr/>
-              <p:nvPr/>
-            </p:nvGrpSpPr>
-            <p:grpSpPr>
-              <a:xfrm>
-                <a:off x="211667" y="6019800"/>
-                <a:ext cx="5012266" cy="605115"/>
-                <a:chOff x="211667" y="6019800"/>
-                <a:chExt cx="5012266" cy="605115"/>
-              </a:xfrm>
-            </p:grpSpPr>
-            <p:pic>
-              <p:nvPicPr>
-                <p:cNvPr id="4" name="Resim 3"/>
-                <p:cNvPicPr>
-                  <a:picLocks noChangeAspect="1"/>
-                </p:cNvPicPr>
-                <p:nvPr/>
-              </p:nvPicPr>
-              <p:blipFill rotWithShape="1">
-                <a:blip r:embed="rId2" cstate="print">
-                  <a:extLst>
-                    <a:ext uri="{28A0092B-C50C-407E-A947-70E740481C1C}">
-                      <a14:useLocalDpi xmlns:a14="http://schemas.microsoft.com/office/drawing/2010/main" val="0"/>
-                    </a:ext>
-                  </a:extLst>
-                </a:blip>
-                <a:srcRect l="24387" t="8319" r="18355" b="50150"/>
-                <a:stretch/>
-              </p:blipFill>
-              <p:spPr>
-                <a:xfrm>
-                  <a:off x="211667" y="6019800"/>
-                  <a:ext cx="1072095" cy="600892"/>
-                </a:xfrm>
-                <a:prstGeom prst="rect">
-                  <a:avLst/>
-                </a:prstGeom>
-              </p:spPr>
-            </p:pic>
-            <p:sp>
-              <p:nvSpPr>
-                <p:cNvPr id="5" name="Unvan 1"/>
-                <p:cNvSpPr txBox="1">
-                  <a:spLocks/>
-                </p:cNvSpPr>
-                <p:nvPr/>
-              </p:nvSpPr>
-              <p:spPr>
-                <a:xfrm>
-                  <a:off x="1283763" y="6024023"/>
-                  <a:ext cx="3940170" cy="600892"/>
-                </a:xfrm>
-                <a:prstGeom prst="rect">
-                  <a:avLst/>
-                </a:prstGeom>
-              </p:spPr>
-              <p:txBody>
-                <a:bodyPr vert="horz" lIns="91440" tIns="45720" rIns="91440" bIns="45720" rtlCol="0" anchor="b">
-                  <a:noAutofit/>
-                </a:bodyPr>
-                <a:lstStyle>
-                  <a:lvl1pPr algn="ctr" defTabSz="914400" rtl="0" eaLnBrk="1" latinLnBrk="0" hangingPunct="1">
-                    <a:lnSpc>
-                      <a:spcPct val="90000"/>
-                    </a:lnSpc>
-                    <a:spcBef>
-                      <a:spcPct val="0"/>
-                    </a:spcBef>
-                    <a:buNone/>
-                    <a:defRPr sz="6000" kern="1200">
-                      <a:solidFill>
-                        <a:schemeClr val="tx1"/>
-                      </a:solidFill>
-                      <a:latin typeface="+mj-lt"/>
-                      <a:ea typeface="+mj-ea"/>
-                      <a:cs typeface="+mj-cs"/>
-                    </a:defRPr>
-                  </a:lvl1pPr>
-                </a:lstStyle>
-                <a:p>
-                  <a:pPr algn="l"/>
-                  <a:r>
-                    <a:rPr lang="tr-TR" sz="2000" dirty="0" smtClean="0">
-                      <a:solidFill>
-                        <a:srgbClr val="CB171F"/>
-                      </a:solidFill>
-                      <a:latin typeface="Constantia" panose="02030602050306030303" pitchFamily="18" charset="0"/>
-                      <a:ea typeface="Verdana" panose="020B0604030504040204" pitchFamily="34" charset="0"/>
-                      <a:cs typeface="Arial" panose="020B0604020202020204" pitchFamily="34" charset="0"/>
-                    </a:rPr>
-                    <a:t>Veri Bilimi Okulu</a:t>
-                  </a:r>
-                  <a:endParaRPr lang="en-US" sz="2000" dirty="0">
-                    <a:solidFill>
-                      <a:srgbClr val="CB171F"/>
-                    </a:solidFill>
-                    <a:latin typeface="Constantia" panose="02030602050306030303" pitchFamily="18" charset="0"/>
-                    <a:ea typeface="Verdana" panose="020B0604030504040204" pitchFamily="34" charset="0"/>
-                    <a:cs typeface="Arial" panose="020B0604020202020204" pitchFamily="34" charset="0"/>
-                  </a:endParaRPr>
-                </a:p>
-              </p:txBody>
-            </p:sp>
-          </p:grpSp>
-        </p:grpSp>
-        <p:sp>
-          <p:nvSpPr>
-            <p:cNvPr id="12" name="Metin kutusu 11"/>
-            <p:cNvSpPr txBox="1"/>
-            <p:nvPr/>
-          </p:nvSpPr>
-          <p:spPr>
-            <a:xfrm>
-              <a:off x="1582782" y="6493211"/>
-              <a:ext cx="1687468" cy="230832"/>
-            </a:xfrm>
-            <a:prstGeom prst="rect">
-              <a:avLst/>
-            </a:prstGeom>
-            <a:noFill/>
-          </p:spPr>
-          <p:txBody>
-            <a:bodyPr wrap="square" rtlCol="0">
-              <a:spAutoFit/>
-            </a:bodyPr>
-            <a:lstStyle/>
-            <a:p>
-              <a:r>
-                <a:rPr lang="en-US" sz="900" dirty="0" smtClean="0">
-                  <a:solidFill>
-                    <a:srgbClr val="0B8043"/>
-                  </a:solidFill>
-                </a:rPr>
-                <a:t>https:</a:t>
-              </a:r>
-              <a:r>
-                <a:rPr lang="en-US" sz="900" dirty="0" smtClean="0">
-                  <a:solidFill>
-                    <a:schemeClr val="bg1">
-                      <a:lumMod val="50000"/>
-                    </a:schemeClr>
-                  </a:solidFill>
-                </a:rPr>
-                <a:t>//www.veribilimi.co</a:t>
-              </a:r>
-              <a:endParaRPr lang="en-US" sz="900" dirty="0">
-                <a:solidFill>
-                  <a:schemeClr val="bg1">
-                    <a:lumMod val="50000"/>
-                  </a:schemeClr>
-                </a:solidFill>
-              </a:endParaRPr>
-            </a:p>
-          </p:txBody>
-        </p:sp>
-      </p:grpSp>
-      <p:grpSp>
-        <p:nvGrpSpPr>
-          <p:cNvPr id="11" name="Grup 10"/>
-          <p:cNvGrpSpPr/>
-          <p:nvPr/>
-        </p:nvGrpSpPr>
-        <p:grpSpPr>
-          <a:xfrm>
-            <a:off x="9194796" y="6231467"/>
-            <a:ext cx="2802471" cy="457084"/>
-            <a:chOff x="184993" y="5905369"/>
-            <a:chExt cx="5156200" cy="838200"/>
-          </a:xfrm>
-        </p:grpSpPr>
-        <p:sp>
-          <p:nvSpPr>
-            <p:cNvPr id="13" name="Dikdörtgen 12"/>
-            <p:cNvSpPr/>
-            <p:nvPr/>
-          </p:nvSpPr>
-          <p:spPr>
-            <a:xfrm>
-              <a:off x="184993" y="5905369"/>
-              <a:ext cx="5156200" cy="838200"/>
-            </a:xfrm>
-            <a:prstGeom prst="rect">
-              <a:avLst/>
-            </a:prstGeom>
-            <a:solidFill>
-              <a:schemeClr val="bg1">
-                <a:lumMod val="95000"/>
-              </a:schemeClr>
-            </a:solidFill>
-            <a:ln>
-              <a:noFill/>
-            </a:ln>
-          </p:spPr>
-          <p:style>
-            <a:lnRef idx="2">
-              <a:schemeClr val="accent1">
-                <a:shade val="50000"/>
-              </a:schemeClr>
-            </a:lnRef>
-            <a:fillRef idx="1">
-              <a:schemeClr val="accent1"/>
-            </a:fillRef>
-            <a:effectRef idx="0">
-              <a:schemeClr val="accent1"/>
-            </a:effectRef>
-            <a:fontRef idx="minor">
-              <a:schemeClr val="lt1"/>
-            </a:fontRef>
-          </p:style>
-          <p:txBody>
-            <a:bodyPr rtlCol="0" anchor="ctr"/>
-            <a:lstStyle/>
-            <a:p>
-              <a:pPr algn="ctr"/>
-              <a:endParaRPr lang="en-US" sz="2000"/>
-            </a:p>
-          </p:txBody>
-        </p:sp>
-        <p:sp>
-          <p:nvSpPr>
-            <p:cNvPr id="14" name="Unvan 1"/>
-            <p:cNvSpPr txBox="1">
-              <a:spLocks/>
-            </p:cNvSpPr>
-            <p:nvPr/>
-          </p:nvSpPr>
-          <p:spPr>
-            <a:xfrm>
-              <a:off x="302252" y="6024023"/>
-              <a:ext cx="4921678" cy="600892"/>
-            </a:xfrm>
-            <a:prstGeom prst="rect">
-              <a:avLst/>
-            </a:prstGeom>
-          </p:spPr>
-          <p:txBody>
-            <a:bodyPr vert="horz" lIns="91440" tIns="45720" rIns="91440" bIns="45720" rtlCol="0" anchor="b">
-              <a:noAutofit/>
-            </a:bodyPr>
-            <a:lstStyle>
-              <a:lvl1pPr algn="ctr" defTabSz="914400" rtl="0" eaLnBrk="1" latinLnBrk="0" hangingPunct="1">
-                <a:lnSpc>
-                  <a:spcPct val="90000"/>
-                </a:lnSpc>
-                <a:spcBef>
-                  <a:spcPct val="0"/>
-                </a:spcBef>
-                <a:buNone/>
-                <a:defRPr sz="6000" kern="1200">
-                  <a:solidFill>
-                    <a:schemeClr val="tx1"/>
-                  </a:solidFill>
-                  <a:latin typeface="+mj-lt"/>
-                  <a:ea typeface="+mj-ea"/>
-                  <a:cs typeface="+mj-cs"/>
-                </a:defRPr>
-              </a:lvl1pPr>
-            </a:lstStyle>
-            <a:p>
-              <a:pPr algn="l"/>
-              <a:r>
-                <a:rPr lang="tr-TR" sz="2000" dirty="0">
-                  <a:solidFill>
-                    <a:srgbClr val="CB171F"/>
-                  </a:solidFill>
-                  <a:latin typeface="Constantia" panose="02030602050306030303" pitchFamily="18" charset="0"/>
-                  <a:ea typeface="Verdana" panose="020B0604030504040204" pitchFamily="34" charset="0"/>
-                  <a:cs typeface="Arial" panose="020B0604020202020204" pitchFamily="34" charset="0"/>
-                </a:rPr>
-                <a:t>A’dan Z’ye Büyük Veri</a:t>
-              </a:r>
-              <a:endParaRPr lang="en-US" sz="2000" dirty="0">
-                <a:solidFill>
-                  <a:srgbClr val="CB171F"/>
-                </a:solidFill>
-                <a:latin typeface="Constantia" panose="02030602050306030303" pitchFamily="18" charset="0"/>
-                <a:ea typeface="Verdana" panose="020B0604030504040204" pitchFamily="34" charset="0"/>
-                <a:cs typeface="Arial" panose="020B0604020202020204" pitchFamily="34" charset="0"/>
-              </a:endParaRPr>
-            </a:p>
-          </p:txBody>
-        </p:sp>
-      </p:grpSp>
       <p:sp>
         <p:nvSpPr>
           <p:cNvPr id="16" name="Unvan 1"/>
@@ -6274,7 +5175,7 @@
           <a:lstStyle/>
           <a:p>
             <a:r>
-              <a:rPr lang="tr-TR" sz="2800" b="1" dirty="0" err="1" smtClean="0">
+              <a:rPr lang="tr-TR" sz="2800" b="1" dirty="0" err="1">
                 <a:solidFill>
                   <a:srgbClr val="CD1F26"/>
                 </a:solidFill>
@@ -6324,7 +5225,7 @@
               <a:buChar char="ü"/>
             </a:pPr>
             <a:r>
-              <a:rPr lang="tr-TR" sz="2000" dirty="0" err="1" smtClean="0">
+              <a:rPr lang="tr-TR" sz="2000" dirty="0" err="1">
                 <a:solidFill>
                   <a:srgbClr val="000000"/>
                 </a:solidFill>
@@ -6333,7 +5234,7 @@
               <a:t>Task’lar</a:t>
             </a:r>
             <a:r>
-              <a:rPr lang="tr-TR" sz="2000" dirty="0" smtClean="0">
+              <a:rPr lang="tr-TR" sz="2000" dirty="0">
                 <a:solidFill>
                   <a:srgbClr val="000000"/>
                 </a:solidFill>
@@ -6351,7 +5252,7 @@
               <a:buChar char="ü"/>
             </a:pPr>
             <a:r>
-              <a:rPr lang="tr-TR" sz="2000" dirty="0" err="1" smtClean="0">
+              <a:rPr lang="tr-TR" sz="2000" dirty="0" err="1">
                 <a:solidFill>
                   <a:srgbClr val="000000"/>
                 </a:solidFill>
@@ -6360,7 +5261,7 @@
               <a:t>Coordinator</a:t>
             </a:r>
             <a:r>
-              <a:rPr lang="tr-TR" sz="2000" dirty="0" smtClean="0">
+              <a:rPr lang="tr-TR" sz="2000" dirty="0">
                 <a:solidFill>
                   <a:srgbClr val="000000"/>
                 </a:solidFill>
@@ -6369,7 +5270,7 @@
               <a:t> her bir parçanın (</a:t>
             </a:r>
             <a:r>
-              <a:rPr lang="tr-TR" sz="2000" dirty="0" err="1" smtClean="0">
+              <a:rPr lang="tr-TR" sz="2000" dirty="0" err="1">
                 <a:solidFill>
                   <a:srgbClr val="000000"/>
                 </a:solidFill>
@@ -6378,7 +5279,7 @@
               <a:t>split</a:t>
             </a:r>
             <a:r>
-              <a:rPr lang="tr-TR" sz="2000" dirty="0" smtClean="0">
+              <a:rPr lang="tr-TR" sz="2000" dirty="0">
                 <a:solidFill>
                   <a:srgbClr val="000000"/>
                 </a:solidFill>
@@ -6396,7 +5297,7 @@
               <a:buChar char="ü"/>
             </a:pPr>
             <a:r>
-              <a:rPr lang="tr-TR" sz="2000" dirty="0" smtClean="0">
+              <a:rPr lang="tr-TR" sz="2000" dirty="0">
                 <a:solidFill>
                   <a:srgbClr val="000000"/>
                 </a:solidFill>
@@ -6504,7 +5405,7 @@
           </a:lstStyle>
           <a:p>
             <a:r>
-              <a:rPr lang="tr-TR" sz="2800" b="1" dirty="0" smtClean="0">
+              <a:rPr lang="tr-TR" sz="2800" b="1" dirty="0">
                 <a:solidFill>
                   <a:srgbClr val="CD1F26"/>
                 </a:solidFill>
@@ -6554,7 +5455,7 @@
               <a:buChar char="ü"/>
             </a:pPr>
             <a:r>
-              <a:rPr lang="tr-TR" sz="2000" dirty="0" err="1" smtClean="0">
+              <a:rPr lang="tr-TR" sz="2000" dirty="0" err="1">
                 <a:solidFill>
                   <a:srgbClr val="000000"/>
                 </a:solidFill>
@@ -6563,7 +5464,7 @@
               <a:t>Task’lar</a:t>
             </a:r>
             <a:r>
-              <a:rPr lang="tr-TR" sz="2000" dirty="0" smtClean="0">
+              <a:rPr lang="tr-TR" sz="2000" dirty="0">
                 <a:solidFill>
                   <a:srgbClr val="000000"/>
                 </a:solidFill>
@@ -6572,7 +5473,7 @@
               <a:t> bir veya daha fazla paralel </a:t>
             </a:r>
             <a:r>
-              <a:rPr lang="tr-TR" sz="2000" dirty="0" err="1" smtClean="0">
+              <a:rPr lang="tr-TR" sz="2000" dirty="0" err="1">
                 <a:solidFill>
                   <a:srgbClr val="000000"/>
                 </a:solidFill>
@@ -6581,7 +5482,7 @@
               <a:t>driver</a:t>
             </a:r>
             <a:r>
-              <a:rPr lang="tr-TR" sz="2000" dirty="0" smtClean="0">
+              <a:rPr lang="tr-TR" sz="2000" dirty="0">
                 <a:solidFill>
                   <a:srgbClr val="000000"/>
                 </a:solidFill>
@@ -6599,7 +5500,7 @@
               <a:buChar char="ü"/>
             </a:pPr>
             <a:r>
-              <a:rPr lang="tr-TR" sz="2000" dirty="0" smtClean="0">
+              <a:rPr lang="tr-TR" sz="2000" dirty="0">
                 <a:solidFill>
                   <a:srgbClr val="000000"/>
                 </a:solidFill>
@@ -6608,7 +5509,7 @@
               <a:t>Bir </a:t>
             </a:r>
             <a:r>
-              <a:rPr lang="tr-TR" sz="2000" dirty="0" err="1" smtClean="0">
+              <a:rPr lang="tr-TR" sz="2000" dirty="0" err="1">
                 <a:solidFill>
                   <a:srgbClr val="000000"/>
                 </a:solidFill>
@@ -6617,7 +5518,7 @@
               <a:t>driver</a:t>
             </a:r>
             <a:r>
-              <a:rPr lang="tr-TR" sz="2000" dirty="0" smtClean="0">
+              <a:rPr lang="tr-TR" sz="2000" dirty="0">
                 <a:solidFill>
                   <a:srgbClr val="000000"/>
                 </a:solidFill>
@@ -6626,7 +5527,7 @@
               <a:t> bir dizi </a:t>
             </a:r>
             <a:r>
-              <a:rPr lang="tr-TR" sz="2000" dirty="0" err="1" smtClean="0">
+              <a:rPr lang="tr-TR" sz="2000" dirty="0" err="1">
                 <a:solidFill>
                   <a:srgbClr val="000000"/>
                 </a:solidFill>
@@ -6635,7 +5536,7 @@
               <a:t>operatör’den</a:t>
             </a:r>
             <a:r>
-              <a:rPr lang="tr-TR" sz="2000" dirty="0" smtClean="0">
+              <a:rPr lang="tr-TR" sz="2000" dirty="0">
                 <a:solidFill>
                   <a:srgbClr val="000000"/>
                 </a:solidFill>
@@ -6653,7 +5554,7 @@
               <a:buChar char="ü"/>
             </a:pPr>
             <a:r>
-              <a:rPr lang="tr-TR" sz="2000" dirty="0" err="1" smtClean="0">
+              <a:rPr lang="tr-TR" sz="2000" dirty="0" err="1">
                 <a:solidFill>
                   <a:srgbClr val="000000"/>
                 </a:solidFill>
@@ -6662,7 +5563,7 @@
               <a:t>Presto’da</a:t>
             </a:r>
             <a:r>
-              <a:rPr lang="tr-TR" sz="2000" dirty="0" smtClean="0">
+              <a:rPr lang="tr-TR" sz="2000" dirty="0">
                 <a:solidFill>
                   <a:srgbClr val="000000"/>
                 </a:solidFill>
@@ -6680,38 +5581,14 @@
               <a:buChar char="ü"/>
             </a:pPr>
             <a:r>
-              <a:rPr lang="tr-TR" sz="2000" dirty="0" smtClean="0">
+              <a:rPr lang="tr-TR" sz="2000" dirty="0">
                 <a:solidFill>
                   <a:srgbClr val="000000"/>
                 </a:solidFill>
                 <a:latin typeface="Roboto"/>
               </a:rPr>
-              <a:t>Girdisi </a:t>
-            </a:r>
-            <a:r>
-              <a:rPr lang="tr-TR" sz="2000" dirty="0">
-                <a:solidFill>
-                  <a:srgbClr val="000000"/>
-                </a:solidFill>
-                <a:latin typeface="Roboto"/>
-              </a:rPr>
-              <a:t>ve çıktısı </a:t>
-            </a:r>
-            <a:r>
-              <a:rPr lang="tr-TR" sz="2000" dirty="0" smtClean="0">
-                <a:solidFill>
-                  <a:srgbClr val="000000"/>
-                </a:solidFill>
-                <a:latin typeface="Roboto"/>
-              </a:rPr>
-              <a:t>var</a:t>
-            </a:r>
-            <a:endParaRPr lang="tr-TR" sz="2000" dirty="0" smtClean="0">
-              <a:solidFill>
-                <a:srgbClr val="000000"/>
-              </a:solidFill>
-              <a:latin typeface="Roboto"/>
-            </a:endParaRPr>
+              <a:t>Girdisi ve çıktısı var</a:t>
+            </a:r>
           </a:p>
         </p:txBody>
       </p:sp>
@@ -6757,7 +5634,7 @@
           </a:lstStyle>
           <a:p>
             <a:r>
-              <a:rPr lang="tr-TR" sz="2800" b="1" dirty="0" err="1" smtClean="0">
+              <a:rPr lang="tr-TR" sz="2800" b="1" dirty="0" err="1">
                 <a:solidFill>
                   <a:srgbClr val="CD1F26"/>
                 </a:solidFill>
@@ -6820,7 +5697,7 @@
           </a:lstStyle>
           <a:p>
             <a:r>
-              <a:rPr lang="tr-TR" sz="2800" b="1" dirty="0" smtClean="0">
+              <a:rPr lang="tr-TR" sz="2800" b="1" dirty="0">
                 <a:solidFill>
                   <a:srgbClr val="CD1F26"/>
                 </a:solidFill>
@@ -6870,7 +5747,7 @@
               <a:buChar char="ü"/>
             </a:pPr>
             <a:r>
-              <a:rPr lang="tr-TR" sz="2000" dirty="0" smtClean="0">
+              <a:rPr lang="tr-TR" sz="2000" dirty="0">
                 <a:solidFill>
                   <a:srgbClr val="000000"/>
                 </a:solidFill>
@@ -6888,7 +5765,7 @@
               <a:buChar char="ü"/>
             </a:pPr>
             <a:r>
-              <a:rPr lang="tr-TR" sz="2000" dirty="0" smtClean="0">
+              <a:rPr lang="tr-TR" sz="2000" dirty="0">
                 <a:solidFill>
                   <a:srgbClr val="000000"/>
                 </a:solidFill>
@@ -6928,7 +5805,7 @@
               <a:buChar char="ü"/>
             </a:pPr>
             <a:r>
-              <a:rPr lang="tr-TR" sz="2000" dirty="0" err="1" smtClean="0">
+              <a:rPr lang="tr-TR" sz="2000" dirty="0" err="1">
                 <a:solidFill>
                   <a:srgbClr val="000000"/>
                 </a:solidFill>
@@ -6937,31 +5814,13 @@
               <a:t>Node’lar</a:t>
             </a:r>
             <a:r>
-              <a:rPr lang="tr-TR" sz="2000" dirty="0" smtClean="0">
+              <a:rPr lang="tr-TR" sz="2000" dirty="0">
                 <a:solidFill>
                   <a:srgbClr val="000000"/>
                 </a:solidFill>
                 <a:latin typeface="Roboto"/>
               </a:rPr>
-              <a:t> </a:t>
-            </a:r>
-            <a:r>
-              <a:rPr lang="tr-TR" sz="2000" dirty="0" smtClean="0">
-                <a:solidFill>
-                  <a:srgbClr val="000000"/>
-                </a:solidFill>
-                <a:latin typeface="Roboto"/>
-              </a:rPr>
-              <a:t>arası </a:t>
-            </a:r>
-            <a:r>
-              <a:rPr lang="tr-TR" sz="2000" dirty="0" smtClean="0">
-                <a:solidFill>
-                  <a:srgbClr val="000000"/>
-                </a:solidFill>
-                <a:latin typeface="Roboto"/>
-              </a:rPr>
-              <a:t>veri hareketi</a:t>
+              <a:t> arası veri hareketi</a:t>
             </a:r>
           </a:p>
           <a:p>
@@ -6973,7 +5832,7 @@
               <a:buChar char="ü"/>
             </a:pPr>
             <a:r>
-              <a:rPr lang="tr-TR" sz="2000" dirty="0" err="1" smtClean="0">
+              <a:rPr lang="tr-TR" sz="2000" dirty="0" err="1">
                 <a:solidFill>
                   <a:srgbClr val="000000"/>
                 </a:solidFill>
@@ -6982,7 +5841,7 @@
               <a:t>Stage</a:t>
             </a:r>
             <a:r>
-              <a:rPr lang="tr-TR" sz="2000" dirty="0" smtClean="0">
+              <a:rPr lang="tr-TR" sz="2000" dirty="0">
                 <a:solidFill>
                   <a:srgbClr val="000000"/>
                 </a:solidFill>
@@ -6991,7 +5850,7 @@
               <a:t> ve </a:t>
             </a:r>
             <a:r>
-              <a:rPr lang="tr-TR" sz="2000" dirty="0" err="1" smtClean="0">
+              <a:rPr lang="tr-TR" sz="2000" dirty="0" err="1">
                 <a:solidFill>
                   <a:srgbClr val="000000"/>
                 </a:solidFill>
@@ -7000,7 +5859,7 @@
               <a:t>task</a:t>
             </a:r>
             <a:r>
-              <a:rPr lang="tr-TR" sz="2000" dirty="0" smtClean="0">
+              <a:rPr lang="tr-TR" sz="2000" dirty="0">
                 <a:solidFill>
                   <a:srgbClr val="000000"/>
                 </a:solidFill>
@@ -7021,13 +5880,6 @@
   <p:clrMapOvr>
     <a:masterClrMapping/>
   </p:clrMapOvr>
-  <p:timing>
-    <p:tnLst>
-      <p:par>
-        <p:cTn id="1" dur="indefinite" restart="never" nodeType="tmRoot"/>
-      </p:par>
-    </p:tnLst>
-  </p:timing>
 </p:sld>
 </file>
 
@@ -7085,369 +5937,6 @@
           </a:fontRef>
         </p:style>
       </p:cxnSp>
-      <p:grpSp>
-        <p:nvGrpSpPr>
-          <p:cNvPr id="15" name="Grup 14"/>
-          <p:cNvGrpSpPr/>
-          <p:nvPr/>
-        </p:nvGrpSpPr>
-        <p:grpSpPr>
-          <a:xfrm>
-            <a:off x="228596" y="6231467"/>
-            <a:ext cx="3041654" cy="492576"/>
-            <a:chOff x="228596" y="6231467"/>
-            <a:chExt cx="3041654" cy="492576"/>
-          </a:xfrm>
-        </p:grpSpPr>
-        <p:grpSp>
-          <p:nvGrpSpPr>
-            <p:cNvPr id="8" name="Grup 7"/>
-            <p:cNvGrpSpPr/>
-            <p:nvPr/>
-          </p:nvGrpSpPr>
-          <p:grpSpPr>
-            <a:xfrm>
-              <a:off x="228596" y="6231467"/>
-              <a:ext cx="2802471" cy="457084"/>
-              <a:chOff x="127000" y="5901146"/>
-              <a:chExt cx="5156200" cy="838200"/>
-            </a:xfrm>
-          </p:grpSpPr>
-          <p:sp>
-            <p:nvSpPr>
-              <p:cNvPr id="7" name="Dikdörtgen 6"/>
-              <p:cNvSpPr/>
-              <p:nvPr/>
-            </p:nvSpPr>
-            <p:spPr>
-              <a:xfrm>
-                <a:off x="127000" y="5901146"/>
-                <a:ext cx="5156200" cy="838200"/>
-              </a:xfrm>
-              <a:prstGeom prst="rect">
-                <a:avLst/>
-              </a:prstGeom>
-              <a:solidFill>
-                <a:schemeClr val="bg1">
-                  <a:lumMod val="95000"/>
-                </a:schemeClr>
-              </a:solidFill>
-              <a:ln>
-                <a:noFill/>
-              </a:ln>
-            </p:spPr>
-            <p:style>
-              <a:lnRef idx="2">
-                <a:schemeClr val="accent1">
-                  <a:shade val="50000"/>
-                </a:schemeClr>
-              </a:lnRef>
-              <a:fillRef idx="1">
-                <a:schemeClr val="accent1"/>
-              </a:fillRef>
-              <a:effectRef idx="0">
-                <a:schemeClr val="accent1"/>
-              </a:effectRef>
-              <a:fontRef idx="minor">
-                <a:schemeClr val="lt1"/>
-              </a:fontRef>
-            </p:style>
-            <p:txBody>
-              <a:bodyPr rtlCol="0" anchor="ctr"/>
-              <a:lstStyle/>
-              <a:p>
-                <a:pPr algn="ctr"/>
-                <a:endParaRPr lang="en-US" sz="2000"/>
-              </a:p>
-            </p:txBody>
-          </p:sp>
-          <p:grpSp>
-            <p:nvGrpSpPr>
-              <p:cNvPr id="6" name="Grup 5"/>
-              <p:cNvGrpSpPr/>
-              <p:nvPr/>
-            </p:nvGrpSpPr>
-            <p:grpSpPr>
-              <a:xfrm>
-                <a:off x="211667" y="6019800"/>
-                <a:ext cx="5012266" cy="605115"/>
-                <a:chOff x="211667" y="6019800"/>
-                <a:chExt cx="5012266" cy="605115"/>
-              </a:xfrm>
-            </p:grpSpPr>
-            <p:pic>
-              <p:nvPicPr>
-                <p:cNvPr id="4" name="Resim 3"/>
-                <p:cNvPicPr>
-                  <a:picLocks noChangeAspect="1"/>
-                </p:cNvPicPr>
-                <p:nvPr/>
-              </p:nvPicPr>
-              <p:blipFill rotWithShape="1">
-                <a:blip r:embed="rId2" cstate="print">
-                  <a:extLst>
-                    <a:ext uri="{28A0092B-C50C-407E-A947-70E740481C1C}">
-                      <a14:useLocalDpi xmlns:a14="http://schemas.microsoft.com/office/drawing/2010/main" val="0"/>
-                    </a:ext>
-                  </a:extLst>
-                </a:blip>
-                <a:srcRect l="24387" t="8319" r="18355" b="50150"/>
-                <a:stretch/>
-              </p:blipFill>
-              <p:spPr>
-                <a:xfrm>
-                  <a:off x="211667" y="6019800"/>
-                  <a:ext cx="1072095" cy="600892"/>
-                </a:xfrm>
-                <a:prstGeom prst="rect">
-                  <a:avLst/>
-                </a:prstGeom>
-              </p:spPr>
-            </p:pic>
-            <p:sp>
-              <p:nvSpPr>
-                <p:cNvPr id="5" name="Unvan 1"/>
-                <p:cNvSpPr txBox="1">
-                  <a:spLocks/>
-                </p:cNvSpPr>
-                <p:nvPr/>
-              </p:nvSpPr>
-              <p:spPr>
-                <a:xfrm>
-                  <a:off x="1283763" y="6024023"/>
-                  <a:ext cx="3940170" cy="600892"/>
-                </a:xfrm>
-                <a:prstGeom prst="rect">
-                  <a:avLst/>
-                </a:prstGeom>
-              </p:spPr>
-              <p:txBody>
-                <a:bodyPr vert="horz" lIns="91440" tIns="45720" rIns="91440" bIns="45720" rtlCol="0" anchor="b">
-                  <a:noAutofit/>
-                </a:bodyPr>
-                <a:lstStyle>
-                  <a:lvl1pPr algn="ctr" defTabSz="914400" rtl="0" eaLnBrk="1" latinLnBrk="0" hangingPunct="1">
-                    <a:lnSpc>
-                      <a:spcPct val="90000"/>
-                    </a:lnSpc>
-                    <a:spcBef>
-                      <a:spcPct val="0"/>
-                    </a:spcBef>
-                    <a:buNone/>
-                    <a:defRPr sz="6000" kern="1200">
-                      <a:solidFill>
-                        <a:schemeClr val="tx1"/>
-                      </a:solidFill>
-                      <a:latin typeface="+mj-lt"/>
-                      <a:ea typeface="+mj-ea"/>
-                      <a:cs typeface="+mj-cs"/>
-                    </a:defRPr>
-                  </a:lvl1pPr>
-                </a:lstStyle>
-                <a:p>
-                  <a:pPr algn="l"/>
-                  <a:r>
-                    <a:rPr lang="tr-TR" sz="2000" dirty="0" smtClean="0">
-                      <a:solidFill>
-                        <a:srgbClr val="CB171F"/>
-                      </a:solidFill>
-                      <a:latin typeface="Constantia" panose="02030602050306030303" pitchFamily="18" charset="0"/>
-                      <a:ea typeface="Verdana" panose="020B0604030504040204" pitchFamily="34" charset="0"/>
-                      <a:cs typeface="Arial" panose="020B0604020202020204" pitchFamily="34" charset="0"/>
-                    </a:rPr>
-                    <a:t>Veri Bilimi Okulu</a:t>
-                  </a:r>
-                  <a:endParaRPr lang="en-US" sz="2000" dirty="0">
-                    <a:solidFill>
-                      <a:srgbClr val="CB171F"/>
-                    </a:solidFill>
-                    <a:latin typeface="Constantia" panose="02030602050306030303" pitchFamily="18" charset="0"/>
-                    <a:ea typeface="Verdana" panose="020B0604030504040204" pitchFamily="34" charset="0"/>
-                    <a:cs typeface="Arial" panose="020B0604020202020204" pitchFamily="34" charset="0"/>
-                  </a:endParaRPr>
-                </a:p>
-              </p:txBody>
-            </p:sp>
-          </p:grpSp>
-        </p:grpSp>
-        <p:sp>
-          <p:nvSpPr>
-            <p:cNvPr id="12" name="Metin kutusu 11"/>
-            <p:cNvSpPr txBox="1"/>
-            <p:nvPr/>
-          </p:nvSpPr>
-          <p:spPr>
-            <a:xfrm>
-              <a:off x="1582782" y="6493211"/>
-              <a:ext cx="1687468" cy="230832"/>
-            </a:xfrm>
-            <a:prstGeom prst="rect">
-              <a:avLst/>
-            </a:prstGeom>
-            <a:noFill/>
-          </p:spPr>
-          <p:txBody>
-            <a:bodyPr wrap="square" rtlCol="0">
-              <a:spAutoFit/>
-            </a:bodyPr>
-            <a:lstStyle/>
-            <a:p>
-              <a:r>
-                <a:rPr lang="en-US" sz="900" dirty="0" smtClean="0">
-                  <a:solidFill>
-                    <a:srgbClr val="0B8043"/>
-                  </a:solidFill>
-                </a:rPr>
-                <a:t>https:</a:t>
-              </a:r>
-              <a:r>
-                <a:rPr lang="en-US" sz="900" dirty="0" smtClean="0">
-                  <a:solidFill>
-                    <a:schemeClr val="bg1">
-                      <a:lumMod val="50000"/>
-                    </a:schemeClr>
-                  </a:solidFill>
-                </a:rPr>
-                <a:t>//www.veribilimi.co</a:t>
-              </a:r>
-              <a:endParaRPr lang="en-US" sz="900" dirty="0">
-                <a:solidFill>
-                  <a:schemeClr val="bg1">
-                    <a:lumMod val="50000"/>
-                  </a:schemeClr>
-                </a:solidFill>
-              </a:endParaRPr>
-            </a:p>
-          </p:txBody>
-        </p:sp>
-      </p:grpSp>
-      <p:grpSp>
-        <p:nvGrpSpPr>
-          <p:cNvPr id="11" name="Grup 10"/>
-          <p:cNvGrpSpPr/>
-          <p:nvPr/>
-        </p:nvGrpSpPr>
-        <p:grpSpPr>
-          <a:xfrm>
-            <a:off x="9194796" y="6231467"/>
-            <a:ext cx="2802471" cy="457084"/>
-            <a:chOff x="184993" y="5905369"/>
-            <a:chExt cx="5156200" cy="838200"/>
-          </a:xfrm>
-        </p:grpSpPr>
-        <p:sp>
-          <p:nvSpPr>
-            <p:cNvPr id="13" name="Dikdörtgen 12"/>
-            <p:cNvSpPr/>
-            <p:nvPr/>
-          </p:nvSpPr>
-          <p:spPr>
-            <a:xfrm>
-              <a:off x="184993" y="5905369"/>
-              <a:ext cx="5156200" cy="838200"/>
-            </a:xfrm>
-            <a:prstGeom prst="rect">
-              <a:avLst/>
-            </a:prstGeom>
-            <a:solidFill>
-              <a:schemeClr val="bg1">
-                <a:lumMod val="95000"/>
-              </a:schemeClr>
-            </a:solidFill>
-            <a:ln>
-              <a:noFill/>
-            </a:ln>
-          </p:spPr>
-          <p:style>
-            <a:lnRef idx="2">
-              <a:schemeClr val="accent1">
-                <a:shade val="50000"/>
-              </a:schemeClr>
-            </a:lnRef>
-            <a:fillRef idx="1">
-              <a:schemeClr val="accent1"/>
-            </a:fillRef>
-            <a:effectRef idx="0">
-              <a:schemeClr val="accent1"/>
-            </a:effectRef>
-            <a:fontRef idx="minor">
-              <a:schemeClr val="lt1"/>
-            </a:fontRef>
-          </p:style>
-          <p:txBody>
-            <a:bodyPr rtlCol="0" anchor="ctr"/>
-            <a:lstStyle/>
-            <a:p>
-              <a:pPr algn="ctr"/>
-              <a:endParaRPr lang="en-US" sz="2000"/>
-            </a:p>
-          </p:txBody>
-        </p:sp>
-        <p:sp>
-          <p:nvSpPr>
-            <p:cNvPr id="14" name="Unvan 1"/>
-            <p:cNvSpPr txBox="1">
-              <a:spLocks/>
-            </p:cNvSpPr>
-            <p:nvPr/>
-          </p:nvSpPr>
-          <p:spPr>
-            <a:xfrm>
-              <a:off x="302252" y="6024023"/>
-              <a:ext cx="4921678" cy="600892"/>
-            </a:xfrm>
-            <a:prstGeom prst="rect">
-              <a:avLst/>
-            </a:prstGeom>
-          </p:spPr>
-          <p:txBody>
-            <a:bodyPr vert="horz" lIns="91440" tIns="45720" rIns="91440" bIns="45720" rtlCol="0" anchor="b">
-              <a:noAutofit/>
-            </a:bodyPr>
-            <a:lstStyle>
-              <a:lvl1pPr algn="ctr" defTabSz="914400" rtl="0" eaLnBrk="1" latinLnBrk="0" hangingPunct="1">
-                <a:lnSpc>
-                  <a:spcPct val="90000"/>
-                </a:lnSpc>
-                <a:spcBef>
-                  <a:spcPct val="0"/>
-                </a:spcBef>
-                <a:buNone/>
-                <a:defRPr sz="6000" kern="1200">
-                  <a:solidFill>
-                    <a:schemeClr val="tx1"/>
-                  </a:solidFill>
-                  <a:latin typeface="+mj-lt"/>
-                  <a:ea typeface="+mj-ea"/>
-                  <a:cs typeface="+mj-cs"/>
-                </a:defRPr>
-              </a:lvl1pPr>
-            </a:lstStyle>
-            <a:p>
-              <a:pPr algn="l"/>
-              <a:r>
-                <a:rPr lang="tr-TR" sz="2000" dirty="0">
-                  <a:solidFill>
-                    <a:srgbClr val="CB171F"/>
-                  </a:solidFill>
-                  <a:latin typeface="Constantia" panose="02030602050306030303" pitchFamily="18" charset="0"/>
-                  <a:ea typeface="Verdana" panose="020B0604030504040204" pitchFamily="34" charset="0"/>
-                  <a:cs typeface="Arial" panose="020B0604020202020204" pitchFamily="34" charset="0"/>
-                </a:rPr>
-                <a:t>A’dan Z’ye Büyük Veri</a:t>
-              </a:r>
-              <a:endParaRPr lang="en-US" sz="2000" dirty="0">
-                <a:solidFill>
-                  <a:srgbClr val="CB171F"/>
-                </a:solidFill>
-                <a:latin typeface="Constantia" panose="02030602050306030303" pitchFamily="18" charset="0"/>
-                <a:ea typeface="Verdana" panose="020B0604030504040204" pitchFamily="34" charset="0"/>
-                <a:cs typeface="Arial" panose="020B0604020202020204" pitchFamily="34" charset="0"/>
-              </a:endParaRPr>
-            </a:p>
-          </p:txBody>
-        </p:sp>
-      </p:grpSp>
       <p:sp>
         <p:nvSpPr>
           <p:cNvPr id="16" name="Unvan 1"/>
@@ -7471,7 +5960,7 @@
           <a:lstStyle/>
           <a:p>
             <a:r>
-              <a:rPr lang="tr-TR" sz="3600" b="1" dirty="0" smtClean="0">
+              <a:rPr lang="tr-TR" sz="3600" b="1" dirty="0">
                 <a:solidFill>
                   <a:srgbClr val="CD1F26"/>
                 </a:solidFill>
@@ -7584,7 +6073,7 @@
           <a:p>
             <a:pPr algn="ctr"/>
             <a:r>
-              <a:rPr lang="tr-TR" dirty="0" smtClean="0"/>
+              <a:rPr lang="tr-TR" dirty="0"/>
               <a:t>Client</a:t>
             </a:r>
             <a:endParaRPr lang="en-US" dirty="0"/>
@@ -7680,7 +6169,7 @@
             <a:p>
               <a:pPr algn="ctr"/>
               <a:r>
-                <a:rPr lang="tr-TR" dirty="0" smtClean="0"/>
+                <a:rPr lang="tr-TR" dirty="0"/>
                 <a:t>Analyzer</a:t>
               </a:r>
               <a:endParaRPr lang="en-US" dirty="0"/>
@@ -7722,7 +6211,7 @@
             <a:p>
               <a:pPr algn="ctr"/>
               <a:r>
-                <a:rPr lang="tr-TR" dirty="0" smtClean="0"/>
+                <a:rPr lang="tr-TR" dirty="0"/>
                 <a:t>Planner</a:t>
               </a:r>
               <a:endParaRPr lang="en-US" dirty="0"/>
@@ -7764,7 +6253,7 @@
             <a:p>
               <a:pPr algn="ctr"/>
               <a:r>
-                <a:rPr lang="tr-TR" dirty="0" err="1" smtClean="0"/>
+                <a:rPr lang="tr-TR" dirty="0" err="1"/>
                 <a:t>Fragmenter</a:t>
               </a:r>
               <a:endParaRPr lang="en-US" dirty="0"/>
@@ -7806,7 +6295,7 @@
             <a:p>
               <a:pPr algn="ctr"/>
               <a:r>
-                <a:rPr lang="tr-TR" dirty="0" err="1" smtClean="0"/>
+                <a:rPr lang="tr-TR" dirty="0" err="1"/>
                 <a:t>Scheduler</a:t>
               </a:r>
               <a:endParaRPr lang="en-US" dirty="0"/>
@@ -7848,11 +6337,11 @@
             <a:p>
               <a:pPr algn="ctr"/>
               <a:r>
-                <a:rPr lang="tr-TR" dirty="0" err="1" smtClean="0"/>
+                <a:rPr lang="tr-TR" dirty="0" err="1"/>
                 <a:t>Node</a:t>
               </a:r>
               <a:r>
-                <a:rPr lang="tr-TR" dirty="0" smtClean="0"/>
+                <a:rPr lang="tr-TR" dirty="0"/>
                 <a:t> Manager</a:t>
               </a:r>
               <a:endParaRPr lang="en-US" dirty="0"/>
@@ -7881,7 +6370,7 @@
             <a:lstStyle/>
             <a:p>
               <a:r>
-                <a:rPr lang="tr-TR" sz="2000" dirty="0" err="1" smtClean="0">
+                <a:rPr lang="tr-TR" sz="2000" dirty="0" err="1">
                   <a:solidFill>
                     <a:schemeClr val="bg1"/>
                   </a:solidFill>
@@ -7987,7 +6476,7 @@
               <a:lstStyle/>
               <a:p>
                 <a:r>
-                  <a:rPr lang="tr-TR" sz="2000" dirty="0" err="1" smtClean="0">
+                  <a:rPr lang="tr-TR" sz="2000" dirty="0" err="1">
                     <a:solidFill>
                       <a:schemeClr val="bg1"/>
                     </a:solidFill>
@@ -8037,7 +6526,7 @@
               <a:p>
                 <a:pPr algn="ctr"/>
                 <a:r>
-                  <a:rPr lang="tr-TR" dirty="0" err="1" smtClean="0"/>
+                  <a:rPr lang="tr-TR" dirty="0" err="1"/>
                   <a:t>Aggregation</a:t>
                 </a:r>
                 <a:endParaRPr lang="en-US" dirty="0"/>
@@ -8121,7 +6610,7 @@
               <a:lstStyle/>
               <a:p>
                 <a:r>
-                  <a:rPr lang="tr-TR" sz="2000" dirty="0" err="1" smtClean="0">
+                  <a:rPr lang="tr-TR" sz="2000" dirty="0" err="1">
                     <a:solidFill>
                       <a:schemeClr val="bg1"/>
                     </a:solidFill>
@@ -8171,7 +6660,7 @@
               <a:p>
                 <a:pPr algn="ctr"/>
                 <a:r>
-                  <a:rPr lang="tr-TR" dirty="0" err="1" smtClean="0"/>
+                  <a:rPr lang="tr-TR" dirty="0" err="1"/>
                   <a:t>Aggregation</a:t>
                 </a:r>
                 <a:endParaRPr lang="en-US" dirty="0"/>
@@ -8255,7 +6744,7 @@
               <a:lstStyle/>
               <a:p>
                 <a:r>
-                  <a:rPr lang="tr-TR" sz="2000" dirty="0" err="1" smtClean="0">
+                  <a:rPr lang="tr-TR" sz="2000" dirty="0" err="1">
                     <a:solidFill>
                       <a:schemeClr val="bg1"/>
                     </a:solidFill>
@@ -8305,7 +6794,7 @@
               <a:p>
                 <a:pPr algn="ctr"/>
                 <a:r>
-                  <a:rPr lang="tr-TR" dirty="0" err="1" smtClean="0"/>
+                  <a:rPr lang="tr-TR" dirty="0" err="1"/>
                   <a:t>Aggregation</a:t>
                 </a:r>
                 <a:endParaRPr lang="en-US" dirty="0"/>
@@ -8389,7 +6878,7 @@
               <a:lstStyle/>
               <a:p>
                 <a:r>
-                  <a:rPr lang="tr-TR" sz="2000" dirty="0" err="1" smtClean="0">
+                  <a:rPr lang="tr-TR" sz="2000" dirty="0" err="1">
                     <a:solidFill>
                       <a:schemeClr val="bg1"/>
                     </a:solidFill>
@@ -8439,15 +6928,15 @@
               <a:p>
                 <a:pPr algn="ctr"/>
                 <a:r>
-                  <a:rPr lang="tr-TR" dirty="0" err="1" smtClean="0"/>
+                  <a:rPr lang="tr-TR" dirty="0" err="1"/>
                   <a:t>Table</a:t>
                 </a:r>
                 <a:r>
-                  <a:rPr lang="tr-TR" dirty="0" smtClean="0"/>
+                  <a:rPr lang="tr-TR" dirty="0"/>
                   <a:t> </a:t>
                 </a:r>
                 <a:r>
-                  <a:rPr lang="tr-TR" dirty="0" err="1" smtClean="0"/>
+                  <a:rPr lang="tr-TR" dirty="0" err="1"/>
                   <a:t>Scan</a:t>
                 </a:r>
                 <a:endParaRPr lang="en-US" dirty="0"/>
@@ -8532,7 +7021,7 @@
             <a:lstStyle/>
             <a:p>
               <a:r>
-                <a:rPr lang="tr-TR" sz="2000" dirty="0" err="1" smtClean="0">
+                <a:rPr lang="tr-TR" sz="2000" dirty="0" err="1">
                   <a:solidFill>
                     <a:schemeClr val="bg1"/>
                   </a:solidFill>
@@ -8582,7 +7071,7 @@
             <a:p>
               <a:pPr algn="ctr"/>
               <a:r>
-                <a:rPr lang="tr-TR" dirty="0" err="1" smtClean="0"/>
+                <a:rPr lang="tr-TR" dirty="0" err="1"/>
                 <a:t>Aggregation</a:t>
               </a:r>
               <a:endParaRPr lang="en-US" dirty="0"/>
@@ -8599,7 +7088,7 @@
           <p:nvPr/>
         </p:nvPicPr>
         <p:blipFill>
-          <a:blip r:embed="rId3">
+          <a:blip r:embed="rId2">
             <a:extLst>
               <a:ext uri="{28A0092B-C50C-407E-A947-70E740481C1C}">
                 <a14:useLocalDpi xmlns:a14="http://schemas.microsoft.com/office/drawing/2010/main" val="0"/>
@@ -8657,7 +7146,7 @@
           <a:p>
             <a:pPr algn="ctr"/>
             <a:r>
-              <a:rPr lang="tr-TR" dirty="0" err="1" smtClean="0"/>
+              <a:rPr lang="tr-TR" dirty="0" err="1"/>
               <a:t>Metastore</a:t>
             </a:r>
             <a:endParaRPr lang="en-US" dirty="0"/>
@@ -8873,7 +7362,7 @@
           <p:nvPr/>
         </p:nvPicPr>
         <p:blipFill>
-          <a:blip r:embed="rId4" cstate="print">
+          <a:blip r:embed="rId3" cstate="print">
             <a:extLst>
               <a:ext uri="{28A0092B-C50C-407E-A947-70E740481C1C}">
                 <a14:useLocalDpi xmlns:a14="http://schemas.microsoft.com/office/drawing/2010/main" val="0"/>
@@ -8903,7 +7392,7 @@
           <p:nvPr/>
         </p:nvPicPr>
         <p:blipFill>
-          <a:blip r:embed="rId4" cstate="print">
+          <a:blip r:embed="rId3" cstate="print">
             <a:extLst>
               <a:ext uri="{28A0092B-C50C-407E-A947-70E740481C1C}">
                 <a14:useLocalDpi xmlns:a14="http://schemas.microsoft.com/office/drawing/2010/main" val="0"/>
@@ -10835,242 +9324,6 @@
       </p:cxnSp>
       <p:grpSp>
         <p:nvGrpSpPr>
-          <p:cNvPr id="51" name="Grup 50"/>
-          <p:cNvGrpSpPr/>
-          <p:nvPr/>
-        </p:nvGrpSpPr>
-        <p:grpSpPr>
-          <a:xfrm>
-            <a:off x="228596" y="6231467"/>
-            <a:ext cx="3041654" cy="492576"/>
-            <a:chOff x="228596" y="6231467"/>
-            <a:chExt cx="3041654" cy="492576"/>
-          </a:xfrm>
-        </p:grpSpPr>
-        <p:grpSp>
-          <p:nvGrpSpPr>
-            <p:cNvPr id="52" name="Grup 51"/>
-            <p:cNvGrpSpPr/>
-            <p:nvPr/>
-          </p:nvGrpSpPr>
-          <p:grpSpPr>
-            <a:xfrm>
-              <a:off x="228596" y="6231467"/>
-              <a:ext cx="2802471" cy="457084"/>
-              <a:chOff x="127000" y="5901146"/>
-              <a:chExt cx="5156200" cy="838200"/>
-            </a:xfrm>
-          </p:grpSpPr>
-          <p:sp>
-            <p:nvSpPr>
-              <p:cNvPr id="54" name="Dikdörtgen 53"/>
-              <p:cNvSpPr/>
-              <p:nvPr/>
-            </p:nvSpPr>
-            <p:spPr>
-              <a:xfrm>
-                <a:off x="127000" y="5901146"/>
-                <a:ext cx="5156200" cy="838200"/>
-              </a:xfrm>
-              <a:prstGeom prst="rect">
-                <a:avLst/>
-              </a:prstGeom>
-              <a:solidFill>
-                <a:schemeClr val="bg1">
-                  <a:lumMod val="95000"/>
-                </a:schemeClr>
-              </a:solidFill>
-              <a:ln>
-                <a:noFill/>
-              </a:ln>
-            </p:spPr>
-            <p:style>
-              <a:lnRef idx="2">
-                <a:schemeClr val="accent1">
-                  <a:shade val="50000"/>
-                </a:schemeClr>
-              </a:lnRef>
-              <a:fillRef idx="1">
-                <a:schemeClr val="accent1"/>
-              </a:fillRef>
-              <a:effectRef idx="0">
-                <a:schemeClr val="accent1"/>
-              </a:effectRef>
-              <a:fontRef idx="minor">
-                <a:schemeClr val="lt1"/>
-              </a:fontRef>
-            </p:style>
-            <p:txBody>
-              <a:bodyPr rtlCol="0" anchor="ctr"/>
-              <a:lstStyle/>
-              <a:p>
-                <a:pPr algn="ctr"/>
-                <a:endParaRPr lang="en-US" sz="2000"/>
-              </a:p>
-            </p:txBody>
-          </p:sp>
-          <p:grpSp>
-            <p:nvGrpSpPr>
-              <p:cNvPr id="55" name="Grup 54"/>
-              <p:cNvGrpSpPr/>
-              <p:nvPr/>
-            </p:nvGrpSpPr>
-            <p:grpSpPr>
-              <a:xfrm>
-                <a:off x="211667" y="6019800"/>
-                <a:ext cx="5012266" cy="605115"/>
-                <a:chOff x="211667" y="6019800"/>
-                <a:chExt cx="5012266" cy="605115"/>
-              </a:xfrm>
-            </p:grpSpPr>
-            <p:pic>
-              <p:nvPicPr>
-                <p:cNvPr id="56" name="Resim 55"/>
-                <p:cNvPicPr>
-                  <a:picLocks noChangeAspect="1"/>
-                </p:cNvPicPr>
-                <p:nvPr/>
-              </p:nvPicPr>
-              <p:blipFill rotWithShape="1">
-                <a:blip r:embed="rId2" cstate="print">
-                  <a:extLst>
-                    <a:ext uri="{28A0092B-C50C-407E-A947-70E740481C1C}">
-                      <a14:useLocalDpi xmlns:a14="http://schemas.microsoft.com/office/drawing/2010/main" val="0"/>
-                    </a:ext>
-                  </a:extLst>
-                </a:blip>
-                <a:srcRect l="24387" t="8319" r="18355" b="50150"/>
-                <a:stretch/>
-              </p:blipFill>
-              <p:spPr>
-                <a:xfrm>
-                  <a:off x="211667" y="6019800"/>
-                  <a:ext cx="1072095" cy="600892"/>
-                </a:xfrm>
-                <a:prstGeom prst="rect">
-                  <a:avLst/>
-                </a:prstGeom>
-              </p:spPr>
-            </p:pic>
-            <p:sp>
-              <p:nvSpPr>
-                <p:cNvPr id="57" name="Unvan 1"/>
-                <p:cNvSpPr txBox="1">
-                  <a:spLocks/>
-                </p:cNvSpPr>
-                <p:nvPr/>
-              </p:nvSpPr>
-              <p:spPr>
-                <a:xfrm>
-                  <a:off x="1283763" y="6024023"/>
-                  <a:ext cx="3940170" cy="600892"/>
-                </a:xfrm>
-                <a:prstGeom prst="rect">
-                  <a:avLst/>
-                </a:prstGeom>
-              </p:spPr>
-              <p:txBody>
-                <a:bodyPr vert="horz" lIns="91440" tIns="45720" rIns="91440" bIns="45720" rtlCol="0" anchor="b">
-                  <a:noAutofit/>
-                </a:bodyPr>
-                <a:lstStyle>
-                  <a:lvl1pPr algn="ctr" defTabSz="914400" rtl="0" eaLnBrk="1" latinLnBrk="0" hangingPunct="1">
-                    <a:lnSpc>
-                      <a:spcPct val="90000"/>
-                    </a:lnSpc>
-                    <a:spcBef>
-                      <a:spcPct val="0"/>
-                    </a:spcBef>
-                    <a:buNone/>
-                    <a:defRPr sz="6000" kern="1200">
-                      <a:solidFill>
-                        <a:schemeClr val="tx1"/>
-                      </a:solidFill>
-                      <a:latin typeface="+mj-lt"/>
-                      <a:ea typeface="+mj-ea"/>
-                      <a:cs typeface="+mj-cs"/>
-                    </a:defRPr>
-                  </a:lvl1pPr>
-                </a:lstStyle>
-                <a:p>
-                  <a:pPr algn="l"/>
-                  <a:r>
-                    <a:rPr lang="tr-TR" sz="2000" dirty="0" smtClean="0">
-                      <a:solidFill>
-                        <a:srgbClr val="CB171F"/>
-                      </a:solidFill>
-                      <a:latin typeface="Constantia" panose="02030602050306030303" pitchFamily="18" charset="0"/>
-                      <a:ea typeface="Verdana" panose="020B0604030504040204" pitchFamily="34" charset="0"/>
-                      <a:cs typeface="Arial" panose="020B0604020202020204" pitchFamily="34" charset="0"/>
-                    </a:rPr>
-                    <a:t>Veri Bilimi Okulu</a:t>
-                  </a:r>
-                  <a:endParaRPr lang="en-US" sz="2000" dirty="0">
-                    <a:solidFill>
-                      <a:srgbClr val="CB171F"/>
-                    </a:solidFill>
-                    <a:latin typeface="Constantia" panose="02030602050306030303" pitchFamily="18" charset="0"/>
-                    <a:ea typeface="Verdana" panose="020B0604030504040204" pitchFamily="34" charset="0"/>
-                    <a:cs typeface="Arial" panose="020B0604020202020204" pitchFamily="34" charset="0"/>
-                  </a:endParaRPr>
-                </a:p>
-              </p:txBody>
-            </p:sp>
-          </p:grpSp>
-        </p:grpSp>
-        <p:sp>
-          <p:nvSpPr>
-            <p:cNvPr id="53" name="Metin kutusu 52"/>
-            <p:cNvSpPr txBox="1"/>
-            <p:nvPr/>
-          </p:nvSpPr>
-          <p:spPr>
-            <a:xfrm>
-              <a:off x="1582782" y="6493211"/>
-              <a:ext cx="1687468" cy="230832"/>
-            </a:xfrm>
-            <a:prstGeom prst="rect">
-              <a:avLst/>
-            </a:prstGeom>
-            <a:noFill/>
-          </p:spPr>
-          <p:txBody>
-            <a:bodyPr wrap="square" rtlCol="0">
-              <a:spAutoFit/>
-            </a:bodyPr>
-            <a:lstStyle/>
-            <a:p>
-              <a:r>
-                <a:rPr lang="en-US" sz="900" dirty="0" smtClean="0">
-                  <a:solidFill>
-                    <a:srgbClr val="0B8043"/>
-                  </a:solidFill>
-                </a:rPr>
-                <a:t>https:</a:t>
-              </a:r>
-              <a:r>
-                <a:rPr lang="en-US" sz="900" dirty="0" smtClean="0">
-                  <a:solidFill>
-                    <a:schemeClr val="bg1">
-                      <a:lumMod val="50000"/>
-                    </a:schemeClr>
-                  </a:solidFill>
-                </a:rPr>
-                <a:t>//www.veribilimi.co</a:t>
-              </a:r>
-              <a:endParaRPr lang="en-US" sz="900" dirty="0">
-                <a:solidFill>
-                  <a:schemeClr val="bg1">
-                    <a:lumMod val="50000"/>
-                  </a:schemeClr>
-                </a:solidFill>
-              </a:endParaRPr>
-            </a:p>
-          </p:txBody>
-        </p:sp>
-      </p:grpSp>
-      <p:grpSp>
-        <p:nvGrpSpPr>
           <p:cNvPr id="12" name="Grup 11"/>
           <p:cNvGrpSpPr/>
           <p:nvPr/>
@@ -11933,7 +10186,7 @@
           <p:nvPr/>
         </p:nvPicPr>
         <p:blipFill rotWithShape="1">
-          <a:blip r:embed="rId3" cstate="print">
+          <a:blip r:embed="rId2" cstate="print">
             <a:extLst>
               <a:ext uri="{28A0092B-C50C-407E-A947-70E740481C1C}">
                 <a14:useLocalDpi xmlns:a14="http://schemas.microsoft.com/office/drawing/2010/main" val="0"/>
@@ -12469,7 +10722,7 @@
             <a:p>
               <a:pPr algn="ctr"/>
               <a:r>
-                <a:rPr lang="tr-TR" sz="1000" b="1" dirty="0" smtClean="0">
+                <a:rPr lang="tr-TR" sz="1000" b="1" dirty="0">
                   <a:latin typeface="Arial" panose="020B0604020202020204" pitchFamily="34" charset="0"/>
                   <a:cs typeface="Arial" panose="020B0604020202020204" pitchFamily="34" charset="0"/>
                 </a:rPr>
@@ -12851,14 +11104,14 @@
             <a:p>
               <a:pPr algn="ctr"/>
               <a:r>
-                <a:rPr lang="tr-TR" sz="1000" b="1" dirty="0" err="1" smtClean="0">
+                <a:rPr lang="tr-TR" sz="1000" b="1" dirty="0" err="1">
                   <a:latin typeface="Arial" panose="020B0604020202020204" pitchFamily="34" charset="0"/>
                   <a:cs typeface="Arial" panose="020B0604020202020204" pitchFamily="34" charset="0"/>
                 </a:rPr>
                 <a:t>Edge</a:t>
               </a:r>
               <a:r>
-                <a:rPr lang="tr-TR" sz="1000" b="1" dirty="0" smtClean="0">
+                <a:rPr lang="tr-TR" sz="1000" b="1" dirty="0">
                   <a:latin typeface="Arial" panose="020B0604020202020204" pitchFamily="34" charset="0"/>
                   <a:cs typeface="Arial" panose="020B0604020202020204" pitchFamily="34" charset="0"/>
                 </a:rPr>
@@ -12918,7 +11171,7 @@
           <p:nvPr/>
         </p:nvPicPr>
         <p:blipFill>
-          <a:blip r:embed="rId4" cstate="print">
+          <a:blip r:embed="rId3" cstate="print">
             <a:extLst>
               <a:ext uri="{28A0092B-C50C-407E-A947-70E740481C1C}">
                 <a14:useLocalDpi xmlns:a14="http://schemas.microsoft.com/office/drawing/2010/main" val="0"/>
@@ -13019,7 +11272,7 @@
           <a:p>
             <a:pPr algn="ctr"/>
             <a:r>
-              <a:rPr lang="tr-TR" sz="500" dirty="0" err="1" smtClean="0">
+              <a:rPr lang="tr-TR" sz="500" dirty="0" err="1">
                 <a:solidFill>
                   <a:schemeClr val="tx1">
                     <a:lumMod val="95000"/>
@@ -13040,133 +11293,6 @@
           </a:p>
         </p:txBody>
       </p:sp>
-      <p:grpSp>
-        <p:nvGrpSpPr>
-          <p:cNvPr id="114" name="Grup 113"/>
-          <p:cNvGrpSpPr/>
-          <p:nvPr/>
-        </p:nvGrpSpPr>
-        <p:grpSpPr>
-          <a:xfrm>
-            <a:off x="9194796" y="6231467"/>
-            <a:ext cx="2802471" cy="457084"/>
-            <a:chOff x="184993" y="5905369"/>
-            <a:chExt cx="5156200" cy="838200"/>
-          </a:xfrm>
-        </p:grpSpPr>
-        <p:sp>
-          <p:nvSpPr>
-            <p:cNvPr id="115" name="Dikdörtgen 114"/>
-            <p:cNvSpPr/>
-            <p:nvPr/>
-          </p:nvSpPr>
-          <p:spPr>
-            <a:xfrm>
-              <a:off x="184993" y="5905369"/>
-              <a:ext cx="5156200" cy="838200"/>
-            </a:xfrm>
-            <a:prstGeom prst="rect">
-              <a:avLst/>
-            </a:prstGeom>
-            <a:solidFill>
-              <a:schemeClr val="bg1">
-                <a:lumMod val="95000"/>
-              </a:schemeClr>
-            </a:solidFill>
-            <a:ln>
-              <a:noFill/>
-            </a:ln>
-          </p:spPr>
-          <p:style>
-            <a:lnRef idx="2">
-              <a:schemeClr val="accent1">
-                <a:shade val="50000"/>
-              </a:schemeClr>
-            </a:lnRef>
-            <a:fillRef idx="1">
-              <a:schemeClr val="accent1"/>
-            </a:fillRef>
-            <a:effectRef idx="0">
-              <a:schemeClr val="accent1"/>
-            </a:effectRef>
-            <a:fontRef idx="minor">
-              <a:schemeClr val="lt1"/>
-            </a:fontRef>
-          </p:style>
-          <p:txBody>
-            <a:bodyPr rtlCol="0" anchor="ctr"/>
-            <a:lstStyle/>
-            <a:p>
-              <a:pPr algn="ctr"/>
-              <a:endParaRPr lang="en-US" sz="2000"/>
-            </a:p>
-          </p:txBody>
-        </p:sp>
-        <p:sp>
-          <p:nvSpPr>
-            <p:cNvPr id="116" name="Unvan 1"/>
-            <p:cNvSpPr txBox="1">
-              <a:spLocks/>
-            </p:cNvSpPr>
-            <p:nvPr/>
-          </p:nvSpPr>
-          <p:spPr>
-            <a:xfrm>
-              <a:off x="302252" y="6024023"/>
-              <a:ext cx="4921678" cy="600892"/>
-            </a:xfrm>
-            <a:prstGeom prst="rect">
-              <a:avLst/>
-            </a:prstGeom>
-          </p:spPr>
-          <p:txBody>
-            <a:bodyPr vert="horz" lIns="91440" tIns="45720" rIns="91440" bIns="45720" rtlCol="0" anchor="b">
-              <a:noAutofit/>
-            </a:bodyPr>
-            <a:lstStyle>
-              <a:lvl1pPr algn="ctr" defTabSz="914400" rtl="0" eaLnBrk="1" latinLnBrk="0" hangingPunct="1">
-                <a:lnSpc>
-                  <a:spcPct val="90000"/>
-                </a:lnSpc>
-                <a:spcBef>
-                  <a:spcPct val="0"/>
-                </a:spcBef>
-                <a:buNone/>
-                <a:defRPr sz="6000" kern="1200">
-                  <a:solidFill>
-                    <a:schemeClr val="tx1"/>
-                  </a:solidFill>
-                  <a:latin typeface="+mj-lt"/>
-                  <a:ea typeface="+mj-ea"/>
-                  <a:cs typeface="+mj-cs"/>
-                </a:defRPr>
-              </a:lvl1pPr>
-            </a:lstStyle>
-            <a:p>
-              <a:pPr algn="l"/>
-              <a:r>
-                <a:rPr lang="tr-TR" sz="2000" dirty="0">
-                  <a:solidFill>
-                    <a:srgbClr val="CB171F"/>
-                  </a:solidFill>
-                  <a:latin typeface="Constantia" panose="02030602050306030303" pitchFamily="18" charset="0"/>
-                  <a:ea typeface="Verdana" panose="020B0604030504040204" pitchFamily="34" charset="0"/>
-                  <a:cs typeface="Arial" panose="020B0604020202020204" pitchFamily="34" charset="0"/>
-                </a:rPr>
-                <a:t>A’dan Z’ye Büyük Veri</a:t>
-              </a:r>
-              <a:endParaRPr lang="en-US" sz="2000" dirty="0">
-                <a:solidFill>
-                  <a:srgbClr val="CB171F"/>
-                </a:solidFill>
-                <a:latin typeface="Constantia" panose="02030602050306030303" pitchFamily="18" charset="0"/>
-                <a:ea typeface="Verdana" panose="020B0604030504040204" pitchFamily="34" charset="0"/>
-                <a:cs typeface="Arial" panose="020B0604020202020204" pitchFamily="34" charset="0"/>
-              </a:endParaRPr>
-            </a:p>
-          </p:txBody>
-        </p:sp>
-      </p:grpSp>
       <p:grpSp>
         <p:nvGrpSpPr>
           <p:cNvPr id="113" name="Grup 112"/>
@@ -13535,21 +11661,21 @@
             <a:p>
               <a:pPr algn="ctr"/>
               <a:r>
-                <a:rPr lang="tr-TR" sz="1000" b="1" dirty="0" err="1" smtClean="0">
+                <a:rPr lang="tr-TR" sz="1000" b="1" dirty="0" err="1">
                   <a:latin typeface="Arial" panose="020B0604020202020204" pitchFamily="34" charset="0"/>
                   <a:cs typeface="Arial" panose="020B0604020202020204" pitchFamily="34" charset="0"/>
                 </a:rPr>
                 <a:t>Secondary</a:t>
               </a:r>
               <a:r>
-                <a:rPr lang="tr-TR" sz="1000" b="1" dirty="0" smtClean="0">
+                <a:rPr lang="tr-TR" sz="1000" b="1" dirty="0">
                   <a:latin typeface="Arial" panose="020B0604020202020204" pitchFamily="34" charset="0"/>
                   <a:cs typeface="Arial" panose="020B0604020202020204" pitchFamily="34" charset="0"/>
                 </a:rPr>
                 <a:t> </a:t>
               </a:r>
               <a:r>
-                <a:rPr lang="tr-TR" sz="1000" b="1" dirty="0" err="1" smtClean="0">
+                <a:rPr lang="tr-TR" sz="1000" b="1" dirty="0" err="1">
                   <a:latin typeface="Arial" panose="020B0604020202020204" pitchFamily="34" charset="0"/>
                   <a:cs typeface="Arial" panose="020B0604020202020204" pitchFamily="34" charset="0"/>
                 </a:rPr>
@@ -13931,7 +12057,7 @@
             <a:p>
               <a:pPr algn="ctr"/>
               <a:r>
-                <a:rPr lang="tr-TR" sz="1000" b="1" dirty="0" err="1" smtClean="0">
+                <a:rPr lang="tr-TR" sz="1000" b="1" dirty="0" err="1">
                   <a:latin typeface="Arial" panose="020B0604020202020204" pitchFamily="34" charset="0"/>
                   <a:cs typeface="Arial" panose="020B0604020202020204" pitchFamily="34" charset="0"/>
                 </a:rPr>
@@ -14300,7 +12426,7 @@
           <a:p>
             <a:pPr algn="ctr"/>
             <a:r>
-              <a:rPr lang="tr-TR" sz="700" dirty="0" err="1" smtClean="0">
+              <a:rPr lang="tr-TR" sz="700" dirty="0" err="1">
                 <a:solidFill>
                   <a:schemeClr val="tx1">
                     <a:lumMod val="95000"/>
@@ -14364,7 +12490,7 @@
           <a:p>
             <a:pPr algn="ctr"/>
             <a:r>
-              <a:rPr lang="tr-TR" sz="500" dirty="0" err="1" smtClean="0">
+              <a:rPr lang="tr-TR" sz="500" dirty="0" err="1">
                 <a:solidFill>
                   <a:schemeClr val="tx1">
                     <a:lumMod val="95000"/>
@@ -14428,7 +12554,7 @@
           <a:p>
             <a:pPr algn="ctr"/>
             <a:r>
-              <a:rPr lang="tr-TR" sz="700" dirty="0" err="1" smtClean="0">
+              <a:rPr lang="tr-TR" sz="700" dirty="0" err="1">
                 <a:solidFill>
                   <a:schemeClr val="tx1">
                     <a:lumMod val="95000"/>
@@ -14492,7 +12618,7 @@
           <a:p>
             <a:pPr algn="ctr"/>
             <a:r>
-              <a:rPr lang="tr-TR" sz="500" dirty="0" err="1" smtClean="0">
+              <a:rPr lang="tr-TR" sz="500" dirty="0" err="1">
                 <a:solidFill>
                   <a:schemeClr val="tx1">
                     <a:lumMod val="95000"/>
@@ -14556,7 +12682,7 @@
           <a:p>
             <a:pPr algn="ctr"/>
             <a:r>
-              <a:rPr lang="tr-TR" sz="700" dirty="0" err="1" smtClean="0">
+              <a:rPr lang="tr-TR" sz="700" dirty="0" err="1">
                 <a:solidFill>
                   <a:schemeClr val="tx1">
                     <a:lumMod val="95000"/>
@@ -14620,7 +12746,7 @@
           <a:p>
             <a:pPr algn="ctr"/>
             <a:r>
-              <a:rPr lang="tr-TR" sz="500" dirty="0" err="1" smtClean="0">
+              <a:rPr lang="tr-TR" sz="500" dirty="0" err="1">
                 <a:solidFill>
                   <a:schemeClr val="tx1">
                     <a:lumMod val="95000"/>
@@ -14684,7 +12810,7 @@
           <a:p>
             <a:pPr algn="ctr"/>
             <a:r>
-              <a:rPr lang="tr-TR" sz="700" dirty="0" err="1" smtClean="0">
+              <a:rPr lang="tr-TR" sz="700" dirty="0" err="1">
                 <a:solidFill>
                   <a:schemeClr val="tx1">
                     <a:lumMod val="95000"/>
@@ -14714,7 +12840,7 @@
           <p:nvPr/>
         </p:nvPicPr>
         <p:blipFill>
-          <a:blip r:embed="rId5" cstate="print">
+          <a:blip r:embed="rId4" cstate="print">
             <a:extLst>
               <a:ext uri="{28A0092B-C50C-407E-A947-70E740481C1C}">
                 <a14:useLocalDpi xmlns:a14="http://schemas.microsoft.com/office/drawing/2010/main" val="0"/>
@@ -14744,7 +12870,7 @@
           <p:nvPr/>
         </p:nvPicPr>
         <p:blipFill>
-          <a:blip r:embed="rId5" cstate="print">
+          <a:blip r:embed="rId4" cstate="print">
             <a:extLst>
               <a:ext uri="{28A0092B-C50C-407E-A947-70E740481C1C}">
                 <a14:useLocalDpi xmlns:a14="http://schemas.microsoft.com/office/drawing/2010/main" val="0"/>
@@ -14774,7 +12900,7 @@
           <p:nvPr/>
         </p:nvPicPr>
         <p:blipFill>
-          <a:blip r:embed="rId5" cstate="print">
+          <a:blip r:embed="rId4" cstate="print">
             <a:extLst>
               <a:ext uri="{28A0092B-C50C-407E-A947-70E740481C1C}">
                 <a14:useLocalDpi xmlns:a14="http://schemas.microsoft.com/office/drawing/2010/main" val="0"/>
@@ -14804,7 +12930,7 @@
           <p:nvPr/>
         </p:nvPicPr>
         <p:blipFill>
-          <a:blip r:embed="rId5" cstate="print">
+          <a:blip r:embed="rId4" cstate="print">
             <a:extLst>
               <a:ext uri="{28A0092B-C50C-407E-A947-70E740481C1C}">
                 <a14:useLocalDpi xmlns:a14="http://schemas.microsoft.com/office/drawing/2010/main" val="0"/>
@@ -14865,7 +12991,7 @@
           <a:p>
             <a:pPr algn="ctr"/>
             <a:r>
-              <a:rPr lang="tr-TR" sz="600" dirty="0" err="1" smtClean="0">
+              <a:rPr lang="tr-TR" sz="600" dirty="0" err="1">
                 <a:solidFill>
                   <a:schemeClr val="tx1">
                     <a:lumMod val="95000"/>
@@ -14926,7 +13052,7 @@
           <a:p>
             <a:pPr algn="ctr"/>
             <a:r>
-              <a:rPr lang="tr-TR" sz="600" dirty="0" err="1" smtClean="0">
+              <a:rPr lang="tr-TR" sz="600" dirty="0" err="1">
                 <a:solidFill>
                   <a:schemeClr val="tx1">
                     <a:lumMod val="95000"/>
@@ -14987,7 +13113,7 @@
           <a:p>
             <a:pPr algn="ctr"/>
             <a:r>
-              <a:rPr lang="tr-TR" sz="600" dirty="0" err="1" smtClean="0">
+              <a:rPr lang="tr-TR" sz="600" dirty="0" err="1">
                 <a:solidFill>
                   <a:schemeClr val="tx1">
                     <a:lumMod val="95000"/>
@@ -15048,7 +13174,7 @@
           <a:p>
             <a:pPr algn="ctr"/>
             <a:r>
-              <a:rPr lang="tr-TR" sz="500" dirty="0" smtClean="0">
+              <a:rPr lang="tr-TR" sz="500" dirty="0">
                 <a:solidFill>
                   <a:schemeClr val="bg1"/>
                 </a:solidFill>
@@ -15056,7 +13182,7 @@
               <a:t>Presto </a:t>
             </a:r>
             <a:r>
-              <a:rPr lang="tr-TR" sz="500" dirty="0" err="1" smtClean="0">
+              <a:rPr lang="tr-TR" sz="500" dirty="0" err="1">
                 <a:solidFill>
                   <a:schemeClr val="bg1"/>
                 </a:solidFill>
@@ -15093,7 +13219,7 @@
           <a:lstStyle/>
           <a:p>
             <a:r>
-              <a:rPr lang="tr-TR" dirty="0" smtClean="0"/>
+              <a:rPr lang="tr-TR" dirty="0"/>
               <a:t>HDFS</a:t>
             </a:r>
             <a:endParaRPr lang="en-US" dirty="0"/>
@@ -15122,7 +13248,7 @@
           <a:lstStyle/>
           <a:p>
             <a:r>
-              <a:rPr lang="tr-TR" dirty="0" smtClean="0"/>
+              <a:rPr lang="tr-TR" dirty="0"/>
               <a:t>HDFS</a:t>
             </a:r>
             <a:endParaRPr lang="en-US" dirty="0"/>
@@ -15151,7 +13277,7 @@
           <a:lstStyle/>
           <a:p>
             <a:r>
-              <a:rPr lang="tr-TR" dirty="0" smtClean="0"/>
+              <a:rPr lang="tr-TR" dirty="0"/>
               <a:t>HDFS</a:t>
             </a:r>
             <a:endParaRPr lang="en-US" dirty="0"/>
@@ -15180,7 +13306,7 @@
           <a:lstStyle/>
           <a:p>
             <a:r>
-              <a:rPr lang="tr-TR" dirty="0" smtClean="0"/>
+              <a:rPr lang="tr-TR" dirty="0"/>
               <a:t>HDFS</a:t>
             </a:r>
             <a:endParaRPr lang="en-US" dirty="0"/>
@@ -15229,7 +13355,7 @@
           </a:lstStyle>
           <a:p>
             <a:r>
-              <a:rPr lang="tr-TR" sz="2800" b="1" dirty="0" smtClean="0">
+              <a:rPr lang="tr-TR" sz="2800" b="1" dirty="0">
                 <a:solidFill>
                   <a:srgbClr val="CD1F26"/>
                 </a:solidFill>
@@ -15290,7 +13416,7 @@
           <a:p>
             <a:pPr algn="ctr"/>
             <a:r>
-              <a:rPr lang="tr-TR" sz="500" dirty="0" smtClean="0">
+              <a:rPr lang="tr-TR" sz="500" dirty="0">
                 <a:solidFill>
                   <a:schemeClr val="bg1"/>
                 </a:solidFill>
@@ -15298,7 +13424,7 @@
               <a:t>Presto </a:t>
             </a:r>
             <a:r>
-              <a:rPr lang="tr-TR" sz="500" dirty="0" err="1" smtClean="0">
+              <a:rPr lang="tr-TR" sz="500" dirty="0" err="1">
                 <a:solidFill>
                   <a:schemeClr val="bg1"/>
                 </a:solidFill>
@@ -15353,7 +13479,7 @@
           <a:p>
             <a:pPr algn="ctr"/>
             <a:r>
-              <a:rPr lang="tr-TR" sz="500" dirty="0" smtClean="0">
+              <a:rPr lang="tr-TR" sz="500" dirty="0">
                 <a:solidFill>
                   <a:schemeClr val="bg1"/>
                 </a:solidFill>
@@ -15361,7 +13487,7 @@
               <a:t>Presto </a:t>
             </a:r>
             <a:r>
-              <a:rPr lang="tr-TR" sz="500" dirty="0" err="1" smtClean="0">
+              <a:rPr lang="tr-TR" sz="500" dirty="0" err="1">
                 <a:solidFill>
                   <a:schemeClr val="bg1"/>
                 </a:solidFill>
@@ -15416,7 +13542,7 @@
           <a:p>
             <a:pPr algn="ctr"/>
             <a:r>
-              <a:rPr lang="tr-TR" sz="500" dirty="0" smtClean="0">
+              <a:rPr lang="tr-TR" sz="500" dirty="0">
                 <a:solidFill>
                   <a:schemeClr val="bg1"/>
                 </a:solidFill>
@@ -15424,7 +13550,7 @@
               <a:t>Presto </a:t>
             </a:r>
             <a:r>
-              <a:rPr lang="tr-TR" sz="500" dirty="0" err="1" smtClean="0">
+              <a:rPr lang="tr-TR" sz="500" dirty="0" err="1">
                 <a:solidFill>
                   <a:schemeClr val="bg1"/>
                 </a:solidFill>
@@ -15911,369 +14037,6 @@
           </a:fontRef>
         </p:style>
       </p:cxnSp>
-      <p:grpSp>
-        <p:nvGrpSpPr>
-          <p:cNvPr id="15" name="Grup 14"/>
-          <p:cNvGrpSpPr/>
-          <p:nvPr/>
-        </p:nvGrpSpPr>
-        <p:grpSpPr>
-          <a:xfrm>
-            <a:off x="228596" y="6231467"/>
-            <a:ext cx="3041654" cy="492576"/>
-            <a:chOff x="228596" y="6231467"/>
-            <a:chExt cx="3041654" cy="492576"/>
-          </a:xfrm>
-        </p:grpSpPr>
-        <p:grpSp>
-          <p:nvGrpSpPr>
-            <p:cNvPr id="8" name="Grup 7"/>
-            <p:cNvGrpSpPr/>
-            <p:nvPr/>
-          </p:nvGrpSpPr>
-          <p:grpSpPr>
-            <a:xfrm>
-              <a:off x="228596" y="6231467"/>
-              <a:ext cx="2802471" cy="457084"/>
-              <a:chOff x="127000" y="5901146"/>
-              <a:chExt cx="5156200" cy="838200"/>
-            </a:xfrm>
-          </p:grpSpPr>
-          <p:sp>
-            <p:nvSpPr>
-              <p:cNvPr id="7" name="Dikdörtgen 6"/>
-              <p:cNvSpPr/>
-              <p:nvPr/>
-            </p:nvSpPr>
-            <p:spPr>
-              <a:xfrm>
-                <a:off x="127000" y="5901146"/>
-                <a:ext cx="5156200" cy="838200"/>
-              </a:xfrm>
-              <a:prstGeom prst="rect">
-                <a:avLst/>
-              </a:prstGeom>
-              <a:solidFill>
-                <a:schemeClr val="bg1">
-                  <a:lumMod val="95000"/>
-                </a:schemeClr>
-              </a:solidFill>
-              <a:ln>
-                <a:noFill/>
-              </a:ln>
-            </p:spPr>
-            <p:style>
-              <a:lnRef idx="2">
-                <a:schemeClr val="accent1">
-                  <a:shade val="50000"/>
-                </a:schemeClr>
-              </a:lnRef>
-              <a:fillRef idx="1">
-                <a:schemeClr val="accent1"/>
-              </a:fillRef>
-              <a:effectRef idx="0">
-                <a:schemeClr val="accent1"/>
-              </a:effectRef>
-              <a:fontRef idx="minor">
-                <a:schemeClr val="lt1"/>
-              </a:fontRef>
-            </p:style>
-            <p:txBody>
-              <a:bodyPr rtlCol="0" anchor="ctr"/>
-              <a:lstStyle/>
-              <a:p>
-                <a:pPr algn="ctr"/>
-                <a:endParaRPr lang="en-US" sz="2000"/>
-              </a:p>
-            </p:txBody>
-          </p:sp>
-          <p:grpSp>
-            <p:nvGrpSpPr>
-              <p:cNvPr id="6" name="Grup 5"/>
-              <p:cNvGrpSpPr/>
-              <p:nvPr/>
-            </p:nvGrpSpPr>
-            <p:grpSpPr>
-              <a:xfrm>
-                <a:off x="211667" y="6019800"/>
-                <a:ext cx="5012266" cy="605115"/>
-                <a:chOff x="211667" y="6019800"/>
-                <a:chExt cx="5012266" cy="605115"/>
-              </a:xfrm>
-            </p:grpSpPr>
-            <p:pic>
-              <p:nvPicPr>
-                <p:cNvPr id="4" name="Resim 3"/>
-                <p:cNvPicPr>
-                  <a:picLocks noChangeAspect="1"/>
-                </p:cNvPicPr>
-                <p:nvPr/>
-              </p:nvPicPr>
-              <p:blipFill rotWithShape="1">
-                <a:blip r:embed="rId2" cstate="print">
-                  <a:extLst>
-                    <a:ext uri="{28A0092B-C50C-407E-A947-70E740481C1C}">
-                      <a14:useLocalDpi xmlns:a14="http://schemas.microsoft.com/office/drawing/2010/main" val="0"/>
-                    </a:ext>
-                  </a:extLst>
-                </a:blip>
-                <a:srcRect l="24387" t="8319" r="18355" b="50150"/>
-                <a:stretch/>
-              </p:blipFill>
-              <p:spPr>
-                <a:xfrm>
-                  <a:off x="211667" y="6019800"/>
-                  <a:ext cx="1072095" cy="600892"/>
-                </a:xfrm>
-                <a:prstGeom prst="rect">
-                  <a:avLst/>
-                </a:prstGeom>
-              </p:spPr>
-            </p:pic>
-            <p:sp>
-              <p:nvSpPr>
-                <p:cNvPr id="5" name="Unvan 1"/>
-                <p:cNvSpPr txBox="1">
-                  <a:spLocks/>
-                </p:cNvSpPr>
-                <p:nvPr/>
-              </p:nvSpPr>
-              <p:spPr>
-                <a:xfrm>
-                  <a:off x="1283763" y="6024023"/>
-                  <a:ext cx="3940170" cy="600892"/>
-                </a:xfrm>
-                <a:prstGeom prst="rect">
-                  <a:avLst/>
-                </a:prstGeom>
-              </p:spPr>
-              <p:txBody>
-                <a:bodyPr vert="horz" lIns="91440" tIns="45720" rIns="91440" bIns="45720" rtlCol="0" anchor="b">
-                  <a:noAutofit/>
-                </a:bodyPr>
-                <a:lstStyle>
-                  <a:lvl1pPr algn="ctr" defTabSz="914400" rtl="0" eaLnBrk="1" latinLnBrk="0" hangingPunct="1">
-                    <a:lnSpc>
-                      <a:spcPct val="90000"/>
-                    </a:lnSpc>
-                    <a:spcBef>
-                      <a:spcPct val="0"/>
-                    </a:spcBef>
-                    <a:buNone/>
-                    <a:defRPr sz="6000" kern="1200">
-                      <a:solidFill>
-                        <a:schemeClr val="tx1"/>
-                      </a:solidFill>
-                      <a:latin typeface="+mj-lt"/>
-                      <a:ea typeface="+mj-ea"/>
-                      <a:cs typeface="+mj-cs"/>
-                    </a:defRPr>
-                  </a:lvl1pPr>
-                </a:lstStyle>
-                <a:p>
-                  <a:pPr algn="l"/>
-                  <a:r>
-                    <a:rPr lang="tr-TR" sz="2000" dirty="0" smtClean="0">
-                      <a:solidFill>
-                        <a:srgbClr val="CB171F"/>
-                      </a:solidFill>
-                      <a:latin typeface="Constantia" panose="02030602050306030303" pitchFamily="18" charset="0"/>
-                      <a:ea typeface="Verdana" panose="020B0604030504040204" pitchFamily="34" charset="0"/>
-                      <a:cs typeface="Arial" panose="020B0604020202020204" pitchFamily="34" charset="0"/>
-                    </a:rPr>
-                    <a:t>Veri Bilimi Okulu</a:t>
-                  </a:r>
-                  <a:endParaRPr lang="en-US" sz="2000" dirty="0">
-                    <a:solidFill>
-                      <a:srgbClr val="CB171F"/>
-                    </a:solidFill>
-                    <a:latin typeface="Constantia" panose="02030602050306030303" pitchFamily="18" charset="0"/>
-                    <a:ea typeface="Verdana" panose="020B0604030504040204" pitchFamily="34" charset="0"/>
-                    <a:cs typeface="Arial" panose="020B0604020202020204" pitchFamily="34" charset="0"/>
-                  </a:endParaRPr>
-                </a:p>
-              </p:txBody>
-            </p:sp>
-          </p:grpSp>
-        </p:grpSp>
-        <p:sp>
-          <p:nvSpPr>
-            <p:cNvPr id="12" name="Metin kutusu 11"/>
-            <p:cNvSpPr txBox="1"/>
-            <p:nvPr/>
-          </p:nvSpPr>
-          <p:spPr>
-            <a:xfrm>
-              <a:off x="1582782" y="6493211"/>
-              <a:ext cx="1687468" cy="230832"/>
-            </a:xfrm>
-            <a:prstGeom prst="rect">
-              <a:avLst/>
-            </a:prstGeom>
-            <a:noFill/>
-          </p:spPr>
-          <p:txBody>
-            <a:bodyPr wrap="square" rtlCol="0">
-              <a:spAutoFit/>
-            </a:bodyPr>
-            <a:lstStyle/>
-            <a:p>
-              <a:r>
-                <a:rPr lang="en-US" sz="900" dirty="0" smtClean="0">
-                  <a:solidFill>
-                    <a:srgbClr val="0B8043"/>
-                  </a:solidFill>
-                </a:rPr>
-                <a:t>https:</a:t>
-              </a:r>
-              <a:r>
-                <a:rPr lang="en-US" sz="900" dirty="0" smtClean="0">
-                  <a:solidFill>
-                    <a:schemeClr val="bg1">
-                      <a:lumMod val="50000"/>
-                    </a:schemeClr>
-                  </a:solidFill>
-                </a:rPr>
-                <a:t>//www.veribilimi.co</a:t>
-              </a:r>
-              <a:endParaRPr lang="en-US" sz="900" dirty="0">
-                <a:solidFill>
-                  <a:schemeClr val="bg1">
-                    <a:lumMod val="50000"/>
-                  </a:schemeClr>
-                </a:solidFill>
-              </a:endParaRPr>
-            </a:p>
-          </p:txBody>
-        </p:sp>
-      </p:grpSp>
-      <p:grpSp>
-        <p:nvGrpSpPr>
-          <p:cNvPr id="11" name="Grup 10"/>
-          <p:cNvGrpSpPr/>
-          <p:nvPr/>
-        </p:nvGrpSpPr>
-        <p:grpSpPr>
-          <a:xfrm>
-            <a:off x="9194796" y="6231467"/>
-            <a:ext cx="2802471" cy="457084"/>
-            <a:chOff x="184993" y="5905369"/>
-            <a:chExt cx="5156200" cy="838200"/>
-          </a:xfrm>
-        </p:grpSpPr>
-        <p:sp>
-          <p:nvSpPr>
-            <p:cNvPr id="13" name="Dikdörtgen 12"/>
-            <p:cNvSpPr/>
-            <p:nvPr/>
-          </p:nvSpPr>
-          <p:spPr>
-            <a:xfrm>
-              <a:off x="184993" y="5905369"/>
-              <a:ext cx="5156200" cy="838200"/>
-            </a:xfrm>
-            <a:prstGeom prst="rect">
-              <a:avLst/>
-            </a:prstGeom>
-            <a:solidFill>
-              <a:schemeClr val="bg1">
-                <a:lumMod val="95000"/>
-              </a:schemeClr>
-            </a:solidFill>
-            <a:ln>
-              <a:noFill/>
-            </a:ln>
-          </p:spPr>
-          <p:style>
-            <a:lnRef idx="2">
-              <a:schemeClr val="accent1">
-                <a:shade val="50000"/>
-              </a:schemeClr>
-            </a:lnRef>
-            <a:fillRef idx="1">
-              <a:schemeClr val="accent1"/>
-            </a:fillRef>
-            <a:effectRef idx="0">
-              <a:schemeClr val="accent1"/>
-            </a:effectRef>
-            <a:fontRef idx="minor">
-              <a:schemeClr val="lt1"/>
-            </a:fontRef>
-          </p:style>
-          <p:txBody>
-            <a:bodyPr rtlCol="0" anchor="ctr"/>
-            <a:lstStyle/>
-            <a:p>
-              <a:pPr algn="ctr"/>
-              <a:endParaRPr lang="en-US" sz="2000"/>
-            </a:p>
-          </p:txBody>
-        </p:sp>
-        <p:sp>
-          <p:nvSpPr>
-            <p:cNvPr id="14" name="Unvan 1"/>
-            <p:cNvSpPr txBox="1">
-              <a:spLocks/>
-            </p:cNvSpPr>
-            <p:nvPr/>
-          </p:nvSpPr>
-          <p:spPr>
-            <a:xfrm>
-              <a:off x="302252" y="6024023"/>
-              <a:ext cx="4921678" cy="600892"/>
-            </a:xfrm>
-            <a:prstGeom prst="rect">
-              <a:avLst/>
-            </a:prstGeom>
-          </p:spPr>
-          <p:txBody>
-            <a:bodyPr vert="horz" lIns="91440" tIns="45720" rIns="91440" bIns="45720" rtlCol="0" anchor="b">
-              <a:noAutofit/>
-            </a:bodyPr>
-            <a:lstStyle>
-              <a:lvl1pPr algn="ctr" defTabSz="914400" rtl="0" eaLnBrk="1" latinLnBrk="0" hangingPunct="1">
-                <a:lnSpc>
-                  <a:spcPct val="90000"/>
-                </a:lnSpc>
-                <a:spcBef>
-                  <a:spcPct val="0"/>
-                </a:spcBef>
-                <a:buNone/>
-                <a:defRPr sz="6000" kern="1200">
-                  <a:solidFill>
-                    <a:schemeClr val="tx1"/>
-                  </a:solidFill>
-                  <a:latin typeface="+mj-lt"/>
-                  <a:ea typeface="+mj-ea"/>
-                  <a:cs typeface="+mj-cs"/>
-                </a:defRPr>
-              </a:lvl1pPr>
-            </a:lstStyle>
-            <a:p>
-              <a:pPr algn="l"/>
-              <a:r>
-                <a:rPr lang="tr-TR" sz="2000" dirty="0">
-                  <a:solidFill>
-                    <a:srgbClr val="CB171F"/>
-                  </a:solidFill>
-                  <a:latin typeface="Constantia" panose="02030602050306030303" pitchFamily="18" charset="0"/>
-                  <a:ea typeface="Verdana" panose="020B0604030504040204" pitchFamily="34" charset="0"/>
-                  <a:cs typeface="Arial" panose="020B0604020202020204" pitchFamily="34" charset="0"/>
-                </a:rPr>
-                <a:t>A’dan Z’ye Büyük Veri</a:t>
-              </a:r>
-              <a:endParaRPr lang="en-US" sz="2000" dirty="0">
-                <a:solidFill>
-                  <a:srgbClr val="CB171F"/>
-                </a:solidFill>
-                <a:latin typeface="Constantia" panose="02030602050306030303" pitchFamily="18" charset="0"/>
-                <a:ea typeface="Verdana" panose="020B0604030504040204" pitchFamily="34" charset="0"/>
-                <a:cs typeface="Arial" panose="020B0604020202020204" pitchFamily="34" charset="0"/>
-              </a:endParaRPr>
-            </a:p>
-          </p:txBody>
-        </p:sp>
-      </p:grpSp>
       <p:sp>
         <p:nvSpPr>
           <p:cNvPr id="16" name="Unvan 1"/>
@@ -16297,7 +14060,7 @@
           <a:lstStyle/>
           <a:p>
             <a:r>
-              <a:rPr lang="tr-TR" sz="3600" b="1" dirty="0" smtClean="0">
+              <a:rPr lang="tr-TR" sz="3600" b="1" dirty="0">
                 <a:solidFill>
                   <a:srgbClr val="CD1F26"/>
                 </a:solidFill>
@@ -16352,7 +14115,7 @@
               </a:rPr>
               <a:t>https://prestodb.io </a:t>
             </a:r>
-            <a:endParaRPr lang="tr-TR" dirty="0" smtClean="0">
+            <a:endParaRPr lang="tr-TR" dirty="0">
               <a:latin typeface="Roboto"/>
             </a:endParaRPr>
           </a:p>
@@ -16367,18 +14130,11 @@
             <a:r>
               <a:rPr lang="en-US" dirty="0">
                 <a:latin typeface="Roboto"/>
-                <a:hlinkClick r:id="rId3"/>
-              </a:rPr>
-              <a:t>https://</a:t>
-            </a:r>
-            <a:r>
-              <a:rPr lang="en-US" dirty="0" smtClean="0">
-                <a:latin typeface="Roboto"/>
-                <a:hlinkClick r:id="rId3"/>
-              </a:rPr>
-              <a:t>www.youtube.com/watch?v=0qPhpN1d2AU</a:t>
-            </a:r>
-            <a:endParaRPr lang="tr-TR" dirty="0" smtClean="0">
+                <a:hlinkClick r:id="rId2"/>
+              </a:rPr>
+              <a:t>https://www.youtube.com/watch?v=0qPhpN1d2AU</a:t>
+            </a:r>
+            <a:endParaRPr lang="tr-TR" dirty="0">
               <a:latin typeface="Roboto"/>
             </a:endParaRPr>
           </a:p>
@@ -16393,18 +14149,11 @@
             <a:r>
               <a:rPr lang="tr-TR" dirty="0">
                 <a:latin typeface="Roboto"/>
-                <a:hlinkClick r:id="rId4"/>
-              </a:rPr>
-              <a:t>https://</a:t>
-            </a:r>
-            <a:r>
-              <a:rPr lang="tr-TR" dirty="0" smtClean="0">
-                <a:latin typeface="Roboto"/>
-                <a:hlinkClick r:id="rId4"/>
-              </a:rPr>
-              <a:t>www.youtube.com/watch?v=QcLJvSxa_OA&amp;t=14s</a:t>
-            </a:r>
-            <a:endParaRPr lang="tr-TR" dirty="0" smtClean="0">
+                <a:hlinkClick r:id="rId3"/>
+              </a:rPr>
+              <a:t>https://www.youtube.com/watch?v=QcLJvSxa_OA&amp;t=14s</a:t>
+            </a:r>
+            <a:endParaRPr lang="tr-TR" dirty="0">
               <a:latin typeface="Roboto"/>
             </a:endParaRPr>
           </a:p>
@@ -16487,13 +14236,6 @@
   <p:clrMapOvr>
     <a:masterClrMapping/>
   </p:clrMapOvr>
-  <p:timing>
-    <p:tnLst>
-      <p:par>
-        <p:cTn id="1" dur="indefinite" restart="never" nodeType="tmRoot"/>
-      </p:par>
-    </p:tnLst>
-  </p:timing>
 </p:sld>
 </file>
 
@@ -16551,369 +14293,6 @@
           </a:fontRef>
         </p:style>
       </p:cxnSp>
-      <p:grpSp>
-        <p:nvGrpSpPr>
-          <p:cNvPr id="15" name="Grup 14"/>
-          <p:cNvGrpSpPr/>
-          <p:nvPr/>
-        </p:nvGrpSpPr>
-        <p:grpSpPr>
-          <a:xfrm>
-            <a:off x="228596" y="6231467"/>
-            <a:ext cx="3041654" cy="492576"/>
-            <a:chOff x="228596" y="6231467"/>
-            <a:chExt cx="3041654" cy="492576"/>
-          </a:xfrm>
-        </p:grpSpPr>
-        <p:grpSp>
-          <p:nvGrpSpPr>
-            <p:cNvPr id="8" name="Grup 7"/>
-            <p:cNvGrpSpPr/>
-            <p:nvPr/>
-          </p:nvGrpSpPr>
-          <p:grpSpPr>
-            <a:xfrm>
-              <a:off x="228596" y="6231467"/>
-              <a:ext cx="2802471" cy="457084"/>
-              <a:chOff x="127000" y="5901146"/>
-              <a:chExt cx="5156200" cy="838200"/>
-            </a:xfrm>
-          </p:grpSpPr>
-          <p:sp>
-            <p:nvSpPr>
-              <p:cNvPr id="7" name="Dikdörtgen 6"/>
-              <p:cNvSpPr/>
-              <p:nvPr/>
-            </p:nvSpPr>
-            <p:spPr>
-              <a:xfrm>
-                <a:off x="127000" y="5901146"/>
-                <a:ext cx="5156200" cy="838200"/>
-              </a:xfrm>
-              <a:prstGeom prst="rect">
-                <a:avLst/>
-              </a:prstGeom>
-              <a:solidFill>
-                <a:schemeClr val="bg1">
-                  <a:lumMod val="95000"/>
-                </a:schemeClr>
-              </a:solidFill>
-              <a:ln>
-                <a:noFill/>
-              </a:ln>
-            </p:spPr>
-            <p:style>
-              <a:lnRef idx="2">
-                <a:schemeClr val="accent1">
-                  <a:shade val="50000"/>
-                </a:schemeClr>
-              </a:lnRef>
-              <a:fillRef idx="1">
-                <a:schemeClr val="accent1"/>
-              </a:fillRef>
-              <a:effectRef idx="0">
-                <a:schemeClr val="accent1"/>
-              </a:effectRef>
-              <a:fontRef idx="minor">
-                <a:schemeClr val="lt1"/>
-              </a:fontRef>
-            </p:style>
-            <p:txBody>
-              <a:bodyPr rtlCol="0" anchor="ctr"/>
-              <a:lstStyle/>
-              <a:p>
-                <a:pPr algn="ctr"/>
-                <a:endParaRPr lang="en-US" sz="2000"/>
-              </a:p>
-            </p:txBody>
-          </p:sp>
-          <p:grpSp>
-            <p:nvGrpSpPr>
-              <p:cNvPr id="6" name="Grup 5"/>
-              <p:cNvGrpSpPr/>
-              <p:nvPr/>
-            </p:nvGrpSpPr>
-            <p:grpSpPr>
-              <a:xfrm>
-                <a:off x="211667" y="6019800"/>
-                <a:ext cx="5012266" cy="605115"/>
-                <a:chOff x="211667" y="6019800"/>
-                <a:chExt cx="5012266" cy="605115"/>
-              </a:xfrm>
-            </p:grpSpPr>
-            <p:pic>
-              <p:nvPicPr>
-                <p:cNvPr id="4" name="Resim 3"/>
-                <p:cNvPicPr>
-                  <a:picLocks noChangeAspect="1"/>
-                </p:cNvPicPr>
-                <p:nvPr/>
-              </p:nvPicPr>
-              <p:blipFill rotWithShape="1">
-                <a:blip r:embed="rId2" cstate="print">
-                  <a:extLst>
-                    <a:ext uri="{28A0092B-C50C-407E-A947-70E740481C1C}">
-                      <a14:useLocalDpi xmlns:a14="http://schemas.microsoft.com/office/drawing/2010/main" val="0"/>
-                    </a:ext>
-                  </a:extLst>
-                </a:blip>
-                <a:srcRect l="24387" t="8319" r="18355" b="50150"/>
-                <a:stretch/>
-              </p:blipFill>
-              <p:spPr>
-                <a:xfrm>
-                  <a:off x="211667" y="6019800"/>
-                  <a:ext cx="1072095" cy="600892"/>
-                </a:xfrm>
-                <a:prstGeom prst="rect">
-                  <a:avLst/>
-                </a:prstGeom>
-              </p:spPr>
-            </p:pic>
-            <p:sp>
-              <p:nvSpPr>
-                <p:cNvPr id="5" name="Unvan 1"/>
-                <p:cNvSpPr txBox="1">
-                  <a:spLocks/>
-                </p:cNvSpPr>
-                <p:nvPr/>
-              </p:nvSpPr>
-              <p:spPr>
-                <a:xfrm>
-                  <a:off x="1283763" y="6024023"/>
-                  <a:ext cx="3940170" cy="600892"/>
-                </a:xfrm>
-                <a:prstGeom prst="rect">
-                  <a:avLst/>
-                </a:prstGeom>
-              </p:spPr>
-              <p:txBody>
-                <a:bodyPr vert="horz" lIns="91440" tIns="45720" rIns="91440" bIns="45720" rtlCol="0" anchor="b">
-                  <a:noAutofit/>
-                </a:bodyPr>
-                <a:lstStyle>
-                  <a:lvl1pPr algn="ctr" defTabSz="914400" rtl="0" eaLnBrk="1" latinLnBrk="0" hangingPunct="1">
-                    <a:lnSpc>
-                      <a:spcPct val="90000"/>
-                    </a:lnSpc>
-                    <a:spcBef>
-                      <a:spcPct val="0"/>
-                    </a:spcBef>
-                    <a:buNone/>
-                    <a:defRPr sz="6000" kern="1200">
-                      <a:solidFill>
-                        <a:schemeClr val="tx1"/>
-                      </a:solidFill>
-                      <a:latin typeface="+mj-lt"/>
-                      <a:ea typeface="+mj-ea"/>
-                      <a:cs typeface="+mj-cs"/>
-                    </a:defRPr>
-                  </a:lvl1pPr>
-                </a:lstStyle>
-                <a:p>
-                  <a:pPr algn="l"/>
-                  <a:r>
-                    <a:rPr lang="tr-TR" sz="2000" dirty="0" smtClean="0">
-                      <a:solidFill>
-                        <a:srgbClr val="CB171F"/>
-                      </a:solidFill>
-                      <a:latin typeface="Constantia" panose="02030602050306030303" pitchFamily="18" charset="0"/>
-                      <a:ea typeface="Verdana" panose="020B0604030504040204" pitchFamily="34" charset="0"/>
-                      <a:cs typeface="Arial" panose="020B0604020202020204" pitchFamily="34" charset="0"/>
-                    </a:rPr>
-                    <a:t>Veri Bilimi Okulu</a:t>
-                  </a:r>
-                  <a:endParaRPr lang="en-US" sz="2000" dirty="0">
-                    <a:solidFill>
-                      <a:srgbClr val="CB171F"/>
-                    </a:solidFill>
-                    <a:latin typeface="Constantia" panose="02030602050306030303" pitchFamily="18" charset="0"/>
-                    <a:ea typeface="Verdana" panose="020B0604030504040204" pitchFamily="34" charset="0"/>
-                    <a:cs typeface="Arial" panose="020B0604020202020204" pitchFamily="34" charset="0"/>
-                  </a:endParaRPr>
-                </a:p>
-              </p:txBody>
-            </p:sp>
-          </p:grpSp>
-        </p:grpSp>
-        <p:sp>
-          <p:nvSpPr>
-            <p:cNvPr id="12" name="Metin kutusu 11"/>
-            <p:cNvSpPr txBox="1"/>
-            <p:nvPr/>
-          </p:nvSpPr>
-          <p:spPr>
-            <a:xfrm>
-              <a:off x="1582782" y="6493211"/>
-              <a:ext cx="1687468" cy="230832"/>
-            </a:xfrm>
-            <a:prstGeom prst="rect">
-              <a:avLst/>
-            </a:prstGeom>
-            <a:noFill/>
-          </p:spPr>
-          <p:txBody>
-            <a:bodyPr wrap="square" rtlCol="0">
-              <a:spAutoFit/>
-            </a:bodyPr>
-            <a:lstStyle/>
-            <a:p>
-              <a:r>
-                <a:rPr lang="en-US" sz="900" dirty="0" smtClean="0">
-                  <a:solidFill>
-                    <a:srgbClr val="0B8043"/>
-                  </a:solidFill>
-                </a:rPr>
-                <a:t>https:</a:t>
-              </a:r>
-              <a:r>
-                <a:rPr lang="en-US" sz="900" dirty="0" smtClean="0">
-                  <a:solidFill>
-                    <a:schemeClr val="bg1">
-                      <a:lumMod val="50000"/>
-                    </a:schemeClr>
-                  </a:solidFill>
-                </a:rPr>
-                <a:t>//www.veribilimi.co</a:t>
-              </a:r>
-              <a:endParaRPr lang="en-US" sz="900" dirty="0">
-                <a:solidFill>
-                  <a:schemeClr val="bg1">
-                    <a:lumMod val="50000"/>
-                  </a:schemeClr>
-                </a:solidFill>
-              </a:endParaRPr>
-            </a:p>
-          </p:txBody>
-        </p:sp>
-      </p:grpSp>
-      <p:grpSp>
-        <p:nvGrpSpPr>
-          <p:cNvPr id="11" name="Grup 10"/>
-          <p:cNvGrpSpPr/>
-          <p:nvPr/>
-        </p:nvGrpSpPr>
-        <p:grpSpPr>
-          <a:xfrm>
-            <a:off x="9194796" y="6231467"/>
-            <a:ext cx="2802471" cy="457084"/>
-            <a:chOff x="184993" y="5905369"/>
-            <a:chExt cx="5156200" cy="838200"/>
-          </a:xfrm>
-        </p:grpSpPr>
-        <p:sp>
-          <p:nvSpPr>
-            <p:cNvPr id="13" name="Dikdörtgen 12"/>
-            <p:cNvSpPr/>
-            <p:nvPr/>
-          </p:nvSpPr>
-          <p:spPr>
-            <a:xfrm>
-              <a:off x="184993" y="5905369"/>
-              <a:ext cx="5156200" cy="838200"/>
-            </a:xfrm>
-            <a:prstGeom prst="rect">
-              <a:avLst/>
-            </a:prstGeom>
-            <a:solidFill>
-              <a:schemeClr val="bg1">
-                <a:lumMod val="95000"/>
-              </a:schemeClr>
-            </a:solidFill>
-            <a:ln>
-              <a:noFill/>
-            </a:ln>
-          </p:spPr>
-          <p:style>
-            <a:lnRef idx="2">
-              <a:schemeClr val="accent1">
-                <a:shade val="50000"/>
-              </a:schemeClr>
-            </a:lnRef>
-            <a:fillRef idx="1">
-              <a:schemeClr val="accent1"/>
-            </a:fillRef>
-            <a:effectRef idx="0">
-              <a:schemeClr val="accent1"/>
-            </a:effectRef>
-            <a:fontRef idx="minor">
-              <a:schemeClr val="lt1"/>
-            </a:fontRef>
-          </p:style>
-          <p:txBody>
-            <a:bodyPr rtlCol="0" anchor="ctr"/>
-            <a:lstStyle/>
-            <a:p>
-              <a:pPr algn="ctr"/>
-              <a:endParaRPr lang="en-US" sz="2000"/>
-            </a:p>
-          </p:txBody>
-        </p:sp>
-        <p:sp>
-          <p:nvSpPr>
-            <p:cNvPr id="14" name="Unvan 1"/>
-            <p:cNvSpPr txBox="1">
-              <a:spLocks/>
-            </p:cNvSpPr>
-            <p:nvPr/>
-          </p:nvSpPr>
-          <p:spPr>
-            <a:xfrm>
-              <a:off x="302252" y="6024023"/>
-              <a:ext cx="4921678" cy="600892"/>
-            </a:xfrm>
-            <a:prstGeom prst="rect">
-              <a:avLst/>
-            </a:prstGeom>
-          </p:spPr>
-          <p:txBody>
-            <a:bodyPr vert="horz" lIns="91440" tIns="45720" rIns="91440" bIns="45720" rtlCol="0" anchor="b">
-              <a:noAutofit/>
-            </a:bodyPr>
-            <a:lstStyle>
-              <a:lvl1pPr algn="ctr" defTabSz="914400" rtl="0" eaLnBrk="1" latinLnBrk="0" hangingPunct="1">
-                <a:lnSpc>
-                  <a:spcPct val="90000"/>
-                </a:lnSpc>
-                <a:spcBef>
-                  <a:spcPct val="0"/>
-                </a:spcBef>
-                <a:buNone/>
-                <a:defRPr sz="6000" kern="1200">
-                  <a:solidFill>
-                    <a:schemeClr val="tx1"/>
-                  </a:solidFill>
-                  <a:latin typeface="+mj-lt"/>
-                  <a:ea typeface="+mj-ea"/>
-                  <a:cs typeface="+mj-cs"/>
-                </a:defRPr>
-              </a:lvl1pPr>
-            </a:lstStyle>
-            <a:p>
-              <a:pPr algn="l"/>
-              <a:r>
-                <a:rPr lang="tr-TR" sz="2000" dirty="0">
-                  <a:solidFill>
-                    <a:srgbClr val="CB171F"/>
-                  </a:solidFill>
-                  <a:latin typeface="Constantia" panose="02030602050306030303" pitchFamily="18" charset="0"/>
-                  <a:ea typeface="Verdana" panose="020B0604030504040204" pitchFamily="34" charset="0"/>
-                  <a:cs typeface="Arial" panose="020B0604020202020204" pitchFamily="34" charset="0"/>
-                </a:rPr>
-                <a:t>A’dan Z’ye Büyük Veri</a:t>
-              </a:r>
-              <a:endParaRPr lang="en-US" sz="2000" dirty="0">
-                <a:solidFill>
-                  <a:srgbClr val="CB171F"/>
-                </a:solidFill>
-                <a:latin typeface="Constantia" panose="02030602050306030303" pitchFamily="18" charset="0"/>
-                <a:ea typeface="Verdana" panose="020B0604030504040204" pitchFamily="34" charset="0"/>
-                <a:cs typeface="Arial" panose="020B0604020202020204" pitchFamily="34" charset="0"/>
-              </a:endParaRPr>
-            </a:p>
-          </p:txBody>
-        </p:sp>
-      </p:grpSp>
       <p:sp>
         <p:nvSpPr>
           <p:cNvPr id="16" name="Unvan 1"/>
@@ -16937,7 +14316,7 @@
           <a:lstStyle/>
           <a:p>
             <a:r>
-              <a:rPr lang="tr-TR" sz="3600" b="1" dirty="0" smtClean="0">
+              <a:rPr lang="tr-TR" sz="3600" b="1" dirty="0">
                 <a:solidFill>
                   <a:srgbClr val="CD1F26"/>
                 </a:solidFill>
@@ -16987,7 +14366,7 @@
               <a:buChar char="ü"/>
             </a:pPr>
             <a:r>
-              <a:rPr lang="tr-TR" sz="2400" dirty="0" smtClean="0">
+              <a:rPr lang="tr-TR" sz="2400" dirty="0">
                 <a:solidFill>
                   <a:srgbClr val="000000"/>
                 </a:solidFill>
@@ -17005,7 +14384,7 @@
               <a:buChar char="ü"/>
             </a:pPr>
             <a:r>
-              <a:rPr lang="tr-TR" sz="2400" dirty="0" smtClean="0">
+              <a:rPr lang="tr-TR" sz="2400" dirty="0">
                 <a:solidFill>
                   <a:srgbClr val="000000"/>
                 </a:solidFill>
@@ -17023,7 +14402,7 @@
               <a:buChar char="ü"/>
             </a:pPr>
             <a:r>
-              <a:rPr lang="tr-TR" sz="2400" dirty="0" smtClean="0">
+              <a:rPr lang="tr-TR" sz="2400" dirty="0">
                 <a:solidFill>
                   <a:srgbClr val="000000"/>
                 </a:solidFill>
@@ -17041,7 +14420,7 @@
               <a:buChar char="ü"/>
             </a:pPr>
             <a:r>
-              <a:rPr lang="tr-TR" sz="2400" dirty="0" smtClean="0">
+              <a:rPr lang="tr-TR" sz="2400" dirty="0">
                 <a:solidFill>
                   <a:srgbClr val="000000"/>
                 </a:solidFill>
@@ -17059,7 +14438,7 @@
               <a:buChar char="ü"/>
             </a:pPr>
             <a:r>
-              <a:rPr lang="tr-TR" sz="2400" dirty="0" smtClean="0">
+              <a:rPr lang="tr-TR" sz="2400" dirty="0">
                 <a:solidFill>
                   <a:srgbClr val="000000"/>
                 </a:solidFill>
@@ -17077,7 +14456,7 @@
               <a:buChar char="ü"/>
             </a:pPr>
             <a:r>
-              <a:rPr lang="tr-TR" sz="2400" dirty="0" smtClean="0">
+              <a:rPr lang="tr-TR" sz="2400" dirty="0">
                 <a:solidFill>
                   <a:srgbClr val="000000"/>
                 </a:solidFill>
@@ -17095,7 +14474,7 @@
               <a:buChar char="ü"/>
             </a:pPr>
             <a:r>
-              <a:rPr lang="tr-TR" sz="2400" dirty="0" smtClean="0">
+              <a:rPr lang="tr-TR" sz="2400" dirty="0">
                 <a:solidFill>
                   <a:srgbClr val="000000"/>
                 </a:solidFill>
@@ -17112,7 +14491,7 @@
               <a:buFont typeface="Wingdings" panose="05000000000000000000" pitchFamily="2" charset="2"/>
               <a:buChar char="ü"/>
             </a:pPr>
-            <a:endParaRPr lang="tr-TR" sz="2400" dirty="0" smtClean="0">
+            <a:endParaRPr lang="tr-TR" sz="2400" dirty="0">
               <a:solidFill>
                 <a:srgbClr val="000000"/>
               </a:solidFill>
@@ -17186,13 +14565,6 @@
   <p:clrMapOvr>
     <a:masterClrMapping/>
   </p:clrMapOvr>
-  <p:timing>
-    <p:tnLst>
-      <p:par>
-        <p:cTn id="1" dur="indefinite" restart="never" nodeType="tmRoot"/>
-      </p:par>
-    </p:tnLst>
-  </p:timing>
 </p:sld>
 </file>
 
@@ -17250,369 +14622,6 @@
           </a:fontRef>
         </p:style>
       </p:cxnSp>
-      <p:grpSp>
-        <p:nvGrpSpPr>
-          <p:cNvPr id="15" name="Grup 14"/>
-          <p:cNvGrpSpPr/>
-          <p:nvPr/>
-        </p:nvGrpSpPr>
-        <p:grpSpPr>
-          <a:xfrm>
-            <a:off x="228596" y="6231467"/>
-            <a:ext cx="3041654" cy="492576"/>
-            <a:chOff x="228596" y="6231467"/>
-            <a:chExt cx="3041654" cy="492576"/>
-          </a:xfrm>
-        </p:grpSpPr>
-        <p:grpSp>
-          <p:nvGrpSpPr>
-            <p:cNvPr id="8" name="Grup 7"/>
-            <p:cNvGrpSpPr/>
-            <p:nvPr/>
-          </p:nvGrpSpPr>
-          <p:grpSpPr>
-            <a:xfrm>
-              <a:off x="228596" y="6231467"/>
-              <a:ext cx="2802471" cy="457084"/>
-              <a:chOff x="127000" y="5901146"/>
-              <a:chExt cx="5156200" cy="838200"/>
-            </a:xfrm>
-          </p:grpSpPr>
-          <p:sp>
-            <p:nvSpPr>
-              <p:cNvPr id="7" name="Dikdörtgen 6"/>
-              <p:cNvSpPr/>
-              <p:nvPr/>
-            </p:nvSpPr>
-            <p:spPr>
-              <a:xfrm>
-                <a:off x="127000" y="5901146"/>
-                <a:ext cx="5156200" cy="838200"/>
-              </a:xfrm>
-              <a:prstGeom prst="rect">
-                <a:avLst/>
-              </a:prstGeom>
-              <a:solidFill>
-                <a:schemeClr val="bg1">
-                  <a:lumMod val="95000"/>
-                </a:schemeClr>
-              </a:solidFill>
-              <a:ln>
-                <a:noFill/>
-              </a:ln>
-            </p:spPr>
-            <p:style>
-              <a:lnRef idx="2">
-                <a:schemeClr val="accent1">
-                  <a:shade val="50000"/>
-                </a:schemeClr>
-              </a:lnRef>
-              <a:fillRef idx="1">
-                <a:schemeClr val="accent1"/>
-              </a:fillRef>
-              <a:effectRef idx="0">
-                <a:schemeClr val="accent1"/>
-              </a:effectRef>
-              <a:fontRef idx="minor">
-                <a:schemeClr val="lt1"/>
-              </a:fontRef>
-            </p:style>
-            <p:txBody>
-              <a:bodyPr rtlCol="0" anchor="ctr"/>
-              <a:lstStyle/>
-              <a:p>
-                <a:pPr algn="ctr"/>
-                <a:endParaRPr lang="en-US" sz="2000"/>
-              </a:p>
-            </p:txBody>
-          </p:sp>
-          <p:grpSp>
-            <p:nvGrpSpPr>
-              <p:cNvPr id="6" name="Grup 5"/>
-              <p:cNvGrpSpPr/>
-              <p:nvPr/>
-            </p:nvGrpSpPr>
-            <p:grpSpPr>
-              <a:xfrm>
-                <a:off x="211667" y="6019800"/>
-                <a:ext cx="5012266" cy="605115"/>
-                <a:chOff x="211667" y="6019800"/>
-                <a:chExt cx="5012266" cy="605115"/>
-              </a:xfrm>
-            </p:grpSpPr>
-            <p:pic>
-              <p:nvPicPr>
-                <p:cNvPr id="4" name="Resim 3"/>
-                <p:cNvPicPr>
-                  <a:picLocks noChangeAspect="1"/>
-                </p:cNvPicPr>
-                <p:nvPr/>
-              </p:nvPicPr>
-              <p:blipFill rotWithShape="1">
-                <a:blip r:embed="rId2" cstate="print">
-                  <a:extLst>
-                    <a:ext uri="{28A0092B-C50C-407E-A947-70E740481C1C}">
-                      <a14:useLocalDpi xmlns:a14="http://schemas.microsoft.com/office/drawing/2010/main" val="0"/>
-                    </a:ext>
-                  </a:extLst>
-                </a:blip>
-                <a:srcRect l="24387" t="8319" r="18355" b="50150"/>
-                <a:stretch/>
-              </p:blipFill>
-              <p:spPr>
-                <a:xfrm>
-                  <a:off x="211667" y="6019800"/>
-                  <a:ext cx="1072095" cy="600892"/>
-                </a:xfrm>
-                <a:prstGeom prst="rect">
-                  <a:avLst/>
-                </a:prstGeom>
-              </p:spPr>
-            </p:pic>
-            <p:sp>
-              <p:nvSpPr>
-                <p:cNvPr id="5" name="Unvan 1"/>
-                <p:cNvSpPr txBox="1">
-                  <a:spLocks/>
-                </p:cNvSpPr>
-                <p:nvPr/>
-              </p:nvSpPr>
-              <p:spPr>
-                <a:xfrm>
-                  <a:off x="1283763" y="6024023"/>
-                  <a:ext cx="3940170" cy="600892"/>
-                </a:xfrm>
-                <a:prstGeom prst="rect">
-                  <a:avLst/>
-                </a:prstGeom>
-              </p:spPr>
-              <p:txBody>
-                <a:bodyPr vert="horz" lIns="91440" tIns="45720" rIns="91440" bIns="45720" rtlCol="0" anchor="b">
-                  <a:noAutofit/>
-                </a:bodyPr>
-                <a:lstStyle>
-                  <a:lvl1pPr algn="ctr" defTabSz="914400" rtl="0" eaLnBrk="1" latinLnBrk="0" hangingPunct="1">
-                    <a:lnSpc>
-                      <a:spcPct val="90000"/>
-                    </a:lnSpc>
-                    <a:spcBef>
-                      <a:spcPct val="0"/>
-                    </a:spcBef>
-                    <a:buNone/>
-                    <a:defRPr sz="6000" kern="1200">
-                      <a:solidFill>
-                        <a:schemeClr val="tx1"/>
-                      </a:solidFill>
-                      <a:latin typeface="+mj-lt"/>
-                      <a:ea typeface="+mj-ea"/>
-                      <a:cs typeface="+mj-cs"/>
-                    </a:defRPr>
-                  </a:lvl1pPr>
-                </a:lstStyle>
-                <a:p>
-                  <a:pPr algn="l"/>
-                  <a:r>
-                    <a:rPr lang="tr-TR" sz="2000" dirty="0" smtClean="0">
-                      <a:solidFill>
-                        <a:srgbClr val="CB171F"/>
-                      </a:solidFill>
-                      <a:latin typeface="Constantia" panose="02030602050306030303" pitchFamily="18" charset="0"/>
-                      <a:ea typeface="Verdana" panose="020B0604030504040204" pitchFamily="34" charset="0"/>
-                      <a:cs typeface="Arial" panose="020B0604020202020204" pitchFamily="34" charset="0"/>
-                    </a:rPr>
-                    <a:t>Veri Bilimi Okulu</a:t>
-                  </a:r>
-                  <a:endParaRPr lang="en-US" sz="2000" dirty="0">
-                    <a:solidFill>
-                      <a:srgbClr val="CB171F"/>
-                    </a:solidFill>
-                    <a:latin typeface="Constantia" panose="02030602050306030303" pitchFamily="18" charset="0"/>
-                    <a:ea typeface="Verdana" panose="020B0604030504040204" pitchFamily="34" charset="0"/>
-                    <a:cs typeface="Arial" panose="020B0604020202020204" pitchFamily="34" charset="0"/>
-                  </a:endParaRPr>
-                </a:p>
-              </p:txBody>
-            </p:sp>
-          </p:grpSp>
-        </p:grpSp>
-        <p:sp>
-          <p:nvSpPr>
-            <p:cNvPr id="12" name="Metin kutusu 11"/>
-            <p:cNvSpPr txBox="1"/>
-            <p:nvPr/>
-          </p:nvSpPr>
-          <p:spPr>
-            <a:xfrm>
-              <a:off x="1582782" y="6493211"/>
-              <a:ext cx="1687468" cy="230832"/>
-            </a:xfrm>
-            <a:prstGeom prst="rect">
-              <a:avLst/>
-            </a:prstGeom>
-            <a:noFill/>
-          </p:spPr>
-          <p:txBody>
-            <a:bodyPr wrap="square" rtlCol="0">
-              <a:spAutoFit/>
-            </a:bodyPr>
-            <a:lstStyle/>
-            <a:p>
-              <a:r>
-                <a:rPr lang="en-US" sz="900" dirty="0" smtClean="0">
-                  <a:solidFill>
-                    <a:srgbClr val="0B8043"/>
-                  </a:solidFill>
-                </a:rPr>
-                <a:t>https:</a:t>
-              </a:r>
-              <a:r>
-                <a:rPr lang="en-US" sz="900" dirty="0" smtClean="0">
-                  <a:solidFill>
-                    <a:schemeClr val="bg1">
-                      <a:lumMod val="50000"/>
-                    </a:schemeClr>
-                  </a:solidFill>
-                </a:rPr>
-                <a:t>//www.veribilimi.co</a:t>
-              </a:r>
-              <a:endParaRPr lang="en-US" sz="900" dirty="0">
-                <a:solidFill>
-                  <a:schemeClr val="bg1">
-                    <a:lumMod val="50000"/>
-                  </a:schemeClr>
-                </a:solidFill>
-              </a:endParaRPr>
-            </a:p>
-          </p:txBody>
-        </p:sp>
-      </p:grpSp>
-      <p:grpSp>
-        <p:nvGrpSpPr>
-          <p:cNvPr id="11" name="Grup 10"/>
-          <p:cNvGrpSpPr/>
-          <p:nvPr/>
-        </p:nvGrpSpPr>
-        <p:grpSpPr>
-          <a:xfrm>
-            <a:off x="9194796" y="6231467"/>
-            <a:ext cx="2802471" cy="457084"/>
-            <a:chOff x="184993" y="5905369"/>
-            <a:chExt cx="5156200" cy="838200"/>
-          </a:xfrm>
-        </p:grpSpPr>
-        <p:sp>
-          <p:nvSpPr>
-            <p:cNvPr id="13" name="Dikdörtgen 12"/>
-            <p:cNvSpPr/>
-            <p:nvPr/>
-          </p:nvSpPr>
-          <p:spPr>
-            <a:xfrm>
-              <a:off x="184993" y="5905369"/>
-              <a:ext cx="5156200" cy="838200"/>
-            </a:xfrm>
-            <a:prstGeom prst="rect">
-              <a:avLst/>
-            </a:prstGeom>
-            <a:solidFill>
-              <a:schemeClr val="bg1">
-                <a:lumMod val="95000"/>
-              </a:schemeClr>
-            </a:solidFill>
-            <a:ln>
-              <a:noFill/>
-            </a:ln>
-          </p:spPr>
-          <p:style>
-            <a:lnRef idx="2">
-              <a:schemeClr val="accent1">
-                <a:shade val="50000"/>
-              </a:schemeClr>
-            </a:lnRef>
-            <a:fillRef idx="1">
-              <a:schemeClr val="accent1"/>
-            </a:fillRef>
-            <a:effectRef idx="0">
-              <a:schemeClr val="accent1"/>
-            </a:effectRef>
-            <a:fontRef idx="minor">
-              <a:schemeClr val="lt1"/>
-            </a:fontRef>
-          </p:style>
-          <p:txBody>
-            <a:bodyPr rtlCol="0" anchor="ctr"/>
-            <a:lstStyle/>
-            <a:p>
-              <a:pPr algn="ctr"/>
-              <a:endParaRPr lang="en-US" sz="2000"/>
-            </a:p>
-          </p:txBody>
-        </p:sp>
-        <p:sp>
-          <p:nvSpPr>
-            <p:cNvPr id="14" name="Unvan 1"/>
-            <p:cNvSpPr txBox="1">
-              <a:spLocks/>
-            </p:cNvSpPr>
-            <p:nvPr/>
-          </p:nvSpPr>
-          <p:spPr>
-            <a:xfrm>
-              <a:off x="302252" y="6024023"/>
-              <a:ext cx="4921678" cy="600892"/>
-            </a:xfrm>
-            <a:prstGeom prst="rect">
-              <a:avLst/>
-            </a:prstGeom>
-          </p:spPr>
-          <p:txBody>
-            <a:bodyPr vert="horz" lIns="91440" tIns="45720" rIns="91440" bIns="45720" rtlCol="0" anchor="b">
-              <a:noAutofit/>
-            </a:bodyPr>
-            <a:lstStyle>
-              <a:lvl1pPr algn="ctr" defTabSz="914400" rtl="0" eaLnBrk="1" latinLnBrk="0" hangingPunct="1">
-                <a:lnSpc>
-                  <a:spcPct val="90000"/>
-                </a:lnSpc>
-                <a:spcBef>
-                  <a:spcPct val="0"/>
-                </a:spcBef>
-                <a:buNone/>
-                <a:defRPr sz="6000" kern="1200">
-                  <a:solidFill>
-                    <a:schemeClr val="tx1"/>
-                  </a:solidFill>
-                  <a:latin typeface="+mj-lt"/>
-                  <a:ea typeface="+mj-ea"/>
-                  <a:cs typeface="+mj-cs"/>
-                </a:defRPr>
-              </a:lvl1pPr>
-            </a:lstStyle>
-            <a:p>
-              <a:pPr algn="l"/>
-              <a:r>
-                <a:rPr lang="tr-TR" sz="2000" dirty="0">
-                  <a:solidFill>
-                    <a:srgbClr val="CB171F"/>
-                  </a:solidFill>
-                  <a:latin typeface="Constantia" panose="02030602050306030303" pitchFamily="18" charset="0"/>
-                  <a:ea typeface="Verdana" panose="020B0604030504040204" pitchFamily="34" charset="0"/>
-                  <a:cs typeface="Arial" panose="020B0604020202020204" pitchFamily="34" charset="0"/>
-                </a:rPr>
-                <a:t>A’dan Z’ye Büyük Veri</a:t>
-              </a:r>
-              <a:endParaRPr lang="en-US" sz="2000" dirty="0">
-                <a:solidFill>
-                  <a:srgbClr val="CB171F"/>
-                </a:solidFill>
-                <a:latin typeface="Constantia" panose="02030602050306030303" pitchFamily="18" charset="0"/>
-                <a:ea typeface="Verdana" panose="020B0604030504040204" pitchFamily="34" charset="0"/>
-                <a:cs typeface="Arial" panose="020B0604020202020204" pitchFamily="34" charset="0"/>
-              </a:endParaRPr>
-            </a:p>
-          </p:txBody>
-        </p:sp>
-      </p:grpSp>
       <p:sp>
         <p:nvSpPr>
           <p:cNvPr id="16" name="Unvan 1"/>
@@ -17636,7 +14645,7 @@
           <a:lstStyle/>
           <a:p>
             <a:r>
-              <a:rPr lang="tr-TR" sz="3600" b="1" dirty="0" smtClean="0">
+              <a:rPr lang="tr-TR" sz="3600" b="1" dirty="0">
                 <a:solidFill>
                   <a:srgbClr val="CD1F26"/>
                 </a:solidFill>
@@ -17686,7 +14695,7 @@
               <a:buChar char="ü"/>
             </a:pPr>
             <a:r>
-              <a:rPr lang="tr-TR" sz="2400" dirty="0" err="1" smtClean="0">
+              <a:rPr lang="tr-TR" sz="2400" dirty="0" err="1">
                 <a:solidFill>
                   <a:srgbClr val="000000"/>
                 </a:solidFill>
@@ -17695,7 +14704,7 @@
               <a:t>Interaktif</a:t>
             </a:r>
             <a:r>
-              <a:rPr lang="tr-TR" sz="2400" dirty="0" smtClean="0">
+              <a:rPr lang="tr-TR" sz="2400" dirty="0">
                 <a:solidFill>
                   <a:srgbClr val="000000"/>
                 </a:solidFill>
@@ -17713,7 +14722,7 @@
               <a:buChar char="ü"/>
             </a:pPr>
             <a:r>
-              <a:rPr lang="tr-TR" sz="2400" dirty="0" smtClean="0">
+              <a:rPr lang="tr-TR" sz="2400" dirty="0">
                 <a:solidFill>
                   <a:srgbClr val="000000"/>
                 </a:solidFill>
@@ -17731,29 +14740,14 @@
               <a:buChar char="ü"/>
             </a:pPr>
             <a:r>
-              <a:rPr lang="tr-TR" sz="2400" dirty="0" smtClean="0">
+              <a:rPr lang="tr-TR" sz="2400" dirty="0">
                 <a:solidFill>
                   <a:srgbClr val="000000"/>
                 </a:solidFill>
                 <a:latin typeface="Roboto"/>
               </a:rPr>
-              <a:t>Veriyi kaynağında </a:t>
-            </a:r>
-            <a:r>
-              <a:rPr lang="tr-TR" sz="2400" dirty="0" smtClean="0">
-                <a:solidFill>
-                  <a:srgbClr val="000000"/>
-                </a:solidFill>
-                <a:latin typeface="Roboto"/>
-              </a:rPr>
-              <a:t>sorgular</a:t>
-            </a:r>
-            <a:endParaRPr lang="tr-TR" sz="2400" dirty="0" smtClean="0">
-              <a:solidFill>
-                <a:srgbClr val="000000"/>
-              </a:solidFill>
-              <a:latin typeface="Roboto"/>
-            </a:endParaRPr>
+              <a:t>Veriyi kaynağında sorgular</a:t>
+            </a:r>
           </a:p>
           <a:p>
             <a:pPr marL="342900" indent="-342900">
@@ -17764,7 +14758,7 @@
               <a:buChar char="ü"/>
             </a:pPr>
             <a:r>
-              <a:rPr lang="tr-TR" sz="2400" dirty="0" err="1" smtClean="0">
+              <a:rPr lang="tr-TR" sz="2400" dirty="0" err="1">
                 <a:solidFill>
                   <a:srgbClr val="000000"/>
                 </a:solidFill>
@@ -17773,7 +14767,7 @@
               <a:t>Hive</a:t>
             </a:r>
             <a:r>
-              <a:rPr lang="tr-TR" sz="2400" dirty="0" smtClean="0">
+              <a:rPr lang="tr-TR" sz="2400" dirty="0">
                 <a:solidFill>
                   <a:srgbClr val="000000"/>
                 </a:solidFill>
@@ -17782,7 +14776,7 @@
               <a:t>, </a:t>
             </a:r>
             <a:r>
-              <a:rPr lang="tr-TR" sz="2400" dirty="0" err="1" smtClean="0">
+              <a:rPr lang="tr-TR" sz="2400" dirty="0" err="1">
                 <a:solidFill>
                   <a:srgbClr val="000000"/>
                 </a:solidFill>
@@ -17791,7 +14785,7 @@
               <a:t>Casandra</a:t>
             </a:r>
             <a:r>
-              <a:rPr lang="tr-TR" sz="2400" dirty="0" smtClean="0">
+              <a:rPr lang="tr-TR" sz="2400" dirty="0">
                 <a:solidFill>
                   <a:srgbClr val="000000"/>
                 </a:solidFill>
@@ -17809,7 +14803,7 @@
               <a:buChar char="ü"/>
             </a:pPr>
             <a:r>
-              <a:rPr lang="tr-TR" sz="2400" dirty="0" smtClean="0">
+              <a:rPr lang="tr-TR" sz="2400" dirty="0">
                 <a:solidFill>
                   <a:srgbClr val="000000"/>
                 </a:solidFill>
@@ -17827,7 +14821,7 @@
               <a:buChar char="ü"/>
             </a:pPr>
             <a:r>
-              <a:rPr lang="tr-TR" sz="2400" dirty="0" smtClean="0">
+              <a:rPr lang="tr-TR" sz="2400" dirty="0">
                 <a:solidFill>
                   <a:srgbClr val="000000"/>
                 </a:solidFill>
@@ -17836,7 +14830,7 @@
               <a:t>Mevcut Hadoop </a:t>
             </a:r>
             <a:r>
-              <a:rPr lang="tr-TR" sz="2400" dirty="0" err="1" smtClean="0">
+              <a:rPr lang="tr-TR" sz="2400" dirty="0" err="1">
                 <a:solidFill>
                   <a:srgbClr val="000000"/>
                 </a:solidFill>
@@ -17845,7 +14839,7 @@
               <a:t>Cluster’ı</a:t>
             </a:r>
             <a:r>
-              <a:rPr lang="tr-TR" sz="2400" dirty="0" smtClean="0">
+              <a:rPr lang="tr-TR" sz="2400" dirty="0">
                 <a:solidFill>
                   <a:srgbClr val="000000"/>
                 </a:solidFill>
@@ -17863,7 +14857,7 @@
               <a:buChar char="ü"/>
             </a:pPr>
             <a:r>
-              <a:rPr lang="tr-TR" sz="2400" dirty="0" smtClean="0">
+              <a:rPr lang="tr-TR" sz="2400" dirty="0">
                 <a:solidFill>
                   <a:srgbClr val="000000"/>
                 </a:solidFill>
@@ -17939,13 +14933,6 @@
   <p:clrMapOvr>
     <a:masterClrMapping/>
   </p:clrMapOvr>
-  <p:timing>
-    <p:tnLst>
-      <p:par>
-        <p:cTn id="1" dur="indefinite" restart="never" nodeType="tmRoot"/>
-      </p:par>
-    </p:tnLst>
-  </p:timing>
 </p:sld>
 </file>
 
@@ -18003,369 +14990,6 @@
           </a:fontRef>
         </p:style>
       </p:cxnSp>
-      <p:grpSp>
-        <p:nvGrpSpPr>
-          <p:cNvPr id="15" name="Grup 14"/>
-          <p:cNvGrpSpPr/>
-          <p:nvPr/>
-        </p:nvGrpSpPr>
-        <p:grpSpPr>
-          <a:xfrm>
-            <a:off x="228596" y="6231467"/>
-            <a:ext cx="3041654" cy="492576"/>
-            <a:chOff x="228596" y="6231467"/>
-            <a:chExt cx="3041654" cy="492576"/>
-          </a:xfrm>
-        </p:grpSpPr>
-        <p:grpSp>
-          <p:nvGrpSpPr>
-            <p:cNvPr id="8" name="Grup 7"/>
-            <p:cNvGrpSpPr/>
-            <p:nvPr/>
-          </p:nvGrpSpPr>
-          <p:grpSpPr>
-            <a:xfrm>
-              <a:off x="228596" y="6231467"/>
-              <a:ext cx="2802471" cy="457084"/>
-              <a:chOff x="127000" y="5901146"/>
-              <a:chExt cx="5156200" cy="838200"/>
-            </a:xfrm>
-          </p:grpSpPr>
-          <p:sp>
-            <p:nvSpPr>
-              <p:cNvPr id="7" name="Dikdörtgen 6"/>
-              <p:cNvSpPr/>
-              <p:nvPr/>
-            </p:nvSpPr>
-            <p:spPr>
-              <a:xfrm>
-                <a:off x="127000" y="5901146"/>
-                <a:ext cx="5156200" cy="838200"/>
-              </a:xfrm>
-              <a:prstGeom prst="rect">
-                <a:avLst/>
-              </a:prstGeom>
-              <a:solidFill>
-                <a:schemeClr val="bg1">
-                  <a:lumMod val="95000"/>
-                </a:schemeClr>
-              </a:solidFill>
-              <a:ln>
-                <a:noFill/>
-              </a:ln>
-            </p:spPr>
-            <p:style>
-              <a:lnRef idx="2">
-                <a:schemeClr val="accent1">
-                  <a:shade val="50000"/>
-                </a:schemeClr>
-              </a:lnRef>
-              <a:fillRef idx="1">
-                <a:schemeClr val="accent1"/>
-              </a:fillRef>
-              <a:effectRef idx="0">
-                <a:schemeClr val="accent1"/>
-              </a:effectRef>
-              <a:fontRef idx="minor">
-                <a:schemeClr val="lt1"/>
-              </a:fontRef>
-            </p:style>
-            <p:txBody>
-              <a:bodyPr rtlCol="0" anchor="ctr"/>
-              <a:lstStyle/>
-              <a:p>
-                <a:pPr algn="ctr"/>
-                <a:endParaRPr lang="en-US" sz="2000"/>
-              </a:p>
-            </p:txBody>
-          </p:sp>
-          <p:grpSp>
-            <p:nvGrpSpPr>
-              <p:cNvPr id="6" name="Grup 5"/>
-              <p:cNvGrpSpPr/>
-              <p:nvPr/>
-            </p:nvGrpSpPr>
-            <p:grpSpPr>
-              <a:xfrm>
-                <a:off x="211667" y="6019800"/>
-                <a:ext cx="5012266" cy="605115"/>
-                <a:chOff x="211667" y="6019800"/>
-                <a:chExt cx="5012266" cy="605115"/>
-              </a:xfrm>
-            </p:grpSpPr>
-            <p:pic>
-              <p:nvPicPr>
-                <p:cNvPr id="4" name="Resim 3"/>
-                <p:cNvPicPr>
-                  <a:picLocks noChangeAspect="1"/>
-                </p:cNvPicPr>
-                <p:nvPr/>
-              </p:nvPicPr>
-              <p:blipFill rotWithShape="1">
-                <a:blip r:embed="rId2" cstate="print">
-                  <a:extLst>
-                    <a:ext uri="{28A0092B-C50C-407E-A947-70E740481C1C}">
-                      <a14:useLocalDpi xmlns:a14="http://schemas.microsoft.com/office/drawing/2010/main" val="0"/>
-                    </a:ext>
-                  </a:extLst>
-                </a:blip>
-                <a:srcRect l="24387" t="8319" r="18355" b="50150"/>
-                <a:stretch/>
-              </p:blipFill>
-              <p:spPr>
-                <a:xfrm>
-                  <a:off x="211667" y="6019800"/>
-                  <a:ext cx="1072095" cy="600892"/>
-                </a:xfrm>
-                <a:prstGeom prst="rect">
-                  <a:avLst/>
-                </a:prstGeom>
-              </p:spPr>
-            </p:pic>
-            <p:sp>
-              <p:nvSpPr>
-                <p:cNvPr id="5" name="Unvan 1"/>
-                <p:cNvSpPr txBox="1">
-                  <a:spLocks/>
-                </p:cNvSpPr>
-                <p:nvPr/>
-              </p:nvSpPr>
-              <p:spPr>
-                <a:xfrm>
-                  <a:off x="1283763" y="6024023"/>
-                  <a:ext cx="3940170" cy="600892"/>
-                </a:xfrm>
-                <a:prstGeom prst="rect">
-                  <a:avLst/>
-                </a:prstGeom>
-              </p:spPr>
-              <p:txBody>
-                <a:bodyPr vert="horz" lIns="91440" tIns="45720" rIns="91440" bIns="45720" rtlCol="0" anchor="b">
-                  <a:noAutofit/>
-                </a:bodyPr>
-                <a:lstStyle>
-                  <a:lvl1pPr algn="ctr" defTabSz="914400" rtl="0" eaLnBrk="1" latinLnBrk="0" hangingPunct="1">
-                    <a:lnSpc>
-                      <a:spcPct val="90000"/>
-                    </a:lnSpc>
-                    <a:spcBef>
-                      <a:spcPct val="0"/>
-                    </a:spcBef>
-                    <a:buNone/>
-                    <a:defRPr sz="6000" kern="1200">
-                      <a:solidFill>
-                        <a:schemeClr val="tx1"/>
-                      </a:solidFill>
-                      <a:latin typeface="+mj-lt"/>
-                      <a:ea typeface="+mj-ea"/>
-                      <a:cs typeface="+mj-cs"/>
-                    </a:defRPr>
-                  </a:lvl1pPr>
-                </a:lstStyle>
-                <a:p>
-                  <a:pPr algn="l"/>
-                  <a:r>
-                    <a:rPr lang="tr-TR" sz="2000" dirty="0" smtClean="0">
-                      <a:solidFill>
-                        <a:srgbClr val="CB171F"/>
-                      </a:solidFill>
-                      <a:latin typeface="Constantia" panose="02030602050306030303" pitchFamily="18" charset="0"/>
-                      <a:ea typeface="Verdana" panose="020B0604030504040204" pitchFamily="34" charset="0"/>
-                      <a:cs typeface="Arial" panose="020B0604020202020204" pitchFamily="34" charset="0"/>
-                    </a:rPr>
-                    <a:t>Veri Bilimi Okulu</a:t>
-                  </a:r>
-                  <a:endParaRPr lang="en-US" sz="2000" dirty="0">
-                    <a:solidFill>
-                      <a:srgbClr val="CB171F"/>
-                    </a:solidFill>
-                    <a:latin typeface="Constantia" panose="02030602050306030303" pitchFamily="18" charset="0"/>
-                    <a:ea typeface="Verdana" panose="020B0604030504040204" pitchFamily="34" charset="0"/>
-                    <a:cs typeface="Arial" panose="020B0604020202020204" pitchFamily="34" charset="0"/>
-                  </a:endParaRPr>
-                </a:p>
-              </p:txBody>
-            </p:sp>
-          </p:grpSp>
-        </p:grpSp>
-        <p:sp>
-          <p:nvSpPr>
-            <p:cNvPr id="12" name="Metin kutusu 11"/>
-            <p:cNvSpPr txBox="1"/>
-            <p:nvPr/>
-          </p:nvSpPr>
-          <p:spPr>
-            <a:xfrm>
-              <a:off x="1582782" y="6493211"/>
-              <a:ext cx="1687468" cy="230832"/>
-            </a:xfrm>
-            <a:prstGeom prst="rect">
-              <a:avLst/>
-            </a:prstGeom>
-            <a:noFill/>
-          </p:spPr>
-          <p:txBody>
-            <a:bodyPr wrap="square" rtlCol="0">
-              <a:spAutoFit/>
-            </a:bodyPr>
-            <a:lstStyle/>
-            <a:p>
-              <a:r>
-                <a:rPr lang="en-US" sz="900" dirty="0" smtClean="0">
-                  <a:solidFill>
-                    <a:srgbClr val="0B8043"/>
-                  </a:solidFill>
-                </a:rPr>
-                <a:t>https:</a:t>
-              </a:r>
-              <a:r>
-                <a:rPr lang="en-US" sz="900" dirty="0" smtClean="0">
-                  <a:solidFill>
-                    <a:schemeClr val="bg1">
-                      <a:lumMod val="50000"/>
-                    </a:schemeClr>
-                  </a:solidFill>
-                </a:rPr>
-                <a:t>//www.veribilimi.co</a:t>
-              </a:r>
-              <a:endParaRPr lang="en-US" sz="900" dirty="0">
-                <a:solidFill>
-                  <a:schemeClr val="bg1">
-                    <a:lumMod val="50000"/>
-                  </a:schemeClr>
-                </a:solidFill>
-              </a:endParaRPr>
-            </a:p>
-          </p:txBody>
-        </p:sp>
-      </p:grpSp>
-      <p:grpSp>
-        <p:nvGrpSpPr>
-          <p:cNvPr id="11" name="Grup 10"/>
-          <p:cNvGrpSpPr/>
-          <p:nvPr/>
-        </p:nvGrpSpPr>
-        <p:grpSpPr>
-          <a:xfrm>
-            <a:off x="9194796" y="6231467"/>
-            <a:ext cx="2802471" cy="457084"/>
-            <a:chOff x="184993" y="5905369"/>
-            <a:chExt cx="5156200" cy="838200"/>
-          </a:xfrm>
-        </p:grpSpPr>
-        <p:sp>
-          <p:nvSpPr>
-            <p:cNvPr id="13" name="Dikdörtgen 12"/>
-            <p:cNvSpPr/>
-            <p:nvPr/>
-          </p:nvSpPr>
-          <p:spPr>
-            <a:xfrm>
-              <a:off x="184993" y="5905369"/>
-              <a:ext cx="5156200" cy="838200"/>
-            </a:xfrm>
-            <a:prstGeom prst="rect">
-              <a:avLst/>
-            </a:prstGeom>
-            <a:solidFill>
-              <a:schemeClr val="bg1">
-                <a:lumMod val="95000"/>
-              </a:schemeClr>
-            </a:solidFill>
-            <a:ln>
-              <a:noFill/>
-            </a:ln>
-          </p:spPr>
-          <p:style>
-            <a:lnRef idx="2">
-              <a:schemeClr val="accent1">
-                <a:shade val="50000"/>
-              </a:schemeClr>
-            </a:lnRef>
-            <a:fillRef idx="1">
-              <a:schemeClr val="accent1"/>
-            </a:fillRef>
-            <a:effectRef idx="0">
-              <a:schemeClr val="accent1"/>
-            </a:effectRef>
-            <a:fontRef idx="minor">
-              <a:schemeClr val="lt1"/>
-            </a:fontRef>
-          </p:style>
-          <p:txBody>
-            <a:bodyPr rtlCol="0" anchor="ctr"/>
-            <a:lstStyle/>
-            <a:p>
-              <a:pPr algn="ctr"/>
-              <a:endParaRPr lang="en-US" sz="2000"/>
-            </a:p>
-          </p:txBody>
-        </p:sp>
-        <p:sp>
-          <p:nvSpPr>
-            <p:cNvPr id="14" name="Unvan 1"/>
-            <p:cNvSpPr txBox="1">
-              <a:spLocks/>
-            </p:cNvSpPr>
-            <p:nvPr/>
-          </p:nvSpPr>
-          <p:spPr>
-            <a:xfrm>
-              <a:off x="302252" y="6024023"/>
-              <a:ext cx="4921678" cy="600892"/>
-            </a:xfrm>
-            <a:prstGeom prst="rect">
-              <a:avLst/>
-            </a:prstGeom>
-          </p:spPr>
-          <p:txBody>
-            <a:bodyPr vert="horz" lIns="91440" tIns="45720" rIns="91440" bIns="45720" rtlCol="0" anchor="b">
-              <a:noAutofit/>
-            </a:bodyPr>
-            <a:lstStyle>
-              <a:lvl1pPr algn="ctr" defTabSz="914400" rtl="0" eaLnBrk="1" latinLnBrk="0" hangingPunct="1">
-                <a:lnSpc>
-                  <a:spcPct val="90000"/>
-                </a:lnSpc>
-                <a:spcBef>
-                  <a:spcPct val="0"/>
-                </a:spcBef>
-                <a:buNone/>
-                <a:defRPr sz="6000" kern="1200">
-                  <a:solidFill>
-                    <a:schemeClr val="tx1"/>
-                  </a:solidFill>
-                  <a:latin typeface="+mj-lt"/>
-                  <a:ea typeface="+mj-ea"/>
-                  <a:cs typeface="+mj-cs"/>
-                </a:defRPr>
-              </a:lvl1pPr>
-            </a:lstStyle>
-            <a:p>
-              <a:pPr algn="l"/>
-              <a:r>
-                <a:rPr lang="tr-TR" sz="2000" dirty="0">
-                  <a:solidFill>
-                    <a:srgbClr val="CB171F"/>
-                  </a:solidFill>
-                  <a:latin typeface="Constantia" panose="02030602050306030303" pitchFamily="18" charset="0"/>
-                  <a:ea typeface="Verdana" panose="020B0604030504040204" pitchFamily="34" charset="0"/>
-                  <a:cs typeface="Arial" panose="020B0604020202020204" pitchFamily="34" charset="0"/>
-                </a:rPr>
-                <a:t>A’dan Z’ye Büyük Veri</a:t>
-              </a:r>
-              <a:endParaRPr lang="en-US" sz="2000" dirty="0">
-                <a:solidFill>
-                  <a:srgbClr val="CB171F"/>
-                </a:solidFill>
-                <a:latin typeface="Constantia" panose="02030602050306030303" pitchFamily="18" charset="0"/>
-                <a:ea typeface="Verdana" panose="020B0604030504040204" pitchFamily="34" charset="0"/>
-                <a:cs typeface="Arial" panose="020B0604020202020204" pitchFamily="34" charset="0"/>
-              </a:endParaRPr>
-            </a:p>
-          </p:txBody>
-        </p:sp>
-      </p:grpSp>
       <p:sp>
         <p:nvSpPr>
           <p:cNvPr id="16" name="Unvan 1"/>
@@ -18389,7 +15013,7 @@
           <a:lstStyle/>
           <a:p>
             <a:r>
-              <a:rPr lang="tr-TR" sz="3600" b="1" dirty="0" smtClean="0">
+              <a:rPr lang="tr-TR" sz="3600" b="1" dirty="0">
                 <a:solidFill>
                   <a:srgbClr val="CD1F26"/>
                 </a:solidFill>
@@ -18439,7 +15063,7 @@
               <a:buChar char="ü"/>
             </a:pPr>
             <a:r>
-              <a:rPr lang="tr-TR" sz="3000" dirty="0" smtClean="0">
+              <a:rPr lang="tr-TR" sz="3000" dirty="0">
                 <a:solidFill>
                   <a:srgbClr val="000000"/>
                 </a:solidFill>
@@ -18457,7 +15081,7 @@
               <a:buChar char="ü"/>
             </a:pPr>
             <a:r>
-              <a:rPr lang="tr-TR" sz="3000" dirty="0" smtClean="0">
+              <a:rPr lang="tr-TR" sz="3000" dirty="0">
                 <a:solidFill>
                   <a:srgbClr val="000000"/>
                 </a:solidFill>
@@ -18466,7 +15090,7 @@
               <a:t>YARN ve </a:t>
             </a:r>
             <a:r>
-              <a:rPr lang="tr-TR" sz="3000" dirty="0" err="1" smtClean="0">
+              <a:rPr lang="tr-TR" sz="3000" dirty="0" err="1">
                 <a:solidFill>
                   <a:srgbClr val="000000"/>
                 </a:solidFill>
@@ -18475,7 +15099,7 @@
               <a:t>Mesos</a:t>
             </a:r>
             <a:r>
-              <a:rPr lang="tr-TR" sz="3000" dirty="0" smtClean="0">
+              <a:rPr lang="tr-TR" sz="3000" dirty="0">
                 <a:solidFill>
                   <a:srgbClr val="000000"/>
                 </a:solidFill>
@@ -18493,7 +15117,7 @@
               <a:buChar char="ü"/>
             </a:pPr>
             <a:r>
-              <a:rPr lang="tr-TR" sz="3000" dirty="0" smtClean="0">
+              <a:rPr lang="tr-TR" sz="3000" dirty="0">
                 <a:solidFill>
                   <a:srgbClr val="000000"/>
                 </a:solidFill>
@@ -18511,7 +15135,7 @@
               <a:buChar char="ü"/>
             </a:pPr>
             <a:r>
-              <a:rPr lang="tr-TR" sz="3000" dirty="0" smtClean="0">
+              <a:rPr lang="tr-TR" sz="3000" dirty="0">
                 <a:solidFill>
                   <a:srgbClr val="000000"/>
                 </a:solidFill>
@@ -18587,13 +15211,6 @@
   <p:clrMapOvr>
     <a:masterClrMapping/>
   </p:clrMapOvr>
-  <p:timing>
-    <p:tnLst>
-      <p:par>
-        <p:cTn id="1" dur="indefinite" restart="never" nodeType="tmRoot"/>
-      </p:par>
-    </p:tnLst>
-  </p:timing>
 </p:sld>
 </file>
 
@@ -18651,369 +15268,6 @@
           </a:fontRef>
         </p:style>
       </p:cxnSp>
-      <p:grpSp>
-        <p:nvGrpSpPr>
-          <p:cNvPr id="15" name="Grup 14"/>
-          <p:cNvGrpSpPr/>
-          <p:nvPr/>
-        </p:nvGrpSpPr>
-        <p:grpSpPr>
-          <a:xfrm>
-            <a:off x="228596" y="6231467"/>
-            <a:ext cx="3041654" cy="492576"/>
-            <a:chOff x="228596" y="6231467"/>
-            <a:chExt cx="3041654" cy="492576"/>
-          </a:xfrm>
-        </p:grpSpPr>
-        <p:grpSp>
-          <p:nvGrpSpPr>
-            <p:cNvPr id="8" name="Grup 7"/>
-            <p:cNvGrpSpPr/>
-            <p:nvPr/>
-          </p:nvGrpSpPr>
-          <p:grpSpPr>
-            <a:xfrm>
-              <a:off x="228596" y="6231467"/>
-              <a:ext cx="2802471" cy="457084"/>
-              <a:chOff x="127000" y="5901146"/>
-              <a:chExt cx="5156200" cy="838200"/>
-            </a:xfrm>
-          </p:grpSpPr>
-          <p:sp>
-            <p:nvSpPr>
-              <p:cNvPr id="7" name="Dikdörtgen 6"/>
-              <p:cNvSpPr/>
-              <p:nvPr/>
-            </p:nvSpPr>
-            <p:spPr>
-              <a:xfrm>
-                <a:off x="127000" y="5901146"/>
-                <a:ext cx="5156200" cy="838200"/>
-              </a:xfrm>
-              <a:prstGeom prst="rect">
-                <a:avLst/>
-              </a:prstGeom>
-              <a:solidFill>
-                <a:schemeClr val="bg1">
-                  <a:lumMod val="95000"/>
-                </a:schemeClr>
-              </a:solidFill>
-              <a:ln>
-                <a:noFill/>
-              </a:ln>
-            </p:spPr>
-            <p:style>
-              <a:lnRef idx="2">
-                <a:schemeClr val="accent1">
-                  <a:shade val="50000"/>
-                </a:schemeClr>
-              </a:lnRef>
-              <a:fillRef idx="1">
-                <a:schemeClr val="accent1"/>
-              </a:fillRef>
-              <a:effectRef idx="0">
-                <a:schemeClr val="accent1"/>
-              </a:effectRef>
-              <a:fontRef idx="minor">
-                <a:schemeClr val="lt1"/>
-              </a:fontRef>
-            </p:style>
-            <p:txBody>
-              <a:bodyPr rtlCol="0" anchor="ctr"/>
-              <a:lstStyle/>
-              <a:p>
-                <a:pPr algn="ctr"/>
-                <a:endParaRPr lang="en-US" sz="2000"/>
-              </a:p>
-            </p:txBody>
-          </p:sp>
-          <p:grpSp>
-            <p:nvGrpSpPr>
-              <p:cNvPr id="6" name="Grup 5"/>
-              <p:cNvGrpSpPr/>
-              <p:nvPr/>
-            </p:nvGrpSpPr>
-            <p:grpSpPr>
-              <a:xfrm>
-                <a:off x="211667" y="6019800"/>
-                <a:ext cx="5012266" cy="605115"/>
-                <a:chOff x="211667" y="6019800"/>
-                <a:chExt cx="5012266" cy="605115"/>
-              </a:xfrm>
-            </p:grpSpPr>
-            <p:pic>
-              <p:nvPicPr>
-                <p:cNvPr id="4" name="Resim 3"/>
-                <p:cNvPicPr>
-                  <a:picLocks noChangeAspect="1"/>
-                </p:cNvPicPr>
-                <p:nvPr/>
-              </p:nvPicPr>
-              <p:blipFill rotWithShape="1">
-                <a:blip r:embed="rId2" cstate="print">
-                  <a:extLst>
-                    <a:ext uri="{28A0092B-C50C-407E-A947-70E740481C1C}">
-                      <a14:useLocalDpi xmlns:a14="http://schemas.microsoft.com/office/drawing/2010/main" val="0"/>
-                    </a:ext>
-                  </a:extLst>
-                </a:blip>
-                <a:srcRect l="24387" t="8319" r="18355" b="50150"/>
-                <a:stretch/>
-              </p:blipFill>
-              <p:spPr>
-                <a:xfrm>
-                  <a:off x="211667" y="6019800"/>
-                  <a:ext cx="1072095" cy="600892"/>
-                </a:xfrm>
-                <a:prstGeom prst="rect">
-                  <a:avLst/>
-                </a:prstGeom>
-              </p:spPr>
-            </p:pic>
-            <p:sp>
-              <p:nvSpPr>
-                <p:cNvPr id="5" name="Unvan 1"/>
-                <p:cNvSpPr txBox="1">
-                  <a:spLocks/>
-                </p:cNvSpPr>
-                <p:nvPr/>
-              </p:nvSpPr>
-              <p:spPr>
-                <a:xfrm>
-                  <a:off x="1283763" y="6024023"/>
-                  <a:ext cx="3940170" cy="600892"/>
-                </a:xfrm>
-                <a:prstGeom prst="rect">
-                  <a:avLst/>
-                </a:prstGeom>
-              </p:spPr>
-              <p:txBody>
-                <a:bodyPr vert="horz" lIns="91440" tIns="45720" rIns="91440" bIns="45720" rtlCol="0" anchor="b">
-                  <a:noAutofit/>
-                </a:bodyPr>
-                <a:lstStyle>
-                  <a:lvl1pPr algn="ctr" defTabSz="914400" rtl="0" eaLnBrk="1" latinLnBrk="0" hangingPunct="1">
-                    <a:lnSpc>
-                      <a:spcPct val="90000"/>
-                    </a:lnSpc>
-                    <a:spcBef>
-                      <a:spcPct val="0"/>
-                    </a:spcBef>
-                    <a:buNone/>
-                    <a:defRPr sz="6000" kern="1200">
-                      <a:solidFill>
-                        <a:schemeClr val="tx1"/>
-                      </a:solidFill>
-                      <a:latin typeface="+mj-lt"/>
-                      <a:ea typeface="+mj-ea"/>
-                      <a:cs typeface="+mj-cs"/>
-                    </a:defRPr>
-                  </a:lvl1pPr>
-                </a:lstStyle>
-                <a:p>
-                  <a:pPr algn="l"/>
-                  <a:r>
-                    <a:rPr lang="tr-TR" sz="2000" dirty="0" smtClean="0">
-                      <a:solidFill>
-                        <a:srgbClr val="CB171F"/>
-                      </a:solidFill>
-                      <a:latin typeface="Constantia" panose="02030602050306030303" pitchFamily="18" charset="0"/>
-                      <a:ea typeface="Verdana" panose="020B0604030504040204" pitchFamily="34" charset="0"/>
-                      <a:cs typeface="Arial" panose="020B0604020202020204" pitchFamily="34" charset="0"/>
-                    </a:rPr>
-                    <a:t>Veri Bilimi Okulu</a:t>
-                  </a:r>
-                  <a:endParaRPr lang="en-US" sz="2000" dirty="0">
-                    <a:solidFill>
-                      <a:srgbClr val="CB171F"/>
-                    </a:solidFill>
-                    <a:latin typeface="Constantia" panose="02030602050306030303" pitchFamily="18" charset="0"/>
-                    <a:ea typeface="Verdana" panose="020B0604030504040204" pitchFamily="34" charset="0"/>
-                    <a:cs typeface="Arial" panose="020B0604020202020204" pitchFamily="34" charset="0"/>
-                  </a:endParaRPr>
-                </a:p>
-              </p:txBody>
-            </p:sp>
-          </p:grpSp>
-        </p:grpSp>
-        <p:sp>
-          <p:nvSpPr>
-            <p:cNvPr id="12" name="Metin kutusu 11"/>
-            <p:cNvSpPr txBox="1"/>
-            <p:nvPr/>
-          </p:nvSpPr>
-          <p:spPr>
-            <a:xfrm>
-              <a:off x="1582782" y="6493211"/>
-              <a:ext cx="1687468" cy="230832"/>
-            </a:xfrm>
-            <a:prstGeom prst="rect">
-              <a:avLst/>
-            </a:prstGeom>
-            <a:noFill/>
-          </p:spPr>
-          <p:txBody>
-            <a:bodyPr wrap="square" rtlCol="0">
-              <a:spAutoFit/>
-            </a:bodyPr>
-            <a:lstStyle/>
-            <a:p>
-              <a:r>
-                <a:rPr lang="en-US" sz="900" dirty="0" smtClean="0">
-                  <a:solidFill>
-                    <a:srgbClr val="0B8043"/>
-                  </a:solidFill>
-                </a:rPr>
-                <a:t>https:</a:t>
-              </a:r>
-              <a:r>
-                <a:rPr lang="en-US" sz="900" dirty="0" smtClean="0">
-                  <a:solidFill>
-                    <a:schemeClr val="bg1">
-                      <a:lumMod val="50000"/>
-                    </a:schemeClr>
-                  </a:solidFill>
-                </a:rPr>
-                <a:t>//www.veribilimi.co</a:t>
-              </a:r>
-              <a:endParaRPr lang="en-US" sz="900" dirty="0">
-                <a:solidFill>
-                  <a:schemeClr val="bg1">
-                    <a:lumMod val="50000"/>
-                  </a:schemeClr>
-                </a:solidFill>
-              </a:endParaRPr>
-            </a:p>
-          </p:txBody>
-        </p:sp>
-      </p:grpSp>
-      <p:grpSp>
-        <p:nvGrpSpPr>
-          <p:cNvPr id="11" name="Grup 10"/>
-          <p:cNvGrpSpPr/>
-          <p:nvPr/>
-        </p:nvGrpSpPr>
-        <p:grpSpPr>
-          <a:xfrm>
-            <a:off x="9194796" y="6231467"/>
-            <a:ext cx="2802471" cy="457084"/>
-            <a:chOff x="184993" y="5905369"/>
-            <a:chExt cx="5156200" cy="838200"/>
-          </a:xfrm>
-        </p:grpSpPr>
-        <p:sp>
-          <p:nvSpPr>
-            <p:cNvPr id="13" name="Dikdörtgen 12"/>
-            <p:cNvSpPr/>
-            <p:nvPr/>
-          </p:nvSpPr>
-          <p:spPr>
-            <a:xfrm>
-              <a:off x="184993" y="5905369"/>
-              <a:ext cx="5156200" cy="838200"/>
-            </a:xfrm>
-            <a:prstGeom prst="rect">
-              <a:avLst/>
-            </a:prstGeom>
-            <a:solidFill>
-              <a:schemeClr val="bg1">
-                <a:lumMod val="95000"/>
-              </a:schemeClr>
-            </a:solidFill>
-            <a:ln>
-              <a:noFill/>
-            </a:ln>
-          </p:spPr>
-          <p:style>
-            <a:lnRef idx="2">
-              <a:schemeClr val="accent1">
-                <a:shade val="50000"/>
-              </a:schemeClr>
-            </a:lnRef>
-            <a:fillRef idx="1">
-              <a:schemeClr val="accent1"/>
-            </a:fillRef>
-            <a:effectRef idx="0">
-              <a:schemeClr val="accent1"/>
-            </a:effectRef>
-            <a:fontRef idx="minor">
-              <a:schemeClr val="lt1"/>
-            </a:fontRef>
-          </p:style>
-          <p:txBody>
-            <a:bodyPr rtlCol="0" anchor="ctr"/>
-            <a:lstStyle/>
-            <a:p>
-              <a:pPr algn="ctr"/>
-              <a:endParaRPr lang="en-US" sz="2000"/>
-            </a:p>
-          </p:txBody>
-        </p:sp>
-        <p:sp>
-          <p:nvSpPr>
-            <p:cNvPr id="14" name="Unvan 1"/>
-            <p:cNvSpPr txBox="1">
-              <a:spLocks/>
-            </p:cNvSpPr>
-            <p:nvPr/>
-          </p:nvSpPr>
-          <p:spPr>
-            <a:xfrm>
-              <a:off x="302252" y="6024023"/>
-              <a:ext cx="4921678" cy="600892"/>
-            </a:xfrm>
-            <a:prstGeom prst="rect">
-              <a:avLst/>
-            </a:prstGeom>
-          </p:spPr>
-          <p:txBody>
-            <a:bodyPr vert="horz" lIns="91440" tIns="45720" rIns="91440" bIns="45720" rtlCol="0" anchor="b">
-              <a:noAutofit/>
-            </a:bodyPr>
-            <a:lstStyle>
-              <a:lvl1pPr algn="ctr" defTabSz="914400" rtl="0" eaLnBrk="1" latinLnBrk="0" hangingPunct="1">
-                <a:lnSpc>
-                  <a:spcPct val="90000"/>
-                </a:lnSpc>
-                <a:spcBef>
-                  <a:spcPct val="0"/>
-                </a:spcBef>
-                <a:buNone/>
-                <a:defRPr sz="6000" kern="1200">
-                  <a:solidFill>
-                    <a:schemeClr val="tx1"/>
-                  </a:solidFill>
-                  <a:latin typeface="+mj-lt"/>
-                  <a:ea typeface="+mj-ea"/>
-                  <a:cs typeface="+mj-cs"/>
-                </a:defRPr>
-              </a:lvl1pPr>
-            </a:lstStyle>
-            <a:p>
-              <a:pPr algn="l"/>
-              <a:r>
-                <a:rPr lang="tr-TR" sz="2000" dirty="0">
-                  <a:solidFill>
-                    <a:srgbClr val="CB171F"/>
-                  </a:solidFill>
-                  <a:latin typeface="Constantia" panose="02030602050306030303" pitchFamily="18" charset="0"/>
-                  <a:ea typeface="Verdana" panose="020B0604030504040204" pitchFamily="34" charset="0"/>
-                  <a:cs typeface="Arial" panose="020B0604020202020204" pitchFamily="34" charset="0"/>
-                </a:rPr>
-                <a:t>A’dan Z’ye Büyük Veri</a:t>
-              </a:r>
-              <a:endParaRPr lang="en-US" sz="2000" dirty="0">
-                <a:solidFill>
-                  <a:srgbClr val="CB171F"/>
-                </a:solidFill>
-                <a:latin typeface="Constantia" panose="02030602050306030303" pitchFamily="18" charset="0"/>
-                <a:ea typeface="Verdana" panose="020B0604030504040204" pitchFamily="34" charset="0"/>
-                <a:cs typeface="Arial" panose="020B0604020202020204" pitchFamily="34" charset="0"/>
-              </a:endParaRPr>
-            </a:p>
-          </p:txBody>
-        </p:sp>
-      </p:grpSp>
       <p:sp>
         <p:nvSpPr>
           <p:cNvPr id="16" name="Unvan 1"/>
@@ -19037,7 +15291,7 @@
           <a:lstStyle/>
           <a:p>
             <a:r>
-              <a:rPr lang="tr-TR" sz="3600" b="1" dirty="0" smtClean="0">
+              <a:rPr lang="tr-TR" sz="3600" b="1" dirty="0">
                 <a:solidFill>
                   <a:srgbClr val="CD1F26"/>
                 </a:solidFill>
@@ -19087,7 +15341,7 @@
               <a:buChar char="ü"/>
             </a:pPr>
             <a:r>
-              <a:rPr lang="tr-TR" sz="2400" dirty="0" smtClean="0">
+              <a:rPr lang="tr-TR" sz="2400" dirty="0">
                 <a:solidFill>
                   <a:srgbClr val="000000"/>
                 </a:solidFill>
@@ -19105,7 +15359,7 @@
               <a:buChar char="ü"/>
             </a:pPr>
             <a:r>
-              <a:rPr lang="tr-TR" sz="2400" dirty="0" err="1" smtClean="0">
+              <a:rPr lang="tr-TR" sz="2400" dirty="0" err="1">
                 <a:solidFill>
                   <a:srgbClr val="000000"/>
                 </a:solidFill>
@@ -19114,7 +15368,7 @@
               <a:t>Apache</a:t>
             </a:r>
             <a:r>
-              <a:rPr lang="tr-TR" sz="2400" dirty="0" smtClean="0">
+              <a:rPr lang="tr-TR" sz="2400" dirty="0">
                 <a:solidFill>
                   <a:srgbClr val="000000"/>
                 </a:solidFill>
@@ -19123,7 +15377,7 @@
               <a:t> </a:t>
             </a:r>
             <a:r>
-              <a:rPr lang="tr-TR" sz="2400" dirty="0" err="1" smtClean="0">
+              <a:rPr lang="tr-TR" sz="2400" dirty="0" err="1">
                 <a:solidFill>
                   <a:srgbClr val="000000"/>
                 </a:solidFill>
@@ -19132,7 +15386,7 @@
               <a:t>Drill’e</a:t>
             </a:r>
             <a:r>
-              <a:rPr lang="tr-TR" sz="2400" dirty="0" smtClean="0">
+              <a:rPr lang="tr-TR" sz="2400" dirty="0">
                 <a:solidFill>
                   <a:srgbClr val="000000"/>
                 </a:solidFill>
@@ -19140,12 +15394,6 @@
               </a:rPr>
               <a:t> benzer</a:t>
             </a:r>
-            <a:endParaRPr lang="tr-TR" sz="2400" dirty="0" smtClean="0">
-              <a:solidFill>
-                <a:srgbClr val="000000"/>
-              </a:solidFill>
-              <a:latin typeface="Roboto"/>
-            </a:endParaRPr>
           </a:p>
           <a:p>
             <a:pPr marL="342900" indent="-342900">
@@ -19156,7 +15404,7 @@
               <a:buChar char="ü"/>
             </a:pPr>
             <a:r>
-              <a:rPr lang="tr-TR" sz="2400" dirty="0" smtClean="0">
+              <a:rPr lang="tr-TR" sz="2400" dirty="0">
                 <a:solidFill>
                   <a:srgbClr val="000000"/>
                 </a:solidFill>
@@ -19165,7 +15413,7 @@
               <a:t>HDFS üzerinde sorgulama yapan araçlara (</a:t>
             </a:r>
             <a:r>
-              <a:rPr lang="tr-TR" sz="2400" dirty="0" err="1" smtClean="0">
+              <a:rPr lang="tr-TR" sz="2400" dirty="0" err="1">
                 <a:solidFill>
                   <a:srgbClr val="000000"/>
                 </a:solidFill>
@@ -19174,29 +15422,14 @@
               <a:t>Hive,Pig</a:t>
             </a:r>
             <a:r>
-              <a:rPr lang="tr-TR" sz="2400" dirty="0" smtClean="0">
+              <a:rPr lang="tr-TR" sz="2400" dirty="0">
                 <a:solidFill>
                   <a:srgbClr val="000000"/>
                 </a:solidFill>
                 <a:latin typeface="Roboto"/>
               </a:rPr>
-              <a:t>) güzel bir </a:t>
-            </a:r>
-            <a:r>
-              <a:rPr lang="tr-TR" sz="2400" dirty="0" smtClean="0">
-                <a:solidFill>
-                  <a:srgbClr val="000000"/>
-                </a:solidFill>
-                <a:latin typeface="Roboto"/>
-              </a:rPr>
-              <a:t>alternatif</a:t>
-            </a:r>
-            <a:endParaRPr lang="tr-TR" sz="2400" dirty="0" smtClean="0">
-              <a:solidFill>
-                <a:srgbClr val="000000"/>
-              </a:solidFill>
-              <a:latin typeface="Roboto"/>
-            </a:endParaRPr>
+              <a:t>) güzel bir alternatif</a:t>
+            </a:r>
           </a:p>
           <a:p>
             <a:pPr marL="342900" indent="-342900">
@@ -19207,7 +15440,7 @@
               <a:buChar char="ü"/>
             </a:pPr>
             <a:r>
-              <a:rPr lang="tr-TR" sz="2400" dirty="0" smtClean="0">
+              <a:rPr lang="tr-TR" sz="2400" dirty="0">
                 <a:solidFill>
                   <a:srgbClr val="000000"/>
                 </a:solidFill>
@@ -19225,7 +15458,7 @@
               <a:buChar char="ü"/>
             </a:pPr>
             <a:r>
-              <a:rPr lang="tr-TR" sz="2400" dirty="0" smtClean="0">
+              <a:rPr lang="tr-TR" sz="2400" dirty="0">
                 <a:solidFill>
                   <a:srgbClr val="000000"/>
                 </a:solidFill>
@@ -19234,7 +15467,7 @@
               <a:t>Facebook, </a:t>
             </a:r>
             <a:r>
-              <a:rPr lang="tr-TR" sz="2400" dirty="0" err="1" smtClean="0">
+              <a:rPr lang="tr-TR" sz="2400" dirty="0" err="1">
                 <a:solidFill>
                   <a:srgbClr val="000000"/>
                 </a:solidFill>
@@ -19243,7 +15476,7 @@
               <a:t>Uber</a:t>
             </a:r>
             <a:r>
-              <a:rPr lang="tr-TR" sz="2400" dirty="0" smtClean="0">
+              <a:rPr lang="tr-TR" sz="2400" dirty="0">
                 <a:solidFill>
                   <a:srgbClr val="000000"/>
                 </a:solidFill>
@@ -19252,7 +15485,7 @@
               <a:t>, </a:t>
             </a:r>
             <a:r>
-              <a:rPr lang="tr-TR" sz="2400" dirty="0" err="1" smtClean="0">
+              <a:rPr lang="tr-TR" sz="2400" dirty="0" err="1">
                 <a:solidFill>
                   <a:srgbClr val="000000"/>
                 </a:solidFill>
@@ -19261,7 +15494,7 @@
               <a:t>Airbnb</a:t>
             </a:r>
             <a:r>
-              <a:rPr lang="tr-TR" sz="2400" dirty="0" smtClean="0">
+              <a:rPr lang="tr-TR" sz="2400" dirty="0">
                 <a:solidFill>
                   <a:srgbClr val="000000"/>
                 </a:solidFill>
@@ -19270,7 +15503,7 @@
               <a:t>, </a:t>
             </a:r>
             <a:r>
-              <a:rPr lang="tr-TR" sz="2400" dirty="0" err="1" smtClean="0">
+              <a:rPr lang="tr-TR" sz="2400" dirty="0" err="1">
                 <a:solidFill>
                   <a:srgbClr val="000000"/>
                 </a:solidFill>
@@ -19279,7 +15512,7 @@
               <a:t>Netflix</a:t>
             </a:r>
             <a:r>
-              <a:rPr lang="tr-TR" sz="2400" dirty="0" smtClean="0">
+              <a:rPr lang="tr-TR" sz="2400" dirty="0">
                 <a:solidFill>
                   <a:srgbClr val="000000"/>
                 </a:solidFill>
@@ -19297,7 +15530,7 @@
               <a:buChar char="ü"/>
             </a:pPr>
             <a:r>
-              <a:rPr lang="tr-TR" sz="2400" dirty="0" smtClean="0">
+              <a:rPr lang="tr-TR" sz="2400" dirty="0">
                 <a:solidFill>
                   <a:srgbClr val="000000"/>
                 </a:solidFill>
@@ -19306,7 +15539,7 @@
               <a:t>Tek nokta kırılganlığı (</a:t>
             </a:r>
             <a:r>
-              <a:rPr lang="tr-TR" sz="2400" dirty="0" err="1" smtClean="0">
+              <a:rPr lang="tr-TR" sz="2400" dirty="0" err="1">
                 <a:solidFill>
                   <a:srgbClr val="000000"/>
                 </a:solidFill>
@@ -19315,7 +15548,7 @@
               <a:t>coordinator</a:t>
             </a:r>
             <a:r>
-              <a:rPr lang="tr-TR" sz="2400" dirty="0" smtClean="0">
+              <a:rPr lang="tr-TR" sz="2400" dirty="0">
                 <a:solidFill>
                   <a:srgbClr val="000000"/>
                 </a:solidFill>
@@ -19333,7 +15566,7 @@
               <a:buChar char="ü"/>
             </a:pPr>
             <a:r>
-              <a:rPr lang="tr-TR" sz="2400" dirty="0" smtClean="0">
+              <a:rPr lang="tr-TR" sz="2400" dirty="0">
                 <a:solidFill>
                   <a:srgbClr val="000000"/>
                 </a:solidFill>
@@ -19350,7 +15583,7 @@
               <a:buFont typeface="Wingdings" panose="05000000000000000000" pitchFamily="2" charset="2"/>
               <a:buChar char="ü"/>
             </a:pPr>
-            <a:endParaRPr lang="tr-TR" sz="2400" dirty="0" smtClean="0">
+            <a:endParaRPr lang="tr-TR" sz="2400" dirty="0">
               <a:solidFill>
                 <a:srgbClr val="000000"/>
               </a:solidFill>
@@ -19424,13 +15657,6 @@
   <p:clrMapOvr>
     <a:masterClrMapping/>
   </p:clrMapOvr>
-  <p:timing>
-    <p:tnLst>
-      <p:par>
-        <p:cTn id="1" dur="indefinite" restart="never" nodeType="tmRoot"/>
-      </p:par>
-    </p:tnLst>
-  </p:timing>
 </p:sld>
 </file>
 
@@ -19488,369 +15714,6 @@
           </a:fontRef>
         </p:style>
       </p:cxnSp>
-      <p:grpSp>
-        <p:nvGrpSpPr>
-          <p:cNvPr id="15" name="Grup 14"/>
-          <p:cNvGrpSpPr/>
-          <p:nvPr/>
-        </p:nvGrpSpPr>
-        <p:grpSpPr>
-          <a:xfrm>
-            <a:off x="228596" y="6231467"/>
-            <a:ext cx="3041654" cy="492576"/>
-            <a:chOff x="228596" y="6231467"/>
-            <a:chExt cx="3041654" cy="492576"/>
-          </a:xfrm>
-        </p:grpSpPr>
-        <p:grpSp>
-          <p:nvGrpSpPr>
-            <p:cNvPr id="8" name="Grup 7"/>
-            <p:cNvGrpSpPr/>
-            <p:nvPr/>
-          </p:nvGrpSpPr>
-          <p:grpSpPr>
-            <a:xfrm>
-              <a:off x="228596" y="6231467"/>
-              <a:ext cx="2802471" cy="457084"/>
-              <a:chOff x="127000" y="5901146"/>
-              <a:chExt cx="5156200" cy="838200"/>
-            </a:xfrm>
-          </p:grpSpPr>
-          <p:sp>
-            <p:nvSpPr>
-              <p:cNvPr id="7" name="Dikdörtgen 6"/>
-              <p:cNvSpPr/>
-              <p:nvPr/>
-            </p:nvSpPr>
-            <p:spPr>
-              <a:xfrm>
-                <a:off x="127000" y="5901146"/>
-                <a:ext cx="5156200" cy="838200"/>
-              </a:xfrm>
-              <a:prstGeom prst="rect">
-                <a:avLst/>
-              </a:prstGeom>
-              <a:solidFill>
-                <a:schemeClr val="bg1">
-                  <a:lumMod val="95000"/>
-                </a:schemeClr>
-              </a:solidFill>
-              <a:ln>
-                <a:noFill/>
-              </a:ln>
-            </p:spPr>
-            <p:style>
-              <a:lnRef idx="2">
-                <a:schemeClr val="accent1">
-                  <a:shade val="50000"/>
-                </a:schemeClr>
-              </a:lnRef>
-              <a:fillRef idx="1">
-                <a:schemeClr val="accent1"/>
-              </a:fillRef>
-              <a:effectRef idx="0">
-                <a:schemeClr val="accent1"/>
-              </a:effectRef>
-              <a:fontRef idx="minor">
-                <a:schemeClr val="lt1"/>
-              </a:fontRef>
-            </p:style>
-            <p:txBody>
-              <a:bodyPr rtlCol="0" anchor="ctr"/>
-              <a:lstStyle/>
-              <a:p>
-                <a:pPr algn="ctr"/>
-                <a:endParaRPr lang="en-US" sz="2000"/>
-              </a:p>
-            </p:txBody>
-          </p:sp>
-          <p:grpSp>
-            <p:nvGrpSpPr>
-              <p:cNvPr id="6" name="Grup 5"/>
-              <p:cNvGrpSpPr/>
-              <p:nvPr/>
-            </p:nvGrpSpPr>
-            <p:grpSpPr>
-              <a:xfrm>
-                <a:off x="211667" y="6019800"/>
-                <a:ext cx="5012266" cy="605115"/>
-                <a:chOff x="211667" y="6019800"/>
-                <a:chExt cx="5012266" cy="605115"/>
-              </a:xfrm>
-            </p:grpSpPr>
-            <p:pic>
-              <p:nvPicPr>
-                <p:cNvPr id="4" name="Resim 3"/>
-                <p:cNvPicPr>
-                  <a:picLocks noChangeAspect="1"/>
-                </p:cNvPicPr>
-                <p:nvPr/>
-              </p:nvPicPr>
-              <p:blipFill rotWithShape="1">
-                <a:blip r:embed="rId2" cstate="print">
-                  <a:extLst>
-                    <a:ext uri="{28A0092B-C50C-407E-A947-70E740481C1C}">
-                      <a14:useLocalDpi xmlns:a14="http://schemas.microsoft.com/office/drawing/2010/main" val="0"/>
-                    </a:ext>
-                  </a:extLst>
-                </a:blip>
-                <a:srcRect l="24387" t="8319" r="18355" b="50150"/>
-                <a:stretch/>
-              </p:blipFill>
-              <p:spPr>
-                <a:xfrm>
-                  <a:off x="211667" y="6019800"/>
-                  <a:ext cx="1072095" cy="600892"/>
-                </a:xfrm>
-                <a:prstGeom prst="rect">
-                  <a:avLst/>
-                </a:prstGeom>
-              </p:spPr>
-            </p:pic>
-            <p:sp>
-              <p:nvSpPr>
-                <p:cNvPr id="5" name="Unvan 1"/>
-                <p:cNvSpPr txBox="1">
-                  <a:spLocks/>
-                </p:cNvSpPr>
-                <p:nvPr/>
-              </p:nvSpPr>
-              <p:spPr>
-                <a:xfrm>
-                  <a:off x="1283763" y="6024023"/>
-                  <a:ext cx="3940170" cy="600892"/>
-                </a:xfrm>
-                <a:prstGeom prst="rect">
-                  <a:avLst/>
-                </a:prstGeom>
-              </p:spPr>
-              <p:txBody>
-                <a:bodyPr vert="horz" lIns="91440" tIns="45720" rIns="91440" bIns="45720" rtlCol="0" anchor="b">
-                  <a:noAutofit/>
-                </a:bodyPr>
-                <a:lstStyle>
-                  <a:lvl1pPr algn="ctr" defTabSz="914400" rtl="0" eaLnBrk="1" latinLnBrk="0" hangingPunct="1">
-                    <a:lnSpc>
-                      <a:spcPct val="90000"/>
-                    </a:lnSpc>
-                    <a:spcBef>
-                      <a:spcPct val="0"/>
-                    </a:spcBef>
-                    <a:buNone/>
-                    <a:defRPr sz="6000" kern="1200">
-                      <a:solidFill>
-                        <a:schemeClr val="tx1"/>
-                      </a:solidFill>
-                      <a:latin typeface="+mj-lt"/>
-                      <a:ea typeface="+mj-ea"/>
-                      <a:cs typeface="+mj-cs"/>
-                    </a:defRPr>
-                  </a:lvl1pPr>
-                </a:lstStyle>
-                <a:p>
-                  <a:pPr algn="l"/>
-                  <a:r>
-                    <a:rPr lang="tr-TR" sz="2000" dirty="0" smtClean="0">
-                      <a:solidFill>
-                        <a:srgbClr val="CB171F"/>
-                      </a:solidFill>
-                      <a:latin typeface="Constantia" panose="02030602050306030303" pitchFamily="18" charset="0"/>
-                      <a:ea typeface="Verdana" panose="020B0604030504040204" pitchFamily="34" charset="0"/>
-                      <a:cs typeface="Arial" panose="020B0604020202020204" pitchFamily="34" charset="0"/>
-                    </a:rPr>
-                    <a:t>Veri Bilimi Okulu</a:t>
-                  </a:r>
-                  <a:endParaRPr lang="en-US" sz="2000" dirty="0">
-                    <a:solidFill>
-                      <a:srgbClr val="CB171F"/>
-                    </a:solidFill>
-                    <a:latin typeface="Constantia" panose="02030602050306030303" pitchFamily="18" charset="0"/>
-                    <a:ea typeface="Verdana" panose="020B0604030504040204" pitchFamily="34" charset="0"/>
-                    <a:cs typeface="Arial" panose="020B0604020202020204" pitchFamily="34" charset="0"/>
-                  </a:endParaRPr>
-                </a:p>
-              </p:txBody>
-            </p:sp>
-          </p:grpSp>
-        </p:grpSp>
-        <p:sp>
-          <p:nvSpPr>
-            <p:cNvPr id="12" name="Metin kutusu 11"/>
-            <p:cNvSpPr txBox="1"/>
-            <p:nvPr/>
-          </p:nvSpPr>
-          <p:spPr>
-            <a:xfrm>
-              <a:off x="1582782" y="6493211"/>
-              <a:ext cx="1687468" cy="230832"/>
-            </a:xfrm>
-            <a:prstGeom prst="rect">
-              <a:avLst/>
-            </a:prstGeom>
-            <a:noFill/>
-          </p:spPr>
-          <p:txBody>
-            <a:bodyPr wrap="square" rtlCol="0">
-              <a:spAutoFit/>
-            </a:bodyPr>
-            <a:lstStyle/>
-            <a:p>
-              <a:r>
-                <a:rPr lang="en-US" sz="900" dirty="0" smtClean="0">
-                  <a:solidFill>
-                    <a:srgbClr val="0B8043"/>
-                  </a:solidFill>
-                </a:rPr>
-                <a:t>https:</a:t>
-              </a:r>
-              <a:r>
-                <a:rPr lang="en-US" sz="900" dirty="0" smtClean="0">
-                  <a:solidFill>
-                    <a:schemeClr val="bg1">
-                      <a:lumMod val="50000"/>
-                    </a:schemeClr>
-                  </a:solidFill>
-                </a:rPr>
-                <a:t>//www.veribilimi.co</a:t>
-              </a:r>
-              <a:endParaRPr lang="en-US" sz="900" dirty="0">
-                <a:solidFill>
-                  <a:schemeClr val="bg1">
-                    <a:lumMod val="50000"/>
-                  </a:schemeClr>
-                </a:solidFill>
-              </a:endParaRPr>
-            </a:p>
-          </p:txBody>
-        </p:sp>
-      </p:grpSp>
-      <p:grpSp>
-        <p:nvGrpSpPr>
-          <p:cNvPr id="11" name="Grup 10"/>
-          <p:cNvGrpSpPr/>
-          <p:nvPr/>
-        </p:nvGrpSpPr>
-        <p:grpSpPr>
-          <a:xfrm>
-            <a:off x="9194796" y="6231467"/>
-            <a:ext cx="2802471" cy="457084"/>
-            <a:chOff x="184993" y="5905369"/>
-            <a:chExt cx="5156200" cy="838200"/>
-          </a:xfrm>
-        </p:grpSpPr>
-        <p:sp>
-          <p:nvSpPr>
-            <p:cNvPr id="13" name="Dikdörtgen 12"/>
-            <p:cNvSpPr/>
-            <p:nvPr/>
-          </p:nvSpPr>
-          <p:spPr>
-            <a:xfrm>
-              <a:off x="184993" y="5905369"/>
-              <a:ext cx="5156200" cy="838200"/>
-            </a:xfrm>
-            <a:prstGeom prst="rect">
-              <a:avLst/>
-            </a:prstGeom>
-            <a:solidFill>
-              <a:schemeClr val="bg1">
-                <a:lumMod val="95000"/>
-              </a:schemeClr>
-            </a:solidFill>
-            <a:ln>
-              <a:noFill/>
-            </a:ln>
-          </p:spPr>
-          <p:style>
-            <a:lnRef idx="2">
-              <a:schemeClr val="accent1">
-                <a:shade val="50000"/>
-              </a:schemeClr>
-            </a:lnRef>
-            <a:fillRef idx="1">
-              <a:schemeClr val="accent1"/>
-            </a:fillRef>
-            <a:effectRef idx="0">
-              <a:schemeClr val="accent1"/>
-            </a:effectRef>
-            <a:fontRef idx="minor">
-              <a:schemeClr val="lt1"/>
-            </a:fontRef>
-          </p:style>
-          <p:txBody>
-            <a:bodyPr rtlCol="0" anchor="ctr"/>
-            <a:lstStyle/>
-            <a:p>
-              <a:pPr algn="ctr"/>
-              <a:endParaRPr lang="en-US" sz="2000"/>
-            </a:p>
-          </p:txBody>
-        </p:sp>
-        <p:sp>
-          <p:nvSpPr>
-            <p:cNvPr id="14" name="Unvan 1"/>
-            <p:cNvSpPr txBox="1">
-              <a:spLocks/>
-            </p:cNvSpPr>
-            <p:nvPr/>
-          </p:nvSpPr>
-          <p:spPr>
-            <a:xfrm>
-              <a:off x="302252" y="6024023"/>
-              <a:ext cx="4921678" cy="600892"/>
-            </a:xfrm>
-            <a:prstGeom prst="rect">
-              <a:avLst/>
-            </a:prstGeom>
-          </p:spPr>
-          <p:txBody>
-            <a:bodyPr vert="horz" lIns="91440" tIns="45720" rIns="91440" bIns="45720" rtlCol="0" anchor="b">
-              <a:noAutofit/>
-            </a:bodyPr>
-            <a:lstStyle>
-              <a:lvl1pPr algn="ctr" defTabSz="914400" rtl="0" eaLnBrk="1" latinLnBrk="0" hangingPunct="1">
-                <a:lnSpc>
-                  <a:spcPct val="90000"/>
-                </a:lnSpc>
-                <a:spcBef>
-                  <a:spcPct val="0"/>
-                </a:spcBef>
-                <a:buNone/>
-                <a:defRPr sz="6000" kern="1200">
-                  <a:solidFill>
-                    <a:schemeClr val="tx1"/>
-                  </a:solidFill>
-                  <a:latin typeface="+mj-lt"/>
-                  <a:ea typeface="+mj-ea"/>
-                  <a:cs typeface="+mj-cs"/>
-                </a:defRPr>
-              </a:lvl1pPr>
-            </a:lstStyle>
-            <a:p>
-              <a:pPr algn="l"/>
-              <a:r>
-                <a:rPr lang="tr-TR" sz="2000" dirty="0">
-                  <a:solidFill>
-                    <a:srgbClr val="CB171F"/>
-                  </a:solidFill>
-                  <a:latin typeface="Constantia" panose="02030602050306030303" pitchFamily="18" charset="0"/>
-                  <a:ea typeface="Verdana" panose="020B0604030504040204" pitchFamily="34" charset="0"/>
-                  <a:cs typeface="Arial" panose="020B0604020202020204" pitchFamily="34" charset="0"/>
-                </a:rPr>
-                <a:t>A’dan Z’ye Büyük Veri</a:t>
-              </a:r>
-              <a:endParaRPr lang="en-US" sz="2000" dirty="0">
-                <a:solidFill>
-                  <a:srgbClr val="CB171F"/>
-                </a:solidFill>
-                <a:latin typeface="Constantia" panose="02030602050306030303" pitchFamily="18" charset="0"/>
-                <a:ea typeface="Verdana" panose="020B0604030504040204" pitchFamily="34" charset="0"/>
-                <a:cs typeface="Arial" panose="020B0604020202020204" pitchFamily="34" charset="0"/>
-              </a:endParaRPr>
-            </a:p>
-          </p:txBody>
-        </p:sp>
-      </p:grpSp>
       <p:sp>
         <p:nvSpPr>
           <p:cNvPr id="39" name="Unvan 1"/>
@@ -19915,7 +15778,7 @@
           <p:nvPr/>
         </p:nvPicPr>
         <p:blipFill>
-          <a:blip r:embed="rId3">
+          <a:blip r:embed="rId2">
             <a:extLst>
               <a:ext uri="{28A0092B-C50C-407E-A947-70E740481C1C}">
                 <a14:useLocalDpi xmlns:a14="http://schemas.microsoft.com/office/drawing/2010/main" val="0"/>
@@ -19965,7 +15828,7 @@
             <a:r>
               <a:rPr lang="tr-TR" sz="1200" dirty="0">
                 <a:latin typeface="Roboto"/>
-                <a:hlinkClick r:id="rId4"/>
+                <a:hlinkClick r:id="rId3"/>
               </a:rPr>
               <a:t>https://www.youtube.com/watch?v=QcLJvSxa_OA&amp;t=14s</a:t>
             </a:r>
@@ -19985,13 +15848,6 @@
   <p:clrMapOvr>
     <a:masterClrMapping/>
   </p:clrMapOvr>
-  <p:timing>
-    <p:tnLst>
-      <p:par>
-        <p:cTn id="1" dur="indefinite" restart="never" nodeType="tmRoot"/>
-      </p:par>
-    </p:tnLst>
-  </p:timing>
 </p:sld>
 </file>
 
@@ -20049,369 +15905,6 @@
           </a:fontRef>
         </p:style>
       </p:cxnSp>
-      <p:grpSp>
-        <p:nvGrpSpPr>
-          <p:cNvPr id="15" name="Grup 14"/>
-          <p:cNvGrpSpPr/>
-          <p:nvPr/>
-        </p:nvGrpSpPr>
-        <p:grpSpPr>
-          <a:xfrm>
-            <a:off x="228596" y="6231467"/>
-            <a:ext cx="3041654" cy="492576"/>
-            <a:chOff x="228596" y="6231467"/>
-            <a:chExt cx="3041654" cy="492576"/>
-          </a:xfrm>
-        </p:grpSpPr>
-        <p:grpSp>
-          <p:nvGrpSpPr>
-            <p:cNvPr id="8" name="Grup 7"/>
-            <p:cNvGrpSpPr/>
-            <p:nvPr/>
-          </p:nvGrpSpPr>
-          <p:grpSpPr>
-            <a:xfrm>
-              <a:off x="228596" y="6231467"/>
-              <a:ext cx="2802471" cy="457084"/>
-              <a:chOff x="127000" y="5901146"/>
-              <a:chExt cx="5156200" cy="838200"/>
-            </a:xfrm>
-          </p:grpSpPr>
-          <p:sp>
-            <p:nvSpPr>
-              <p:cNvPr id="7" name="Dikdörtgen 6"/>
-              <p:cNvSpPr/>
-              <p:nvPr/>
-            </p:nvSpPr>
-            <p:spPr>
-              <a:xfrm>
-                <a:off x="127000" y="5901146"/>
-                <a:ext cx="5156200" cy="838200"/>
-              </a:xfrm>
-              <a:prstGeom prst="rect">
-                <a:avLst/>
-              </a:prstGeom>
-              <a:solidFill>
-                <a:schemeClr val="bg1">
-                  <a:lumMod val="95000"/>
-                </a:schemeClr>
-              </a:solidFill>
-              <a:ln>
-                <a:noFill/>
-              </a:ln>
-            </p:spPr>
-            <p:style>
-              <a:lnRef idx="2">
-                <a:schemeClr val="accent1">
-                  <a:shade val="50000"/>
-                </a:schemeClr>
-              </a:lnRef>
-              <a:fillRef idx="1">
-                <a:schemeClr val="accent1"/>
-              </a:fillRef>
-              <a:effectRef idx="0">
-                <a:schemeClr val="accent1"/>
-              </a:effectRef>
-              <a:fontRef idx="minor">
-                <a:schemeClr val="lt1"/>
-              </a:fontRef>
-            </p:style>
-            <p:txBody>
-              <a:bodyPr rtlCol="0" anchor="ctr"/>
-              <a:lstStyle/>
-              <a:p>
-                <a:pPr algn="ctr"/>
-                <a:endParaRPr lang="en-US" sz="2000"/>
-              </a:p>
-            </p:txBody>
-          </p:sp>
-          <p:grpSp>
-            <p:nvGrpSpPr>
-              <p:cNvPr id="6" name="Grup 5"/>
-              <p:cNvGrpSpPr/>
-              <p:nvPr/>
-            </p:nvGrpSpPr>
-            <p:grpSpPr>
-              <a:xfrm>
-                <a:off x="211667" y="6019800"/>
-                <a:ext cx="5012266" cy="605115"/>
-                <a:chOff x="211667" y="6019800"/>
-                <a:chExt cx="5012266" cy="605115"/>
-              </a:xfrm>
-            </p:grpSpPr>
-            <p:pic>
-              <p:nvPicPr>
-                <p:cNvPr id="4" name="Resim 3"/>
-                <p:cNvPicPr>
-                  <a:picLocks noChangeAspect="1"/>
-                </p:cNvPicPr>
-                <p:nvPr/>
-              </p:nvPicPr>
-              <p:blipFill rotWithShape="1">
-                <a:blip r:embed="rId2" cstate="print">
-                  <a:extLst>
-                    <a:ext uri="{28A0092B-C50C-407E-A947-70E740481C1C}">
-                      <a14:useLocalDpi xmlns:a14="http://schemas.microsoft.com/office/drawing/2010/main" val="0"/>
-                    </a:ext>
-                  </a:extLst>
-                </a:blip>
-                <a:srcRect l="24387" t="8319" r="18355" b="50150"/>
-                <a:stretch/>
-              </p:blipFill>
-              <p:spPr>
-                <a:xfrm>
-                  <a:off x="211667" y="6019800"/>
-                  <a:ext cx="1072095" cy="600892"/>
-                </a:xfrm>
-                <a:prstGeom prst="rect">
-                  <a:avLst/>
-                </a:prstGeom>
-              </p:spPr>
-            </p:pic>
-            <p:sp>
-              <p:nvSpPr>
-                <p:cNvPr id="5" name="Unvan 1"/>
-                <p:cNvSpPr txBox="1">
-                  <a:spLocks/>
-                </p:cNvSpPr>
-                <p:nvPr/>
-              </p:nvSpPr>
-              <p:spPr>
-                <a:xfrm>
-                  <a:off x="1283763" y="6024023"/>
-                  <a:ext cx="3940170" cy="600892"/>
-                </a:xfrm>
-                <a:prstGeom prst="rect">
-                  <a:avLst/>
-                </a:prstGeom>
-              </p:spPr>
-              <p:txBody>
-                <a:bodyPr vert="horz" lIns="91440" tIns="45720" rIns="91440" bIns="45720" rtlCol="0" anchor="b">
-                  <a:noAutofit/>
-                </a:bodyPr>
-                <a:lstStyle>
-                  <a:lvl1pPr algn="ctr" defTabSz="914400" rtl="0" eaLnBrk="1" latinLnBrk="0" hangingPunct="1">
-                    <a:lnSpc>
-                      <a:spcPct val="90000"/>
-                    </a:lnSpc>
-                    <a:spcBef>
-                      <a:spcPct val="0"/>
-                    </a:spcBef>
-                    <a:buNone/>
-                    <a:defRPr sz="6000" kern="1200">
-                      <a:solidFill>
-                        <a:schemeClr val="tx1"/>
-                      </a:solidFill>
-                      <a:latin typeface="+mj-lt"/>
-                      <a:ea typeface="+mj-ea"/>
-                      <a:cs typeface="+mj-cs"/>
-                    </a:defRPr>
-                  </a:lvl1pPr>
-                </a:lstStyle>
-                <a:p>
-                  <a:pPr algn="l"/>
-                  <a:r>
-                    <a:rPr lang="tr-TR" sz="2000" dirty="0" smtClean="0">
-                      <a:solidFill>
-                        <a:srgbClr val="CB171F"/>
-                      </a:solidFill>
-                      <a:latin typeface="Constantia" panose="02030602050306030303" pitchFamily="18" charset="0"/>
-                      <a:ea typeface="Verdana" panose="020B0604030504040204" pitchFamily="34" charset="0"/>
-                      <a:cs typeface="Arial" panose="020B0604020202020204" pitchFamily="34" charset="0"/>
-                    </a:rPr>
-                    <a:t>Veri Bilimi Okulu</a:t>
-                  </a:r>
-                  <a:endParaRPr lang="en-US" sz="2000" dirty="0">
-                    <a:solidFill>
-                      <a:srgbClr val="CB171F"/>
-                    </a:solidFill>
-                    <a:latin typeface="Constantia" panose="02030602050306030303" pitchFamily="18" charset="0"/>
-                    <a:ea typeface="Verdana" panose="020B0604030504040204" pitchFamily="34" charset="0"/>
-                    <a:cs typeface="Arial" panose="020B0604020202020204" pitchFamily="34" charset="0"/>
-                  </a:endParaRPr>
-                </a:p>
-              </p:txBody>
-            </p:sp>
-          </p:grpSp>
-        </p:grpSp>
-        <p:sp>
-          <p:nvSpPr>
-            <p:cNvPr id="12" name="Metin kutusu 11"/>
-            <p:cNvSpPr txBox="1"/>
-            <p:nvPr/>
-          </p:nvSpPr>
-          <p:spPr>
-            <a:xfrm>
-              <a:off x="1582782" y="6493211"/>
-              <a:ext cx="1687468" cy="230832"/>
-            </a:xfrm>
-            <a:prstGeom prst="rect">
-              <a:avLst/>
-            </a:prstGeom>
-            <a:noFill/>
-          </p:spPr>
-          <p:txBody>
-            <a:bodyPr wrap="square" rtlCol="0">
-              <a:spAutoFit/>
-            </a:bodyPr>
-            <a:lstStyle/>
-            <a:p>
-              <a:r>
-                <a:rPr lang="en-US" sz="900" dirty="0" smtClean="0">
-                  <a:solidFill>
-                    <a:srgbClr val="0B8043"/>
-                  </a:solidFill>
-                </a:rPr>
-                <a:t>https:</a:t>
-              </a:r>
-              <a:r>
-                <a:rPr lang="en-US" sz="900" dirty="0" smtClean="0">
-                  <a:solidFill>
-                    <a:schemeClr val="bg1">
-                      <a:lumMod val="50000"/>
-                    </a:schemeClr>
-                  </a:solidFill>
-                </a:rPr>
-                <a:t>//www.veribilimi.co</a:t>
-              </a:r>
-              <a:endParaRPr lang="en-US" sz="900" dirty="0">
-                <a:solidFill>
-                  <a:schemeClr val="bg1">
-                    <a:lumMod val="50000"/>
-                  </a:schemeClr>
-                </a:solidFill>
-              </a:endParaRPr>
-            </a:p>
-          </p:txBody>
-        </p:sp>
-      </p:grpSp>
-      <p:grpSp>
-        <p:nvGrpSpPr>
-          <p:cNvPr id="11" name="Grup 10"/>
-          <p:cNvGrpSpPr/>
-          <p:nvPr/>
-        </p:nvGrpSpPr>
-        <p:grpSpPr>
-          <a:xfrm>
-            <a:off x="9194796" y="6231467"/>
-            <a:ext cx="2802471" cy="457084"/>
-            <a:chOff x="184993" y="5905369"/>
-            <a:chExt cx="5156200" cy="838200"/>
-          </a:xfrm>
-        </p:grpSpPr>
-        <p:sp>
-          <p:nvSpPr>
-            <p:cNvPr id="13" name="Dikdörtgen 12"/>
-            <p:cNvSpPr/>
-            <p:nvPr/>
-          </p:nvSpPr>
-          <p:spPr>
-            <a:xfrm>
-              <a:off x="184993" y="5905369"/>
-              <a:ext cx="5156200" cy="838200"/>
-            </a:xfrm>
-            <a:prstGeom prst="rect">
-              <a:avLst/>
-            </a:prstGeom>
-            <a:solidFill>
-              <a:schemeClr val="bg1">
-                <a:lumMod val="95000"/>
-              </a:schemeClr>
-            </a:solidFill>
-            <a:ln>
-              <a:noFill/>
-            </a:ln>
-          </p:spPr>
-          <p:style>
-            <a:lnRef idx="2">
-              <a:schemeClr val="accent1">
-                <a:shade val="50000"/>
-              </a:schemeClr>
-            </a:lnRef>
-            <a:fillRef idx="1">
-              <a:schemeClr val="accent1"/>
-            </a:fillRef>
-            <a:effectRef idx="0">
-              <a:schemeClr val="accent1"/>
-            </a:effectRef>
-            <a:fontRef idx="minor">
-              <a:schemeClr val="lt1"/>
-            </a:fontRef>
-          </p:style>
-          <p:txBody>
-            <a:bodyPr rtlCol="0" anchor="ctr"/>
-            <a:lstStyle/>
-            <a:p>
-              <a:pPr algn="ctr"/>
-              <a:endParaRPr lang="en-US" sz="2000"/>
-            </a:p>
-          </p:txBody>
-        </p:sp>
-        <p:sp>
-          <p:nvSpPr>
-            <p:cNvPr id="14" name="Unvan 1"/>
-            <p:cNvSpPr txBox="1">
-              <a:spLocks/>
-            </p:cNvSpPr>
-            <p:nvPr/>
-          </p:nvSpPr>
-          <p:spPr>
-            <a:xfrm>
-              <a:off x="302252" y="6024023"/>
-              <a:ext cx="4921678" cy="600892"/>
-            </a:xfrm>
-            <a:prstGeom prst="rect">
-              <a:avLst/>
-            </a:prstGeom>
-          </p:spPr>
-          <p:txBody>
-            <a:bodyPr vert="horz" lIns="91440" tIns="45720" rIns="91440" bIns="45720" rtlCol="0" anchor="b">
-              <a:noAutofit/>
-            </a:bodyPr>
-            <a:lstStyle>
-              <a:lvl1pPr algn="ctr" defTabSz="914400" rtl="0" eaLnBrk="1" latinLnBrk="0" hangingPunct="1">
-                <a:lnSpc>
-                  <a:spcPct val="90000"/>
-                </a:lnSpc>
-                <a:spcBef>
-                  <a:spcPct val="0"/>
-                </a:spcBef>
-                <a:buNone/>
-                <a:defRPr sz="6000" kern="1200">
-                  <a:solidFill>
-                    <a:schemeClr val="tx1"/>
-                  </a:solidFill>
-                  <a:latin typeface="+mj-lt"/>
-                  <a:ea typeface="+mj-ea"/>
-                  <a:cs typeface="+mj-cs"/>
-                </a:defRPr>
-              </a:lvl1pPr>
-            </a:lstStyle>
-            <a:p>
-              <a:pPr algn="l"/>
-              <a:r>
-                <a:rPr lang="tr-TR" sz="2000" dirty="0">
-                  <a:solidFill>
-                    <a:srgbClr val="CB171F"/>
-                  </a:solidFill>
-                  <a:latin typeface="Constantia" panose="02030602050306030303" pitchFamily="18" charset="0"/>
-                  <a:ea typeface="Verdana" panose="020B0604030504040204" pitchFamily="34" charset="0"/>
-                  <a:cs typeface="Arial" panose="020B0604020202020204" pitchFamily="34" charset="0"/>
-                </a:rPr>
-                <a:t>A’dan Z’ye Büyük Veri</a:t>
-              </a:r>
-              <a:endParaRPr lang="en-US" sz="2000" dirty="0">
-                <a:solidFill>
-                  <a:srgbClr val="CB171F"/>
-                </a:solidFill>
-                <a:latin typeface="Constantia" panose="02030602050306030303" pitchFamily="18" charset="0"/>
-                <a:ea typeface="Verdana" panose="020B0604030504040204" pitchFamily="34" charset="0"/>
-                <a:cs typeface="Arial" panose="020B0604020202020204" pitchFamily="34" charset="0"/>
-              </a:endParaRPr>
-            </a:p>
-          </p:txBody>
-        </p:sp>
-      </p:grpSp>
       <p:sp>
         <p:nvSpPr>
           <p:cNvPr id="16" name="Unvan 1"/>
@@ -20435,7 +15928,7 @@
           <a:lstStyle/>
           <a:p>
             <a:r>
-              <a:rPr lang="tr-TR" sz="3600" b="1" dirty="0" smtClean="0">
+              <a:rPr lang="tr-TR" sz="3600" b="1" dirty="0">
                 <a:solidFill>
                   <a:srgbClr val="CD1F26"/>
                 </a:solidFill>
@@ -20520,7 +16013,7 @@
           <p:nvPr/>
         </p:nvPicPr>
         <p:blipFill>
-          <a:blip r:embed="rId3">
+          <a:blip r:embed="rId2">
             <a:extLst>
               <a:ext uri="{28A0092B-C50C-407E-A947-70E740481C1C}">
                 <a14:useLocalDpi xmlns:a14="http://schemas.microsoft.com/office/drawing/2010/main" val="0"/>
@@ -20579,13 +16072,6 @@
   <p:clrMapOvr>
     <a:masterClrMapping/>
   </p:clrMapOvr>
-  <p:timing>
-    <p:tnLst>
-      <p:par>
-        <p:cTn id="1" dur="indefinite" restart="never" nodeType="tmRoot"/>
-      </p:par>
-    </p:tnLst>
-  </p:timing>
 </p:sld>
 </file>
 
@@ -20643,369 +16129,6 @@
           </a:fontRef>
         </p:style>
       </p:cxnSp>
-      <p:grpSp>
-        <p:nvGrpSpPr>
-          <p:cNvPr id="15" name="Grup 14"/>
-          <p:cNvGrpSpPr/>
-          <p:nvPr/>
-        </p:nvGrpSpPr>
-        <p:grpSpPr>
-          <a:xfrm>
-            <a:off x="228596" y="6231467"/>
-            <a:ext cx="3041654" cy="492576"/>
-            <a:chOff x="228596" y="6231467"/>
-            <a:chExt cx="3041654" cy="492576"/>
-          </a:xfrm>
-        </p:grpSpPr>
-        <p:grpSp>
-          <p:nvGrpSpPr>
-            <p:cNvPr id="8" name="Grup 7"/>
-            <p:cNvGrpSpPr/>
-            <p:nvPr/>
-          </p:nvGrpSpPr>
-          <p:grpSpPr>
-            <a:xfrm>
-              <a:off x="228596" y="6231467"/>
-              <a:ext cx="2802471" cy="457084"/>
-              <a:chOff x="127000" y="5901146"/>
-              <a:chExt cx="5156200" cy="838200"/>
-            </a:xfrm>
-          </p:grpSpPr>
-          <p:sp>
-            <p:nvSpPr>
-              <p:cNvPr id="7" name="Dikdörtgen 6"/>
-              <p:cNvSpPr/>
-              <p:nvPr/>
-            </p:nvSpPr>
-            <p:spPr>
-              <a:xfrm>
-                <a:off x="127000" y="5901146"/>
-                <a:ext cx="5156200" cy="838200"/>
-              </a:xfrm>
-              <a:prstGeom prst="rect">
-                <a:avLst/>
-              </a:prstGeom>
-              <a:solidFill>
-                <a:schemeClr val="bg1">
-                  <a:lumMod val="95000"/>
-                </a:schemeClr>
-              </a:solidFill>
-              <a:ln>
-                <a:noFill/>
-              </a:ln>
-            </p:spPr>
-            <p:style>
-              <a:lnRef idx="2">
-                <a:schemeClr val="accent1">
-                  <a:shade val="50000"/>
-                </a:schemeClr>
-              </a:lnRef>
-              <a:fillRef idx="1">
-                <a:schemeClr val="accent1"/>
-              </a:fillRef>
-              <a:effectRef idx="0">
-                <a:schemeClr val="accent1"/>
-              </a:effectRef>
-              <a:fontRef idx="minor">
-                <a:schemeClr val="lt1"/>
-              </a:fontRef>
-            </p:style>
-            <p:txBody>
-              <a:bodyPr rtlCol="0" anchor="ctr"/>
-              <a:lstStyle/>
-              <a:p>
-                <a:pPr algn="ctr"/>
-                <a:endParaRPr lang="en-US" sz="2000"/>
-              </a:p>
-            </p:txBody>
-          </p:sp>
-          <p:grpSp>
-            <p:nvGrpSpPr>
-              <p:cNvPr id="6" name="Grup 5"/>
-              <p:cNvGrpSpPr/>
-              <p:nvPr/>
-            </p:nvGrpSpPr>
-            <p:grpSpPr>
-              <a:xfrm>
-                <a:off x="211667" y="6019800"/>
-                <a:ext cx="5012266" cy="605115"/>
-                <a:chOff x="211667" y="6019800"/>
-                <a:chExt cx="5012266" cy="605115"/>
-              </a:xfrm>
-            </p:grpSpPr>
-            <p:pic>
-              <p:nvPicPr>
-                <p:cNvPr id="4" name="Resim 3"/>
-                <p:cNvPicPr>
-                  <a:picLocks noChangeAspect="1"/>
-                </p:cNvPicPr>
-                <p:nvPr/>
-              </p:nvPicPr>
-              <p:blipFill rotWithShape="1">
-                <a:blip r:embed="rId2" cstate="print">
-                  <a:extLst>
-                    <a:ext uri="{28A0092B-C50C-407E-A947-70E740481C1C}">
-                      <a14:useLocalDpi xmlns:a14="http://schemas.microsoft.com/office/drawing/2010/main" val="0"/>
-                    </a:ext>
-                  </a:extLst>
-                </a:blip>
-                <a:srcRect l="24387" t="8319" r="18355" b="50150"/>
-                <a:stretch/>
-              </p:blipFill>
-              <p:spPr>
-                <a:xfrm>
-                  <a:off x="211667" y="6019800"/>
-                  <a:ext cx="1072095" cy="600892"/>
-                </a:xfrm>
-                <a:prstGeom prst="rect">
-                  <a:avLst/>
-                </a:prstGeom>
-              </p:spPr>
-            </p:pic>
-            <p:sp>
-              <p:nvSpPr>
-                <p:cNvPr id="5" name="Unvan 1"/>
-                <p:cNvSpPr txBox="1">
-                  <a:spLocks/>
-                </p:cNvSpPr>
-                <p:nvPr/>
-              </p:nvSpPr>
-              <p:spPr>
-                <a:xfrm>
-                  <a:off x="1283763" y="6024023"/>
-                  <a:ext cx="3940170" cy="600892"/>
-                </a:xfrm>
-                <a:prstGeom prst="rect">
-                  <a:avLst/>
-                </a:prstGeom>
-              </p:spPr>
-              <p:txBody>
-                <a:bodyPr vert="horz" lIns="91440" tIns="45720" rIns="91440" bIns="45720" rtlCol="0" anchor="b">
-                  <a:noAutofit/>
-                </a:bodyPr>
-                <a:lstStyle>
-                  <a:lvl1pPr algn="ctr" defTabSz="914400" rtl="0" eaLnBrk="1" latinLnBrk="0" hangingPunct="1">
-                    <a:lnSpc>
-                      <a:spcPct val="90000"/>
-                    </a:lnSpc>
-                    <a:spcBef>
-                      <a:spcPct val="0"/>
-                    </a:spcBef>
-                    <a:buNone/>
-                    <a:defRPr sz="6000" kern="1200">
-                      <a:solidFill>
-                        <a:schemeClr val="tx1"/>
-                      </a:solidFill>
-                      <a:latin typeface="+mj-lt"/>
-                      <a:ea typeface="+mj-ea"/>
-                      <a:cs typeface="+mj-cs"/>
-                    </a:defRPr>
-                  </a:lvl1pPr>
-                </a:lstStyle>
-                <a:p>
-                  <a:pPr algn="l"/>
-                  <a:r>
-                    <a:rPr lang="tr-TR" sz="2000" dirty="0" smtClean="0">
-                      <a:solidFill>
-                        <a:srgbClr val="CB171F"/>
-                      </a:solidFill>
-                      <a:latin typeface="Constantia" panose="02030602050306030303" pitchFamily="18" charset="0"/>
-                      <a:ea typeface="Verdana" panose="020B0604030504040204" pitchFamily="34" charset="0"/>
-                      <a:cs typeface="Arial" panose="020B0604020202020204" pitchFamily="34" charset="0"/>
-                    </a:rPr>
-                    <a:t>Veri Bilimi Okulu</a:t>
-                  </a:r>
-                  <a:endParaRPr lang="en-US" sz="2000" dirty="0">
-                    <a:solidFill>
-                      <a:srgbClr val="CB171F"/>
-                    </a:solidFill>
-                    <a:latin typeface="Constantia" panose="02030602050306030303" pitchFamily="18" charset="0"/>
-                    <a:ea typeface="Verdana" panose="020B0604030504040204" pitchFamily="34" charset="0"/>
-                    <a:cs typeface="Arial" panose="020B0604020202020204" pitchFamily="34" charset="0"/>
-                  </a:endParaRPr>
-                </a:p>
-              </p:txBody>
-            </p:sp>
-          </p:grpSp>
-        </p:grpSp>
-        <p:sp>
-          <p:nvSpPr>
-            <p:cNvPr id="12" name="Metin kutusu 11"/>
-            <p:cNvSpPr txBox="1"/>
-            <p:nvPr/>
-          </p:nvSpPr>
-          <p:spPr>
-            <a:xfrm>
-              <a:off x="1582782" y="6493211"/>
-              <a:ext cx="1687468" cy="230832"/>
-            </a:xfrm>
-            <a:prstGeom prst="rect">
-              <a:avLst/>
-            </a:prstGeom>
-            <a:noFill/>
-          </p:spPr>
-          <p:txBody>
-            <a:bodyPr wrap="square" rtlCol="0">
-              <a:spAutoFit/>
-            </a:bodyPr>
-            <a:lstStyle/>
-            <a:p>
-              <a:r>
-                <a:rPr lang="en-US" sz="900" dirty="0" smtClean="0">
-                  <a:solidFill>
-                    <a:srgbClr val="0B8043"/>
-                  </a:solidFill>
-                </a:rPr>
-                <a:t>https:</a:t>
-              </a:r>
-              <a:r>
-                <a:rPr lang="en-US" sz="900" dirty="0" smtClean="0">
-                  <a:solidFill>
-                    <a:schemeClr val="bg1">
-                      <a:lumMod val="50000"/>
-                    </a:schemeClr>
-                  </a:solidFill>
-                </a:rPr>
-                <a:t>//www.veribilimi.co</a:t>
-              </a:r>
-              <a:endParaRPr lang="en-US" sz="900" dirty="0">
-                <a:solidFill>
-                  <a:schemeClr val="bg1">
-                    <a:lumMod val="50000"/>
-                  </a:schemeClr>
-                </a:solidFill>
-              </a:endParaRPr>
-            </a:p>
-          </p:txBody>
-        </p:sp>
-      </p:grpSp>
-      <p:grpSp>
-        <p:nvGrpSpPr>
-          <p:cNvPr id="11" name="Grup 10"/>
-          <p:cNvGrpSpPr/>
-          <p:nvPr/>
-        </p:nvGrpSpPr>
-        <p:grpSpPr>
-          <a:xfrm>
-            <a:off x="9194796" y="6231467"/>
-            <a:ext cx="2802471" cy="457084"/>
-            <a:chOff x="184993" y="5905369"/>
-            <a:chExt cx="5156200" cy="838200"/>
-          </a:xfrm>
-        </p:grpSpPr>
-        <p:sp>
-          <p:nvSpPr>
-            <p:cNvPr id="13" name="Dikdörtgen 12"/>
-            <p:cNvSpPr/>
-            <p:nvPr/>
-          </p:nvSpPr>
-          <p:spPr>
-            <a:xfrm>
-              <a:off x="184993" y="5905369"/>
-              <a:ext cx="5156200" cy="838200"/>
-            </a:xfrm>
-            <a:prstGeom prst="rect">
-              <a:avLst/>
-            </a:prstGeom>
-            <a:solidFill>
-              <a:schemeClr val="bg1">
-                <a:lumMod val="95000"/>
-              </a:schemeClr>
-            </a:solidFill>
-            <a:ln>
-              <a:noFill/>
-            </a:ln>
-          </p:spPr>
-          <p:style>
-            <a:lnRef idx="2">
-              <a:schemeClr val="accent1">
-                <a:shade val="50000"/>
-              </a:schemeClr>
-            </a:lnRef>
-            <a:fillRef idx="1">
-              <a:schemeClr val="accent1"/>
-            </a:fillRef>
-            <a:effectRef idx="0">
-              <a:schemeClr val="accent1"/>
-            </a:effectRef>
-            <a:fontRef idx="minor">
-              <a:schemeClr val="lt1"/>
-            </a:fontRef>
-          </p:style>
-          <p:txBody>
-            <a:bodyPr rtlCol="0" anchor="ctr"/>
-            <a:lstStyle/>
-            <a:p>
-              <a:pPr algn="ctr"/>
-              <a:endParaRPr lang="en-US" sz="2000"/>
-            </a:p>
-          </p:txBody>
-        </p:sp>
-        <p:sp>
-          <p:nvSpPr>
-            <p:cNvPr id="14" name="Unvan 1"/>
-            <p:cNvSpPr txBox="1">
-              <a:spLocks/>
-            </p:cNvSpPr>
-            <p:nvPr/>
-          </p:nvSpPr>
-          <p:spPr>
-            <a:xfrm>
-              <a:off x="302252" y="6024023"/>
-              <a:ext cx="4921678" cy="600892"/>
-            </a:xfrm>
-            <a:prstGeom prst="rect">
-              <a:avLst/>
-            </a:prstGeom>
-          </p:spPr>
-          <p:txBody>
-            <a:bodyPr vert="horz" lIns="91440" tIns="45720" rIns="91440" bIns="45720" rtlCol="0" anchor="b">
-              <a:noAutofit/>
-            </a:bodyPr>
-            <a:lstStyle>
-              <a:lvl1pPr algn="ctr" defTabSz="914400" rtl="0" eaLnBrk="1" latinLnBrk="0" hangingPunct="1">
-                <a:lnSpc>
-                  <a:spcPct val="90000"/>
-                </a:lnSpc>
-                <a:spcBef>
-                  <a:spcPct val="0"/>
-                </a:spcBef>
-                <a:buNone/>
-                <a:defRPr sz="6000" kern="1200">
-                  <a:solidFill>
-                    <a:schemeClr val="tx1"/>
-                  </a:solidFill>
-                  <a:latin typeface="+mj-lt"/>
-                  <a:ea typeface="+mj-ea"/>
-                  <a:cs typeface="+mj-cs"/>
-                </a:defRPr>
-              </a:lvl1pPr>
-            </a:lstStyle>
-            <a:p>
-              <a:pPr algn="l"/>
-              <a:r>
-                <a:rPr lang="tr-TR" sz="2000" dirty="0">
-                  <a:solidFill>
-                    <a:srgbClr val="CB171F"/>
-                  </a:solidFill>
-                  <a:latin typeface="Constantia" panose="02030602050306030303" pitchFamily="18" charset="0"/>
-                  <a:ea typeface="Verdana" panose="020B0604030504040204" pitchFamily="34" charset="0"/>
-                  <a:cs typeface="Arial" panose="020B0604020202020204" pitchFamily="34" charset="0"/>
-                </a:rPr>
-                <a:t>A’dan Z’ye Büyük Veri</a:t>
-              </a:r>
-              <a:endParaRPr lang="en-US" sz="2000" dirty="0">
-                <a:solidFill>
-                  <a:srgbClr val="CB171F"/>
-                </a:solidFill>
-                <a:latin typeface="Constantia" panose="02030602050306030303" pitchFamily="18" charset="0"/>
-                <a:ea typeface="Verdana" panose="020B0604030504040204" pitchFamily="34" charset="0"/>
-                <a:cs typeface="Arial" panose="020B0604020202020204" pitchFamily="34" charset="0"/>
-              </a:endParaRPr>
-            </a:p>
-          </p:txBody>
-        </p:sp>
-      </p:grpSp>
       <p:sp>
         <p:nvSpPr>
           <p:cNvPr id="16" name="Unvan 1"/>
@@ -21029,7 +16152,7 @@
           <a:lstStyle/>
           <a:p>
             <a:r>
-              <a:rPr lang="tr-TR" sz="3600" b="1" dirty="0" err="1" smtClean="0">
+              <a:rPr lang="tr-TR" sz="3600" b="1" dirty="0" err="1">
                 <a:solidFill>
                   <a:srgbClr val="CD1F26"/>
                 </a:solidFill>
@@ -21079,7 +16202,7 @@
               <a:buChar char="ü"/>
             </a:pPr>
             <a:r>
-              <a:rPr lang="tr-TR" sz="2400" dirty="0" smtClean="0">
+              <a:rPr lang="tr-TR" sz="2400" dirty="0">
                 <a:solidFill>
                   <a:srgbClr val="000000"/>
                 </a:solidFill>
@@ -21097,7 +16220,7 @@
               <a:buChar char="ü"/>
             </a:pPr>
             <a:r>
-              <a:rPr lang="tr-TR" sz="2400" dirty="0" smtClean="0">
+              <a:rPr lang="tr-TR" sz="2400" dirty="0">
                 <a:solidFill>
                   <a:srgbClr val="000000"/>
                 </a:solidFill>
@@ -21106,7 +16229,7 @@
               <a:t>Sorgu cümleciklerini çözümleme (</a:t>
             </a:r>
             <a:r>
-              <a:rPr lang="tr-TR" sz="2400" dirty="0" err="1" smtClean="0">
+              <a:rPr lang="tr-TR" sz="2400" dirty="0" err="1">
                 <a:solidFill>
                   <a:srgbClr val="000000"/>
                 </a:solidFill>
@@ -21115,7 +16238,7 @@
               <a:t>parsing</a:t>
             </a:r>
             <a:r>
-              <a:rPr lang="tr-TR" sz="2400" dirty="0" smtClean="0">
+              <a:rPr lang="tr-TR" sz="2400" dirty="0">
                 <a:solidFill>
                   <a:srgbClr val="000000"/>
                 </a:solidFill>
@@ -21124,7 +16247,7 @@
               <a:t>)</a:t>
             </a:r>
             <a:r>
-              <a:rPr lang="en-US" sz="2400" dirty="0" smtClean="0">
+              <a:rPr lang="en-US" sz="2400" dirty="0">
                 <a:solidFill>
                   <a:srgbClr val="000000"/>
                 </a:solidFill>
@@ -21132,7 +16255,7 @@
               </a:rPr>
               <a:t> </a:t>
             </a:r>
-            <a:endParaRPr lang="tr-TR" sz="2400" dirty="0" smtClean="0">
+            <a:endParaRPr lang="tr-TR" sz="2400" dirty="0">
               <a:solidFill>
                 <a:srgbClr val="000000"/>
               </a:solidFill>
@@ -21148,7 +16271,7 @@
               <a:buChar char="ü"/>
             </a:pPr>
             <a:r>
-              <a:rPr lang="tr-TR" sz="2400" dirty="0" smtClean="0">
+              <a:rPr lang="tr-TR" sz="2400" dirty="0">
                 <a:solidFill>
                   <a:srgbClr val="000000"/>
                 </a:solidFill>
@@ -21157,7 +16280,7 @@
               <a:t>Sorgu planlama</a:t>
             </a:r>
             <a:r>
-              <a:rPr lang="en-US" sz="2400" dirty="0" smtClean="0">
+              <a:rPr lang="en-US" sz="2400" dirty="0">
                 <a:solidFill>
                   <a:srgbClr val="000000"/>
                 </a:solidFill>
@@ -21165,7 +16288,7 @@
               </a:rPr>
               <a:t> </a:t>
             </a:r>
-            <a:endParaRPr lang="tr-TR" sz="2400" dirty="0" smtClean="0">
+            <a:endParaRPr lang="tr-TR" sz="2400" dirty="0">
               <a:solidFill>
                 <a:srgbClr val="000000"/>
               </a:solidFill>
@@ -21181,7 +16304,7 @@
               <a:buChar char="ü"/>
             </a:pPr>
             <a:r>
-              <a:rPr lang="tr-TR" sz="2400" dirty="0" err="1" smtClean="0">
+              <a:rPr lang="tr-TR" sz="2400" dirty="0" err="1">
                 <a:solidFill>
                   <a:srgbClr val="000000"/>
                 </a:solidFill>
@@ -21190,7 +16313,7 @@
               <a:t>Worker</a:t>
             </a:r>
             <a:r>
-              <a:rPr lang="tr-TR" sz="2400" dirty="0" smtClean="0">
+              <a:rPr lang="tr-TR" sz="2400" dirty="0">
                 <a:solidFill>
                   <a:srgbClr val="000000"/>
                 </a:solidFill>
@@ -21199,7 +16322,7 @@
               <a:t> </a:t>
             </a:r>
             <a:r>
-              <a:rPr lang="tr-TR" sz="2400" dirty="0" err="1" smtClean="0">
+              <a:rPr lang="tr-TR" sz="2400" dirty="0" err="1">
                 <a:solidFill>
                   <a:srgbClr val="000000"/>
                 </a:solidFill>
@@ -21208,7 +16331,7 @@
               <a:t>node’ları</a:t>
             </a:r>
             <a:r>
-              <a:rPr lang="tr-TR" sz="2400" dirty="0" smtClean="0">
+              <a:rPr lang="tr-TR" sz="2400" dirty="0">
                 <a:solidFill>
                   <a:srgbClr val="000000"/>
                 </a:solidFill>
@@ -21216,12 +16339,6 @@
               </a:rPr>
               <a:t> yönetme</a:t>
             </a:r>
-            <a:endParaRPr lang="tr-TR" sz="2400" dirty="0" smtClean="0">
-              <a:solidFill>
-                <a:srgbClr val="000000"/>
-              </a:solidFill>
-              <a:latin typeface="Roboto"/>
-            </a:endParaRPr>
           </a:p>
           <a:p>
             <a:pPr marL="800100" lvl="1" indent="-342900">
@@ -21232,49 +16349,31 @@
               <a:buChar char="ü"/>
             </a:pPr>
             <a:r>
-              <a:rPr lang="tr-TR" sz="2400" dirty="0" smtClean="0">
+              <a:rPr lang="tr-TR" sz="2400" dirty="0">
                 <a:solidFill>
                   <a:srgbClr val="000000"/>
                 </a:solidFill>
                 <a:latin typeface="Roboto"/>
               </a:rPr>
-              <a:t>Test ortamında </a:t>
-            </a:r>
-            <a:r>
-              <a:rPr lang="tr-TR" sz="2400" dirty="0" smtClean="0">
+              <a:t>Test ortamında her iki rolü (</a:t>
+            </a:r>
+            <a:r>
+              <a:rPr lang="tr-TR" sz="2400" dirty="0" err="1">
                 <a:solidFill>
                   <a:srgbClr val="000000"/>
                 </a:solidFill>
                 <a:latin typeface="Roboto"/>
               </a:rPr>
-              <a:t>her iki rolü (</a:t>
-            </a:r>
-            <a:r>
-              <a:rPr lang="tr-TR" sz="2400" dirty="0" err="1" smtClean="0">
+              <a:t>coordinator+worker</a:t>
+            </a:r>
+            <a:r>
+              <a:rPr lang="tr-TR" sz="2400" dirty="0">
                 <a:solidFill>
                   <a:srgbClr val="000000"/>
                 </a:solidFill>
                 <a:latin typeface="Roboto"/>
               </a:rPr>
-              <a:t>coordinator+worker</a:t>
-            </a:r>
-            <a:r>
-              <a:rPr lang="tr-TR" sz="2400" dirty="0" smtClean="0">
-                <a:solidFill>
-                  <a:srgbClr val="000000"/>
-                </a:solidFill>
-                <a:latin typeface="Roboto"/>
-              </a:rPr>
-              <a:t>) </a:t>
-            </a:r>
-            <a:r>
-              <a:rPr lang="tr-TR" sz="2400" dirty="0" smtClean="0">
-                <a:solidFill>
-                  <a:srgbClr val="000000"/>
-                </a:solidFill>
-                <a:latin typeface="Roboto"/>
-              </a:rPr>
-              <a:t>üstlenebilir</a:t>
+              <a:t>) üstlenebilir</a:t>
             </a:r>
           </a:p>
           <a:p>
@@ -21286,7 +16385,7 @@
               <a:buChar char="ü"/>
             </a:pPr>
             <a:r>
-              <a:rPr lang="tr-TR" sz="2400" dirty="0" smtClean="0">
+              <a:rPr lang="tr-TR" sz="2400" dirty="0">
                 <a:solidFill>
                   <a:srgbClr val="000000"/>
                 </a:solidFill>
@@ -21295,7 +16394,7 @@
               <a:t>Client ve </a:t>
             </a:r>
             <a:r>
-              <a:rPr lang="tr-TR" sz="2400" dirty="0" err="1" smtClean="0">
+              <a:rPr lang="tr-TR" sz="2400" dirty="0" err="1">
                 <a:solidFill>
                   <a:srgbClr val="000000"/>
                 </a:solidFill>
@@ -21304,29 +16403,14 @@
               <a:t>worker’lar</a:t>
             </a:r>
             <a:r>
-              <a:rPr lang="tr-TR" sz="2400" dirty="0" smtClean="0">
+              <a:rPr lang="tr-TR" sz="2400" dirty="0">
                 <a:solidFill>
                   <a:srgbClr val="000000"/>
                 </a:solidFill>
                 <a:latin typeface="Roboto"/>
               </a:rPr>
-              <a:t> ile REST API üzerinden </a:t>
-            </a:r>
-            <a:r>
-              <a:rPr lang="tr-TR" sz="2400" dirty="0" smtClean="0">
-                <a:solidFill>
-                  <a:srgbClr val="000000"/>
-                </a:solidFill>
-                <a:latin typeface="Roboto"/>
-              </a:rPr>
-              <a:t>haberleşir</a:t>
-            </a:r>
-            <a:endParaRPr lang="tr-TR" sz="2400" dirty="0" smtClean="0">
-              <a:solidFill>
-                <a:srgbClr val="000000"/>
-              </a:solidFill>
-              <a:latin typeface="Roboto"/>
-            </a:endParaRPr>
+              <a:t> ile REST API üzerinden haberleşir</a:t>
+            </a:r>
           </a:p>
         </p:txBody>
       </p:sp>
@@ -21395,13 +16479,6 @@
   <p:clrMapOvr>
     <a:masterClrMapping/>
   </p:clrMapOvr>
-  <p:timing>
-    <p:tnLst>
-      <p:par>
-        <p:cTn id="1" dur="indefinite" restart="never" nodeType="tmRoot"/>
-      </p:par>
-    </p:tnLst>
-  </p:timing>
 </p:sld>
 </file>
 
@@ -21459,369 +16536,6 @@
           </a:fontRef>
         </p:style>
       </p:cxnSp>
-      <p:grpSp>
-        <p:nvGrpSpPr>
-          <p:cNvPr id="15" name="Grup 14"/>
-          <p:cNvGrpSpPr/>
-          <p:nvPr/>
-        </p:nvGrpSpPr>
-        <p:grpSpPr>
-          <a:xfrm>
-            <a:off x="228596" y="6231467"/>
-            <a:ext cx="3041654" cy="492576"/>
-            <a:chOff x="228596" y="6231467"/>
-            <a:chExt cx="3041654" cy="492576"/>
-          </a:xfrm>
-        </p:grpSpPr>
-        <p:grpSp>
-          <p:nvGrpSpPr>
-            <p:cNvPr id="8" name="Grup 7"/>
-            <p:cNvGrpSpPr/>
-            <p:nvPr/>
-          </p:nvGrpSpPr>
-          <p:grpSpPr>
-            <a:xfrm>
-              <a:off x="228596" y="6231467"/>
-              <a:ext cx="2802471" cy="457084"/>
-              <a:chOff x="127000" y="5901146"/>
-              <a:chExt cx="5156200" cy="838200"/>
-            </a:xfrm>
-          </p:grpSpPr>
-          <p:sp>
-            <p:nvSpPr>
-              <p:cNvPr id="7" name="Dikdörtgen 6"/>
-              <p:cNvSpPr/>
-              <p:nvPr/>
-            </p:nvSpPr>
-            <p:spPr>
-              <a:xfrm>
-                <a:off x="127000" y="5901146"/>
-                <a:ext cx="5156200" cy="838200"/>
-              </a:xfrm>
-              <a:prstGeom prst="rect">
-                <a:avLst/>
-              </a:prstGeom>
-              <a:solidFill>
-                <a:schemeClr val="bg1">
-                  <a:lumMod val="95000"/>
-                </a:schemeClr>
-              </a:solidFill>
-              <a:ln>
-                <a:noFill/>
-              </a:ln>
-            </p:spPr>
-            <p:style>
-              <a:lnRef idx="2">
-                <a:schemeClr val="accent1">
-                  <a:shade val="50000"/>
-                </a:schemeClr>
-              </a:lnRef>
-              <a:fillRef idx="1">
-                <a:schemeClr val="accent1"/>
-              </a:fillRef>
-              <a:effectRef idx="0">
-                <a:schemeClr val="accent1"/>
-              </a:effectRef>
-              <a:fontRef idx="minor">
-                <a:schemeClr val="lt1"/>
-              </a:fontRef>
-            </p:style>
-            <p:txBody>
-              <a:bodyPr rtlCol="0" anchor="ctr"/>
-              <a:lstStyle/>
-              <a:p>
-                <a:pPr algn="ctr"/>
-                <a:endParaRPr lang="en-US" sz="2000"/>
-              </a:p>
-            </p:txBody>
-          </p:sp>
-          <p:grpSp>
-            <p:nvGrpSpPr>
-              <p:cNvPr id="6" name="Grup 5"/>
-              <p:cNvGrpSpPr/>
-              <p:nvPr/>
-            </p:nvGrpSpPr>
-            <p:grpSpPr>
-              <a:xfrm>
-                <a:off x="211667" y="6019800"/>
-                <a:ext cx="5012266" cy="605115"/>
-                <a:chOff x="211667" y="6019800"/>
-                <a:chExt cx="5012266" cy="605115"/>
-              </a:xfrm>
-            </p:grpSpPr>
-            <p:pic>
-              <p:nvPicPr>
-                <p:cNvPr id="4" name="Resim 3"/>
-                <p:cNvPicPr>
-                  <a:picLocks noChangeAspect="1"/>
-                </p:cNvPicPr>
-                <p:nvPr/>
-              </p:nvPicPr>
-              <p:blipFill rotWithShape="1">
-                <a:blip r:embed="rId2" cstate="print">
-                  <a:extLst>
-                    <a:ext uri="{28A0092B-C50C-407E-A947-70E740481C1C}">
-                      <a14:useLocalDpi xmlns:a14="http://schemas.microsoft.com/office/drawing/2010/main" val="0"/>
-                    </a:ext>
-                  </a:extLst>
-                </a:blip>
-                <a:srcRect l="24387" t="8319" r="18355" b="50150"/>
-                <a:stretch/>
-              </p:blipFill>
-              <p:spPr>
-                <a:xfrm>
-                  <a:off x="211667" y="6019800"/>
-                  <a:ext cx="1072095" cy="600892"/>
-                </a:xfrm>
-                <a:prstGeom prst="rect">
-                  <a:avLst/>
-                </a:prstGeom>
-              </p:spPr>
-            </p:pic>
-            <p:sp>
-              <p:nvSpPr>
-                <p:cNvPr id="5" name="Unvan 1"/>
-                <p:cNvSpPr txBox="1">
-                  <a:spLocks/>
-                </p:cNvSpPr>
-                <p:nvPr/>
-              </p:nvSpPr>
-              <p:spPr>
-                <a:xfrm>
-                  <a:off x="1283763" y="6024023"/>
-                  <a:ext cx="3940170" cy="600892"/>
-                </a:xfrm>
-                <a:prstGeom prst="rect">
-                  <a:avLst/>
-                </a:prstGeom>
-              </p:spPr>
-              <p:txBody>
-                <a:bodyPr vert="horz" lIns="91440" tIns="45720" rIns="91440" bIns="45720" rtlCol="0" anchor="b">
-                  <a:noAutofit/>
-                </a:bodyPr>
-                <a:lstStyle>
-                  <a:lvl1pPr algn="ctr" defTabSz="914400" rtl="0" eaLnBrk="1" latinLnBrk="0" hangingPunct="1">
-                    <a:lnSpc>
-                      <a:spcPct val="90000"/>
-                    </a:lnSpc>
-                    <a:spcBef>
-                      <a:spcPct val="0"/>
-                    </a:spcBef>
-                    <a:buNone/>
-                    <a:defRPr sz="6000" kern="1200">
-                      <a:solidFill>
-                        <a:schemeClr val="tx1"/>
-                      </a:solidFill>
-                      <a:latin typeface="+mj-lt"/>
-                      <a:ea typeface="+mj-ea"/>
-                      <a:cs typeface="+mj-cs"/>
-                    </a:defRPr>
-                  </a:lvl1pPr>
-                </a:lstStyle>
-                <a:p>
-                  <a:pPr algn="l"/>
-                  <a:r>
-                    <a:rPr lang="tr-TR" sz="2000" dirty="0" smtClean="0">
-                      <a:solidFill>
-                        <a:srgbClr val="CB171F"/>
-                      </a:solidFill>
-                      <a:latin typeface="Constantia" panose="02030602050306030303" pitchFamily="18" charset="0"/>
-                      <a:ea typeface="Verdana" panose="020B0604030504040204" pitchFamily="34" charset="0"/>
-                      <a:cs typeface="Arial" panose="020B0604020202020204" pitchFamily="34" charset="0"/>
-                    </a:rPr>
-                    <a:t>Veri Bilimi Okulu</a:t>
-                  </a:r>
-                  <a:endParaRPr lang="en-US" sz="2000" dirty="0">
-                    <a:solidFill>
-                      <a:srgbClr val="CB171F"/>
-                    </a:solidFill>
-                    <a:latin typeface="Constantia" panose="02030602050306030303" pitchFamily="18" charset="0"/>
-                    <a:ea typeface="Verdana" panose="020B0604030504040204" pitchFamily="34" charset="0"/>
-                    <a:cs typeface="Arial" panose="020B0604020202020204" pitchFamily="34" charset="0"/>
-                  </a:endParaRPr>
-                </a:p>
-              </p:txBody>
-            </p:sp>
-          </p:grpSp>
-        </p:grpSp>
-        <p:sp>
-          <p:nvSpPr>
-            <p:cNvPr id="12" name="Metin kutusu 11"/>
-            <p:cNvSpPr txBox="1"/>
-            <p:nvPr/>
-          </p:nvSpPr>
-          <p:spPr>
-            <a:xfrm>
-              <a:off x="1582782" y="6493211"/>
-              <a:ext cx="1687468" cy="230832"/>
-            </a:xfrm>
-            <a:prstGeom prst="rect">
-              <a:avLst/>
-            </a:prstGeom>
-            <a:noFill/>
-          </p:spPr>
-          <p:txBody>
-            <a:bodyPr wrap="square" rtlCol="0">
-              <a:spAutoFit/>
-            </a:bodyPr>
-            <a:lstStyle/>
-            <a:p>
-              <a:r>
-                <a:rPr lang="en-US" sz="900" dirty="0" smtClean="0">
-                  <a:solidFill>
-                    <a:srgbClr val="0B8043"/>
-                  </a:solidFill>
-                </a:rPr>
-                <a:t>https:</a:t>
-              </a:r>
-              <a:r>
-                <a:rPr lang="en-US" sz="900" dirty="0" smtClean="0">
-                  <a:solidFill>
-                    <a:schemeClr val="bg1">
-                      <a:lumMod val="50000"/>
-                    </a:schemeClr>
-                  </a:solidFill>
-                </a:rPr>
-                <a:t>//www.veribilimi.co</a:t>
-              </a:r>
-              <a:endParaRPr lang="en-US" sz="900" dirty="0">
-                <a:solidFill>
-                  <a:schemeClr val="bg1">
-                    <a:lumMod val="50000"/>
-                  </a:schemeClr>
-                </a:solidFill>
-              </a:endParaRPr>
-            </a:p>
-          </p:txBody>
-        </p:sp>
-      </p:grpSp>
-      <p:grpSp>
-        <p:nvGrpSpPr>
-          <p:cNvPr id="11" name="Grup 10"/>
-          <p:cNvGrpSpPr/>
-          <p:nvPr/>
-        </p:nvGrpSpPr>
-        <p:grpSpPr>
-          <a:xfrm>
-            <a:off x="9194796" y="6231467"/>
-            <a:ext cx="2802471" cy="457084"/>
-            <a:chOff x="184993" y="5905369"/>
-            <a:chExt cx="5156200" cy="838200"/>
-          </a:xfrm>
-        </p:grpSpPr>
-        <p:sp>
-          <p:nvSpPr>
-            <p:cNvPr id="13" name="Dikdörtgen 12"/>
-            <p:cNvSpPr/>
-            <p:nvPr/>
-          </p:nvSpPr>
-          <p:spPr>
-            <a:xfrm>
-              <a:off x="184993" y="5905369"/>
-              <a:ext cx="5156200" cy="838200"/>
-            </a:xfrm>
-            <a:prstGeom prst="rect">
-              <a:avLst/>
-            </a:prstGeom>
-            <a:solidFill>
-              <a:schemeClr val="bg1">
-                <a:lumMod val="95000"/>
-              </a:schemeClr>
-            </a:solidFill>
-            <a:ln>
-              <a:noFill/>
-            </a:ln>
-          </p:spPr>
-          <p:style>
-            <a:lnRef idx="2">
-              <a:schemeClr val="accent1">
-                <a:shade val="50000"/>
-              </a:schemeClr>
-            </a:lnRef>
-            <a:fillRef idx="1">
-              <a:schemeClr val="accent1"/>
-            </a:fillRef>
-            <a:effectRef idx="0">
-              <a:schemeClr val="accent1"/>
-            </a:effectRef>
-            <a:fontRef idx="minor">
-              <a:schemeClr val="lt1"/>
-            </a:fontRef>
-          </p:style>
-          <p:txBody>
-            <a:bodyPr rtlCol="0" anchor="ctr"/>
-            <a:lstStyle/>
-            <a:p>
-              <a:pPr algn="ctr"/>
-              <a:endParaRPr lang="en-US" sz="2000"/>
-            </a:p>
-          </p:txBody>
-        </p:sp>
-        <p:sp>
-          <p:nvSpPr>
-            <p:cNvPr id="14" name="Unvan 1"/>
-            <p:cNvSpPr txBox="1">
-              <a:spLocks/>
-            </p:cNvSpPr>
-            <p:nvPr/>
-          </p:nvSpPr>
-          <p:spPr>
-            <a:xfrm>
-              <a:off x="302252" y="6024023"/>
-              <a:ext cx="4921678" cy="600892"/>
-            </a:xfrm>
-            <a:prstGeom prst="rect">
-              <a:avLst/>
-            </a:prstGeom>
-          </p:spPr>
-          <p:txBody>
-            <a:bodyPr vert="horz" lIns="91440" tIns="45720" rIns="91440" bIns="45720" rtlCol="0" anchor="b">
-              <a:noAutofit/>
-            </a:bodyPr>
-            <a:lstStyle>
-              <a:lvl1pPr algn="ctr" defTabSz="914400" rtl="0" eaLnBrk="1" latinLnBrk="0" hangingPunct="1">
-                <a:lnSpc>
-                  <a:spcPct val="90000"/>
-                </a:lnSpc>
-                <a:spcBef>
-                  <a:spcPct val="0"/>
-                </a:spcBef>
-                <a:buNone/>
-                <a:defRPr sz="6000" kern="1200">
-                  <a:solidFill>
-                    <a:schemeClr val="tx1"/>
-                  </a:solidFill>
-                  <a:latin typeface="+mj-lt"/>
-                  <a:ea typeface="+mj-ea"/>
-                  <a:cs typeface="+mj-cs"/>
-                </a:defRPr>
-              </a:lvl1pPr>
-            </a:lstStyle>
-            <a:p>
-              <a:pPr algn="l"/>
-              <a:r>
-                <a:rPr lang="tr-TR" sz="2000" dirty="0">
-                  <a:solidFill>
-                    <a:srgbClr val="CB171F"/>
-                  </a:solidFill>
-                  <a:latin typeface="Constantia" panose="02030602050306030303" pitchFamily="18" charset="0"/>
-                  <a:ea typeface="Verdana" panose="020B0604030504040204" pitchFamily="34" charset="0"/>
-                  <a:cs typeface="Arial" panose="020B0604020202020204" pitchFamily="34" charset="0"/>
-                </a:rPr>
-                <a:t>A’dan Z’ye Büyük Veri</a:t>
-              </a:r>
-              <a:endParaRPr lang="en-US" sz="2000" dirty="0">
-                <a:solidFill>
-                  <a:srgbClr val="CB171F"/>
-                </a:solidFill>
-                <a:latin typeface="Constantia" panose="02030602050306030303" pitchFamily="18" charset="0"/>
-                <a:ea typeface="Verdana" panose="020B0604030504040204" pitchFamily="34" charset="0"/>
-                <a:cs typeface="Arial" panose="020B0604020202020204" pitchFamily="34" charset="0"/>
-              </a:endParaRPr>
-            </a:p>
-          </p:txBody>
-        </p:sp>
-      </p:grpSp>
       <p:sp>
         <p:nvSpPr>
           <p:cNvPr id="16" name="Unvan 1"/>
@@ -21845,7 +16559,7 @@
           <a:lstStyle/>
           <a:p>
             <a:r>
-              <a:rPr lang="tr-TR" sz="3600" b="1" dirty="0" err="1" smtClean="0">
+              <a:rPr lang="tr-TR" sz="3600" b="1" dirty="0" err="1">
                 <a:solidFill>
                   <a:srgbClr val="CD1F26"/>
                 </a:solidFill>
@@ -21895,7 +16609,7 @@
               <a:buChar char="ü"/>
             </a:pPr>
             <a:r>
-              <a:rPr lang="tr-TR" sz="2400" dirty="0" smtClean="0">
+              <a:rPr lang="tr-TR" sz="2400" dirty="0">
                 <a:solidFill>
                   <a:srgbClr val="000000"/>
                 </a:solidFill>
@@ -21913,7 +16627,7 @@
               <a:buChar char="ü"/>
             </a:pPr>
             <a:r>
-              <a:rPr lang="tr-TR" sz="2400" dirty="0" smtClean="0">
+              <a:rPr lang="tr-TR" sz="2400" dirty="0">
                 <a:solidFill>
                   <a:srgbClr val="000000"/>
                 </a:solidFill>
@@ -21931,7 +16645,7 @@
               <a:buChar char="ü"/>
             </a:pPr>
             <a:r>
-              <a:rPr lang="tr-TR" sz="2400" dirty="0" smtClean="0">
+              <a:rPr lang="tr-TR" sz="2400" dirty="0">
                 <a:solidFill>
                   <a:srgbClr val="000000"/>
                 </a:solidFill>
@@ -21940,7 +16654,7 @@
               <a:t>Diğer </a:t>
             </a:r>
             <a:r>
-              <a:rPr lang="tr-TR" sz="2400" dirty="0" err="1" smtClean="0">
+              <a:rPr lang="tr-TR" sz="2400" dirty="0" err="1">
                 <a:solidFill>
                   <a:srgbClr val="000000"/>
                 </a:solidFill>
@@ -21949,7 +16663,7 @@
               <a:t>worker’lar</a:t>
             </a:r>
             <a:r>
-              <a:rPr lang="tr-TR" sz="2400" dirty="0" smtClean="0">
+              <a:rPr lang="tr-TR" sz="2400" dirty="0">
                 <a:solidFill>
                   <a:srgbClr val="000000"/>
                 </a:solidFill>
@@ -21967,7 +16681,7 @@
               <a:buChar char="ü"/>
             </a:pPr>
             <a:r>
-              <a:rPr lang="tr-TR" sz="2400" dirty="0" smtClean="0">
+              <a:rPr lang="tr-TR" sz="2400" dirty="0">
                 <a:solidFill>
                   <a:srgbClr val="000000"/>
                 </a:solidFill>
@@ -21976,7 +16690,7 @@
               <a:t>Sonucu </a:t>
             </a:r>
             <a:r>
-              <a:rPr lang="tr-TR" sz="2400" dirty="0" err="1" smtClean="0">
+              <a:rPr lang="tr-TR" sz="2400" dirty="0" err="1">
                 <a:solidFill>
                   <a:srgbClr val="000000"/>
                 </a:solidFill>
@@ -21985,7 +16699,7 @@
               <a:t>coordinator’a</a:t>
             </a:r>
             <a:r>
-              <a:rPr lang="tr-TR" sz="2400" dirty="0" smtClean="0">
+              <a:rPr lang="tr-TR" sz="2400" dirty="0">
                 <a:solidFill>
                   <a:srgbClr val="000000"/>
                 </a:solidFill>
@@ -22002,7 +16716,7 @@
               <a:buFont typeface="Wingdings" panose="05000000000000000000" pitchFamily="2" charset="2"/>
               <a:buChar char="ü"/>
             </a:pPr>
-            <a:endParaRPr lang="tr-TR" sz="2400" dirty="0" smtClean="0">
+            <a:endParaRPr lang="tr-TR" sz="2400" dirty="0">
               <a:solidFill>
                 <a:srgbClr val="000000"/>
               </a:solidFill>
@@ -22108,7 +16822,7 @@
           </a:lstStyle>
           <a:p>
             <a:r>
-              <a:rPr lang="tr-TR" sz="3600" b="1" dirty="0" err="1" smtClean="0">
+              <a:rPr lang="tr-TR" sz="3600" b="1" dirty="0" err="1">
                 <a:solidFill>
                   <a:srgbClr val="CD1F26"/>
                 </a:solidFill>
@@ -22158,7 +16872,7 @@
               <a:buChar char="ü"/>
             </a:pPr>
             <a:r>
-              <a:rPr lang="tr-TR" sz="2400" dirty="0" smtClean="0">
+              <a:rPr lang="tr-TR" sz="2400" dirty="0">
                 <a:solidFill>
                   <a:srgbClr val="000000"/>
                 </a:solidFill>
@@ -22176,7 +16890,7 @@
               <a:buChar char="ü"/>
             </a:pPr>
             <a:r>
-              <a:rPr lang="tr-TR" sz="2400" dirty="0" err="1" smtClean="0">
+              <a:rPr lang="tr-TR" sz="2400" dirty="0" err="1">
                 <a:solidFill>
                   <a:srgbClr val="000000"/>
                 </a:solidFill>
@@ -22185,7 +16899,7 @@
               <a:t>Hive</a:t>
             </a:r>
             <a:r>
-              <a:rPr lang="tr-TR" sz="2400" dirty="0" smtClean="0">
+              <a:rPr lang="tr-TR" sz="2400" dirty="0">
                 <a:solidFill>
                   <a:srgbClr val="000000"/>
                 </a:solidFill>
@@ -22194,7 +16908,7 @@
               <a:t> </a:t>
             </a:r>
             <a:r>
-              <a:rPr lang="tr-TR" sz="2400" dirty="0" err="1" smtClean="0">
+              <a:rPr lang="tr-TR" sz="2400" dirty="0" err="1">
                 <a:solidFill>
                   <a:srgbClr val="000000"/>
                 </a:solidFill>
@@ -22203,7 +16917,7 @@
               <a:t>catalog</a:t>
             </a:r>
             <a:r>
-              <a:rPr lang="tr-TR" sz="2400" dirty="0" smtClean="0">
+              <a:rPr lang="tr-TR" sz="2400" dirty="0">
                 <a:solidFill>
                   <a:srgbClr val="000000"/>
                 </a:solidFill>
@@ -22212,7 +16926,7 @@
               <a:t>, </a:t>
             </a:r>
             <a:r>
-              <a:rPr lang="tr-TR" sz="2400" dirty="0" err="1" smtClean="0">
+              <a:rPr lang="tr-TR" sz="2400" dirty="0" err="1">
                 <a:solidFill>
                   <a:srgbClr val="000000"/>
                 </a:solidFill>
@@ -22221,7 +16935,7 @@
               <a:t>mysql</a:t>
             </a:r>
             <a:r>
-              <a:rPr lang="tr-TR" sz="2400" dirty="0" smtClean="0">
+              <a:rPr lang="tr-TR" sz="2400" dirty="0">
                 <a:solidFill>
                   <a:srgbClr val="000000"/>
                 </a:solidFill>
@@ -22230,7 +16944,7 @@
               <a:t> </a:t>
             </a:r>
             <a:r>
-              <a:rPr lang="tr-TR" sz="2400" dirty="0" err="1" smtClean="0">
+              <a:rPr lang="tr-TR" sz="2400" dirty="0" err="1">
                 <a:solidFill>
                   <a:srgbClr val="000000"/>
                 </a:solidFill>
@@ -22239,7 +16953,7 @@
               <a:t>catalog</a:t>
             </a:r>
             <a:r>
-              <a:rPr lang="tr-TR" sz="2400" dirty="0" smtClean="0">
+              <a:rPr lang="tr-TR" sz="2400" dirty="0">
                 <a:solidFill>
                   <a:srgbClr val="000000"/>
                 </a:solidFill>
@@ -22257,7 +16971,7 @@
               <a:buChar char="ü"/>
             </a:pPr>
             <a:r>
-              <a:rPr lang="tr-TR" sz="2400" dirty="0" err="1" smtClean="0">
+              <a:rPr lang="tr-TR" sz="2400" dirty="0" err="1">
                 <a:solidFill>
                   <a:srgbClr val="000000"/>
                 </a:solidFill>
@@ -22265,7 +16979,7 @@
               </a:rPr>
               <a:t>hive.azhadoop.adult</a:t>
             </a:r>
-            <a:endParaRPr lang="tr-TR" sz="2400" dirty="0" smtClean="0">
+            <a:endParaRPr lang="tr-TR" sz="2400" dirty="0">
               <a:solidFill>
                 <a:srgbClr val="000000"/>
               </a:solidFill>
@@ -22281,7 +16995,7 @@
               <a:buChar char="ü"/>
             </a:pPr>
             <a:r>
-              <a:rPr lang="tr-TR" sz="2400" dirty="0" err="1" smtClean="0">
+              <a:rPr lang="tr-TR" sz="2400" dirty="0" err="1">
                 <a:solidFill>
                   <a:srgbClr val="000000"/>
                 </a:solidFill>
@@ -22290,7 +17004,7 @@
               <a:t>Hive</a:t>
             </a:r>
             <a:r>
-              <a:rPr lang="tr-TR" sz="2400" dirty="0" smtClean="0">
+              <a:rPr lang="tr-TR" sz="2400" dirty="0">
                 <a:solidFill>
                   <a:srgbClr val="000000"/>
                 </a:solidFill>
@@ -22299,7 +17013,7 @@
               <a:t> </a:t>
             </a:r>
             <a:r>
-              <a:rPr lang="tr-TR" sz="2400" dirty="0" err="1" smtClean="0">
+              <a:rPr lang="tr-TR" sz="2400" dirty="0" err="1">
                 <a:solidFill>
                   <a:srgbClr val="000000"/>
                 </a:solidFill>
@@ -22308,7 +17022,7 @@
               <a:t>catalog</a:t>
             </a:r>
             <a:r>
-              <a:rPr lang="tr-TR" sz="2400" dirty="0" smtClean="0">
+              <a:rPr lang="tr-TR" sz="2400" dirty="0">
                 <a:solidFill>
                   <a:srgbClr val="000000"/>
                 </a:solidFill>
@@ -22317,7 +17031,7 @@
               <a:t>, </a:t>
             </a:r>
             <a:r>
-              <a:rPr lang="tr-TR" sz="2400" dirty="0" err="1" smtClean="0">
+              <a:rPr lang="tr-TR" sz="2400" dirty="0" err="1">
                 <a:solidFill>
                   <a:srgbClr val="000000"/>
                 </a:solidFill>
@@ -22326,7 +17040,7 @@
               <a:t>azhadoop</a:t>
             </a:r>
             <a:r>
-              <a:rPr lang="tr-TR" sz="2400" dirty="0" smtClean="0">
+              <a:rPr lang="tr-TR" sz="2400" dirty="0">
                 <a:solidFill>
                   <a:srgbClr val="000000"/>
                 </a:solidFill>
@@ -22335,7 +17049,7 @@
               <a:t> şema, </a:t>
             </a:r>
             <a:r>
-              <a:rPr lang="tr-TR" sz="2400" dirty="0" err="1" smtClean="0">
+              <a:rPr lang="tr-TR" sz="2400" dirty="0" err="1">
                 <a:solidFill>
                   <a:srgbClr val="000000"/>
                 </a:solidFill>
@@ -22344,7 +17058,7 @@
               <a:t>adult</a:t>
             </a:r>
             <a:r>
-              <a:rPr lang="tr-TR" sz="2400" dirty="0" smtClean="0">
+              <a:rPr lang="tr-TR" sz="2400" dirty="0">
                 <a:solidFill>
                   <a:srgbClr val="000000"/>
                 </a:solidFill>
@@ -22361,7 +17075,7 @@
               <a:buFont typeface="Wingdings" panose="05000000000000000000" pitchFamily="2" charset="2"/>
               <a:buChar char="ü"/>
             </a:pPr>
-            <a:endParaRPr lang="tr-TR" sz="2400" dirty="0" smtClean="0">
+            <a:endParaRPr lang="tr-TR" sz="2400" dirty="0">
               <a:solidFill>
                 <a:srgbClr val="000000"/>
               </a:solidFill>
@@ -22380,13 +17094,6 @@
   <p:clrMapOvr>
     <a:masterClrMapping/>
   </p:clrMapOvr>
-  <p:timing>
-    <p:tnLst>
-      <p:par>
-        <p:cTn id="1" dur="indefinite" restart="never" nodeType="tmRoot"/>
-      </p:par>
-    </p:tnLst>
-  </p:timing>
 </p:sld>
 </file>
 
